--- a/6Week-Angular/6w.pptx
+++ b/6Week-Angular/6w.pptx
@@ -10,7 +10,15 @@
     <p:sldId id="258" r:id="rId4"/>
     <p:sldId id="259" r:id="rId5"/>
     <p:sldId id="260" r:id="rId6"/>
-    <p:sldId id="261" r:id="rId7"/>
+    <p:sldId id="262" r:id="rId7"/>
+    <p:sldId id="263" r:id="rId8"/>
+    <p:sldId id="264" r:id="rId9"/>
+    <p:sldId id="265" r:id="rId10"/>
+    <p:sldId id="266" r:id="rId11"/>
+    <p:sldId id="267" r:id="rId12"/>
+    <p:sldId id="261" r:id="rId13"/>
+    <p:sldId id="268" r:id="rId14"/>
+    <p:sldId id="269" r:id="rId15"/>
   </p:sldIdLst>
   <p:sldSz cx="12192000" cy="6858000"/>
   <p:notesSz cx="6858000" cy="9144000"/>
@@ -123,10 +131,21 @@
         <p14:section name="Untitled Section" id="{99A1531E-85B5-4E47-8483-86FD98A4D264}">
           <p14:sldIdLst>
             <p14:sldId id="260"/>
+            <p14:sldId id="262"/>
+            <p14:sldId id="263"/>
+            <p14:sldId id="264"/>
+            <p14:sldId id="265"/>
+            <p14:sldId id="266"/>
+            <p14:sldId id="267"/>
             <p14:sldId id="261"/>
+            <p14:sldId id="268"/>
+            <p14:sldId id="269"/>
           </p14:sldIdLst>
         </p14:section>
       </p14:sectionLst>
+    </p:ext>
+    <p:ext uri="{EFAFB233-063F-42B5-8137-9DF3F51BA10A}">
+      <p15:sldGuideLst xmlns:p15="http://schemas.microsoft.com/office/powerpoint/2012/main"/>
     </p:ext>
   </p:extLst>
 </p:presentation>
@@ -279,7 +298,7 @@
           <a:p>
             <a:fld id="{CEA97F12-9119-4EBE-AEC4-F8190DFB4DD6}" type="datetimeFigureOut">
               <a:rPr lang="en-US" smtClean="0"/>
-              <a:t>9/22/2020</a:t>
+              <a:t>9/23/2020</a:t>
             </a:fld>
             <a:endParaRPr lang="en-US"/>
           </a:p>
@@ -477,7 +496,7 @@
           <a:p>
             <a:fld id="{CEA97F12-9119-4EBE-AEC4-F8190DFB4DD6}" type="datetimeFigureOut">
               <a:rPr lang="en-US" smtClean="0"/>
-              <a:t>9/22/2020</a:t>
+              <a:t>9/23/2020</a:t>
             </a:fld>
             <a:endParaRPr lang="en-US"/>
           </a:p>
@@ -685,7 +704,7 @@
           <a:p>
             <a:fld id="{CEA97F12-9119-4EBE-AEC4-F8190DFB4DD6}" type="datetimeFigureOut">
               <a:rPr lang="en-US" smtClean="0"/>
-              <a:t>9/22/2020</a:t>
+              <a:t>9/23/2020</a:t>
             </a:fld>
             <a:endParaRPr lang="en-US"/>
           </a:p>
@@ -883,7 +902,7 @@
           <a:p>
             <a:fld id="{CEA97F12-9119-4EBE-AEC4-F8190DFB4DD6}" type="datetimeFigureOut">
               <a:rPr lang="en-US" smtClean="0"/>
-              <a:t>9/22/2020</a:t>
+              <a:t>9/23/2020</a:t>
             </a:fld>
             <a:endParaRPr lang="en-US"/>
           </a:p>
@@ -1158,7 +1177,7 @@
           <a:p>
             <a:fld id="{CEA97F12-9119-4EBE-AEC4-F8190DFB4DD6}" type="datetimeFigureOut">
               <a:rPr lang="en-US" smtClean="0"/>
-              <a:t>9/22/2020</a:t>
+              <a:t>9/23/2020</a:t>
             </a:fld>
             <a:endParaRPr lang="en-US"/>
           </a:p>
@@ -1423,7 +1442,7 @@
           <a:p>
             <a:fld id="{CEA97F12-9119-4EBE-AEC4-F8190DFB4DD6}" type="datetimeFigureOut">
               <a:rPr lang="en-US" smtClean="0"/>
-              <a:t>9/22/2020</a:t>
+              <a:t>9/23/2020</a:t>
             </a:fld>
             <a:endParaRPr lang="en-US"/>
           </a:p>
@@ -1835,7 +1854,7 @@
           <a:p>
             <a:fld id="{CEA97F12-9119-4EBE-AEC4-F8190DFB4DD6}" type="datetimeFigureOut">
               <a:rPr lang="en-US" smtClean="0"/>
-              <a:t>9/22/2020</a:t>
+              <a:t>9/23/2020</a:t>
             </a:fld>
             <a:endParaRPr lang="en-US"/>
           </a:p>
@@ -1976,7 +1995,7 @@
           <a:p>
             <a:fld id="{CEA97F12-9119-4EBE-AEC4-F8190DFB4DD6}" type="datetimeFigureOut">
               <a:rPr lang="en-US" smtClean="0"/>
-              <a:t>9/22/2020</a:t>
+              <a:t>9/23/2020</a:t>
             </a:fld>
             <a:endParaRPr lang="en-US"/>
           </a:p>
@@ -2089,7 +2108,7 @@
           <a:p>
             <a:fld id="{CEA97F12-9119-4EBE-AEC4-F8190DFB4DD6}" type="datetimeFigureOut">
               <a:rPr lang="en-US" smtClean="0"/>
-              <a:t>9/22/2020</a:t>
+              <a:t>9/23/2020</a:t>
             </a:fld>
             <a:endParaRPr lang="en-US"/>
           </a:p>
@@ -2400,7 +2419,7 @@
           <a:p>
             <a:fld id="{CEA97F12-9119-4EBE-AEC4-F8190DFB4DD6}" type="datetimeFigureOut">
               <a:rPr lang="en-US" smtClean="0"/>
-              <a:t>9/22/2020</a:t>
+              <a:t>9/23/2020</a:t>
             </a:fld>
             <a:endParaRPr lang="en-US"/>
           </a:p>
@@ -2688,7 +2707,7 @@
           <a:p>
             <a:fld id="{CEA97F12-9119-4EBE-AEC4-F8190DFB4DD6}" type="datetimeFigureOut">
               <a:rPr lang="en-US" smtClean="0"/>
-              <a:t>9/22/2020</a:t>
+              <a:t>9/23/2020</a:t>
             </a:fld>
             <a:endParaRPr lang="en-US"/>
           </a:p>
@@ -2929,7 +2948,7 @@
           <a:p>
             <a:fld id="{CEA97F12-9119-4EBE-AEC4-F8190DFB4DD6}" type="datetimeFigureOut">
               <a:rPr lang="en-US" smtClean="0"/>
-              <a:t>9/22/2020</a:t>
+              <a:t>9/23/2020</a:t>
             </a:fld>
             <a:endParaRPr lang="en-US"/>
           </a:p>
@@ -3409,6 +3428,599 @@
 </p:sld>
 </file>
 
+<file path=ppt/slides/slide10.xml><?xml version="1.0" encoding="utf-8"?>
+<p:sld xmlns:a="http://schemas.openxmlformats.org/drawingml/2006/main" xmlns:r="http://schemas.openxmlformats.org/officeDocument/2006/relationships" xmlns:p="http://schemas.openxmlformats.org/presentationml/2006/main">
+  <p:cSld>
+    <p:spTree>
+      <p:nvGrpSpPr>
+        <p:cNvPr id="1" name=""/>
+        <p:cNvGrpSpPr/>
+        <p:nvPr/>
+      </p:nvGrpSpPr>
+      <p:grpSpPr>
+        <a:xfrm>
+          <a:off x="0" y="0"/>
+          <a:ext cx="0" cy="0"/>
+          <a:chOff x="0" y="0"/>
+          <a:chExt cx="0" cy="0"/>
+        </a:xfrm>
+      </p:grpSpPr>
+      <p:sp>
+        <p:nvSpPr>
+          <p:cNvPr id="2" name="Title 1">
+            <a:extLst>
+              <a:ext uri="{FF2B5EF4-FFF2-40B4-BE49-F238E27FC236}">
+                <a16:creationId xmlns:a16="http://schemas.microsoft.com/office/drawing/2014/main" id="{00FDB0B6-2B8F-4930-9A71-7A2D6148F033}"/>
+              </a:ext>
+            </a:extLst>
+          </p:cNvPr>
+          <p:cNvSpPr>
+            <a:spLocks noGrp="1"/>
+          </p:cNvSpPr>
+          <p:nvPr>
+            <p:ph type="title"/>
+          </p:nvPr>
+        </p:nvSpPr>
+        <p:spPr/>
+        <p:txBody>
+          <a:bodyPr/>
+          <a:lstStyle/>
+          <a:p>
+            <a:r>
+              <a:rPr lang="en-US" dirty="0"/>
+              <a:t>Directives</a:t>
+            </a:r>
+          </a:p>
+        </p:txBody>
+      </p:sp>
+      <p:sp>
+        <p:nvSpPr>
+          <p:cNvPr id="3" name="Content Placeholder 2">
+            <a:extLst>
+              <a:ext uri="{FF2B5EF4-FFF2-40B4-BE49-F238E27FC236}">
+                <a16:creationId xmlns:a16="http://schemas.microsoft.com/office/drawing/2014/main" id="{7118DBBF-1151-4C4D-9B87-EB48D24D213D}"/>
+              </a:ext>
+            </a:extLst>
+          </p:cNvPr>
+          <p:cNvSpPr>
+            <a:spLocks noGrp="1"/>
+          </p:cNvSpPr>
+          <p:nvPr>
+            <p:ph idx="1"/>
+          </p:nvPr>
+        </p:nvSpPr>
+        <p:spPr/>
+        <p:txBody>
+          <a:bodyPr/>
+          <a:lstStyle/>
+          <a:p>
+            <a:r>
+              <a:rPr lang="en-US" dirty="0"/>
+              <a:t>Structural</a:t>
+            </a:r>
+          </a:p>
+          <a:p>
+            <a:pPr lvl="1"/>
+            <a:r>
+              <a:rPr lang="en-US" dirty="0"/>
+              <a:t>*</a:t>
+            </a:r>
+            <a:r>
+              <a:rPr lang="en-US" dirty="0" err="1"/>
+              <a:t>ngFor</a:t>
+            </a:r>
+            <a:endParaRPr lang="en-US" dirty="0"/>
+          </a:p>
+          <a:p>
+            <a:pPr lvl="1"/>
+            <a:r>
+              <a:rPr lang="en-US" dirty="0"/>
+              <a:t>*</a:t>
+            </a:r>
+            <a:r>
+              <a:rPr lang="en-US" dirty="0" err="1"/>
+              <a:t>ngIf</a:t>
+            </a:r>
+            <a:endParaRPr lang="en-US" dirty="0"/>
+          </a:p>
+          <a:p>
+            <a:r>
+              <a:rPr lang="en-US" dirty="0"/>
+              <a:t>Attribute</a:t>
+            </a:r>
+          </a:p>
+          <a:p>
+            <a:r>
+              <a:rPr lang="en-US" dirty="0"/>
+              <a:t>Components</a:t>
+            </a:r>
+          </a:p>
+        </p:txBody>
+      </p:sp>
+    </p:spTree>
+    <p:extLst>
+      <p:ext uri="{BB962C8B-B14F-4D97-AF65-F5344CB8AC3E}">
+        <p14:creationId xmlns:p14="http://schemas.microsoft.com/office/powerpoint/2010/main" val="1233420696"/>
+      </p:ext>
+    </p:extLst>
+  </p:cSld>
+  <p:clrMapOvr>
+    <a:masterClrMapping/>
+  </p:clrMapOvr>
+</p:sld>
+</file>
+
+<file path=ppt/slides/slide11.xml><?xml version="1.0" encoding="utf-8"?>
+<p:sld xmlns:a="http://schemas.openxmlformats.org/drawingml/2006/main" xmlns:r="http://schemas.openxmlformats.org/officeDocument/2006/relationships" xmlns:p="http://schemas.openxmlformats.org/presentationml/2006/main">
+  <p:cSld>
+    <p:spTree>
+      <p:nvGrpSpPr>
+        <p:cNvPr id="1" name=""/>
+        <p:cNvGrpSpPr/>
+        <p:nvPr/>
+      </p:nvGrpSpPr>
+      <p:grpSpPr>
+        <a:xfrm>
+          <a:off x="0" y="0"/>
+          <a:ext cx="0" cy="0"/>
+          <a:chOff x="0" y="0"/>
+          <a:chExt cx="0" cy="0"/>
+        </a:xfrm>
+      </p:grpSpPr>
+      <p:sp>
+        <p:nvSpPr>
+          <p:cNvPr id="2" name="Title 1">
+            <a:extLst>
+              <a:ext uri="{FF2B5EF4-FFF2-40B4-BE49-F238E27FC236}">
+                <a16:creationId xmlns:a16="http://schemas.microsoft.com/office/drawing/2014/main" id="{E1B85424-645D-443C-BCA5-E8DB5548D210}"/>
+              </a:ext>
+            </a:extLst>
+          </p:cNvPr>
+          <p:cNvSpPr>
+            <a:spLocks noGrp="1"/>
+          </p:cNvSpPr>
+          <p:nvPr>
+            <p:ph type="title"/>
+          </p:nvPr>
+        </p:nvSpPr>
+        <p:spPr/>
+        <p:txBody>
+          <a:bodyPr/>
+          <a:lstStyle/>
+          <a:p>
+            <a:r>
+              <a:rPr lang="en-US" dirty="0"/>
+              <a:t>Pipes</a:t>
+            </a:r>
+          </a:p>
+        </p:txBody>
+      </p:sp>
+      <p:sp>
+        <p:nvSpPr>
+          <p:cNvPr id="3" name="Content Placeholder 2">
+            <a:extLst>
+              <a:ext uri="{FF2B5EF4-FFF2-40B4-BE49-F238E27FC236}">
+                <a16:creationId xmlns:a16="http://schemas.microsoft.com/office/drawing/2014/main" id="{6FA7A7EB-BBAA-4688-A521-5C4E0A0418F0}"/>
+              </a:ext>
+            </a:extLst>
+          </p:cNvPr>
+          <p:cNvSpPr>
+            <a:spLocks noGrp="1"/>
+          </p:cNvSpPr>
+          <p:nvPr>
+            <p:ph idx="1"/>
+          </p:nvPr>
+        </p:nvSpPr>
+        <p:spPr/>
+        <p:txBody>
+          <a:bodyPr/>
+          <a:lstStyle/>
+          <a:p>
+            <a:r>
+              <a:rPr lang="en-US" dirty="0"/>
+              <a:t>|</a:t>
+            </a:r>
+          </a:p>
+        </p:txBody>
+      </p:sp>
+    </p:spTree>
+    <p:extLst>
+      <p:ext uri="{BB962C8B-B14F-4D97-AF65-F5344CB8AC3E}">
+        <p14:creationId xmlns:p14="http://schemas.microsoft.com/office/powerpoint/2010/main" val="3189030840"/>
+      </p:ext>
+    </p:extLst>
+  </p:cSld>
+  <p:clrMapOvr>
+    <a:masterClrMapping/>
+  </p:clrMapOvr>
+</p:sld>
+</file>
+
+<file path=ppt/slides/slide12.xml><?xml version="1.0" encoding="utf-8"?>
+<p:sld xmlns:a="http://schemas.openxmlformats.org/drawingml/2006/main" xmlns:r="http://schemas.openxmlformats.org/officeDocument/2006/relationships" xmlns:p="http://schemas.openxmlformats.org/presentationml/2006/main">
+  <p:cSld>
+    <p:spTree>
+      <p:nvGrpSpPr>
+        <p:cNvPr id="1" name=""/>
+        <p:cNvGrpSpPr/>
+        <p:nvPr/>
+      </p:nvGrpSpPr>
+      <p:grpSpPr>
+        <a:xfrm>
+          <a:off x="0" y="0"/>
+          <a:ext cx="0" cy="0"/>
+          <a:chOff x="0" y="0"/>
+          <a:chExt cx="0" cy="0"/>
+        </a:xfrm>
+      </p:grpSpPr>
+      <p:sp>
+        <p:nvSpPr>
+          <p:cNvPr id="6" name="Oval 5">
+            <a:extLst>
+              <a:ext uri="{FF2B5EF4-FFF2-40B4-BE49-F238E27FC236}">
+                <a16:creationId xmlns:a16="http://schemas.microsoft.com/office/drawing/2014/main" id="{CA7B7FBF-DEB5-4115-82C6-7A1721D58C20}"/>
+              </a:ext>
+            </a:extLst>
+          </p:cNvPr>
+          <p:cNvSpPr/>
+          <p:nvPr/>
+        </p:nvSpPr>
+        <p:spPr>
+          <a:xfrm>
+            <a:off x="3076162" y="2037522"/>
+            <a:ext cx="4537212" cy="4591876"/>
+          </a:xfrm>
+          <a:prstGeom prst="ellipse">
+            <a:avLst/>
+          </a:prstGeom>
+        </p:spPr>
+        <p:style>
+          <a:lnRef idx="2">
+            <a:schemeClr val="accent4">
+              <a:shade val="50000"/>
+            </a:schemeClr>
+          </a:lnRef>
+          <a:fillRef idx="1">
+            <a:schemeClr val="accent4"/>
+          </a:fillRef>
+          <a:effectRef idx="0">
+            <a:schemeClr val="accent4"/>
+          </a:effectRef>
+          <a:fontRef idx="minor">
+            <a:schemeClr val="lt1"/>
+          </a:fontRef>
+        </p:style>
+        <p:txBody>
+          <a:bodyPr rtlCol="0" anchor="ctr"/>
+          <a:lstStyle/>
+          <a:p>
+            <a:r>
+              <a:rPr lang="en-US" dirty="0"/>
+              <a:t>TS</a:t>
+            </a:r>
+          </a:p>
+        </p:txBody>
+      </p:sp>
+      <p:sp>
+        <p:nvSpPr>
+          <p:cNvPr id="2" name="Title 1">
+            <a:extLst>
+              <a:ext uri="{FF2B5EF4-FFF2-40B4-BE49-F238E27FC236}">
+                <a16:creationId xmlns:a16="http://schemas.microsoft.com/office/drawing/2014/main" id="{17611471-A8F7-4A0A-9575-E6B75EE090E2}"/>
+              </a:ext>
+            </a:extLst>
+          </p:cNvPr>
+          <p:cNvSpPr>
+            <a:spLocks noGrp="1"/>
+          </p:cNvSpPr>
+          <p:nvPr>
+            <p:ph type="title"/>
+          </p:nvPr>
+        </p:nvSpPr>
+        <p:spPr/>
+        <p:txBody>
+          <a:bodyPr/>
+          <a:lstStyle/>
+          <a:p>
+            <a:r>
+              <a:rPr lang="en-US" dirty="0"/>
+              <a:t>TS and JS</a:t>
+            </a:r>
+          </a:p>
+        </p:txBody>
+      </p:sp>
+      <p:sp>
+        <p:nvSpPr>
+          <p:cNvPr id="4" name="Oval 3">
+            <a:extLst>
+              <a:ext uri="{FF2B5EF4-FFF2-40B4-BE49-F238E27FC236}">
+                <a16:creationId xmlns:a16="http://schemas.microsoft.com/office/drawing/2014/main" id="{A3CD712F-7973-45BD-BC2A-A530BA385422}"/>
+              </a:ext>
+            </a:extLst>
+          </p:cNvPr>
+          <p:cNvSpPr/>
+          <p:nvPr/>
+        </p:nvSpPr>
+        <p:spPr>
+          <a:xfrm>
+            <a:off x="4899992" y="3269973"/>
+            <a:ext cx="2176670" cy="2126974"/>
+          </a:xfrm>
+          <a:prstGeom prst="ellipse">
+            <a:avLst/>
+          </a:prstGeom>
+        </p:spPr>
+        <p:style>
+          <a:lnRef idx="2">
+            <a:schemeClr val="accent1">
+              <a:shade val="50000"/>
+            </a:schemeClr>
+          </a:lnRef>
+          <a:fillRef idx="1">
+            <a:schemeClr val="accent1"/>
+          </a:fillRef>
+          <a:effectRef idx="0">
+            <a:schemeClr val="accent1"/>
+          </a:effectRef>
+          <a:fontRef idx="minor">
+            <a:schemeClr val="lt1"/>
+          </a:fontRef>
+        </p:style>
+        <p:txBody>
+          <a:bodyPr rtlCol="0" anchor="ctr"/>
+          <a:lstStyle/>
+          <a:p>
+            <a:pPr algn="ctr"/>
+            <a:r>
+              <a:rPr lang="en-US" dirty="0"/>
+              <a:t>JS</a:t>
+            </a:r>
+          </a:p>
+        </p:txBody>
+      </p:sp>
+    </p:spTree>
+    <p:extLst>
+      <p:ext uri="{BB962C8B-B14F-4D97-AF65-F5344CB8AC3E}">
+        <p14:creationId xmlns:p14="http://schemas.microsoft.com/office/powerpoint/2010/main" val="937272939"/>
+      </p:ext>
+    </p:extLst>
+  </p:cSld>
+  <p:clrMapOvr>
+    <a:masterClrMapping/>
+  </p:clrMapOvr>
+</p:sld>
+</file>
+
+<file path=ppt/slides/slide13.xml><?xml version="1.0" encoding="utf-8"?>
+<p:sld xmlns:a="http://schemas.openxmlformats.org/drawingml/2006/main" xmlns:r="http://schemas.openxmlformats.org/officeDocument/2006/relationships" xmlns:p="http://schemas.openxmlformats.org/presentationml/2006/main">
+  <p:cSld>
+    <p:spTree>
+      <p:nvGrpSpPr>
+        <p:cNvPr id="1" name=""/>
+        <p:cNvGrpSpPr/>
+        <p:nvPr/>
+      </p:nvGrpSpPr>
+      <p:grpSpPr>
+        <a:xfrm>
+          <a:off x="0" y="0"/>
+          <a:ext cx="0" cy="0"/>
+          <a:chOff x="0" y="0"/>
+          <a:chExt cx="0" cy="0"/>
+        </a:xfrm>
+      </p:grpSpPr>
+      <p:sp>
+        <p:nvSpPr>
+          <p:cNvPr id="2" name="Title 1">
+            <a:extLst>
+              <a:ext uri="{FF2B5EF4-FFF2-40B4-BE49-F238E27FC236}">
+                <a16:creationId xmlns:a16="http://schemas.microsoft.com/office/drawing/2014/main" id="{4118B8E5-8CB3-45C6-B42F-B40225B5FFEE}"/>
+              </a:ext>
+            </a:extLst>
+          </p:cNvPr>
+          <p:cNvSpPr>
+            <a:spLocks noGrp="1"/>
+          </p:cNvSpPr>
+          <p:nvPr>
+            <p:ph type="title"/>
+          </p:nvPr>
+        </p:nvSpPr>
+        <p:spPr/>
+        <p:txBody>
+          <a:bodyPr/>
+          <a:lstStyle/>
+          <a:p>
+            <a:r>
+              <a:rPr lang="en-US" dirty="0"/>
+              <a:t>What we like</a:t>
+            </a:r>
+          </a:p>
+        </p:txBody>
+      </p:sp>
+      <p:sp>
+        <p:nvSpPr>
+          <p:cNvPr id="3" name="Content Placeholder 2">
+            <a:extLst>
+              <a:ext uri="{FF2B5EF4-FFF2-40B4-BE49-F238E27FC236}">
+                <a16:creationId xmlns:a16="http://schemas.microsoft.com/office/drawing/2014/main" id="{8B4627CC-7D89-4A4E-AD6C-17F4E979F2E8}"/>
+              </a:ext>
+            </a:extLst>
+          </p:cNvPr>
+          <p:cNvSpPr>
+            <a:spLocks noGrp="1"/>
+          </p:cNvSpPr>
+          <p:nvPr>
+            <p:ph idx="1"/>
+          </p:nvPr>
+        </p:nvSpPr>
+        <p:spPr/>
+        <p:txBody>
+          <a:bodyPr/>
+          <a:lstStyle/>
+          <a:p>
+            <a:r>
+              <a:rPr lang="en-US" dirty="0"/>
+              <a:t>Directives -&gt; simple, to the point, faster, less to write</a:t>
+            </a:r>
+          </a:p>
+          <a:p>
+            <a:r>
+              <a:rPr lang="en-US" dirty="0"/>
+              <a:t>Automatically sets up boiler plate (code generation)</a:t>
+            </a:r>
+          </a:p>
+          <a:p>
+            <a:r>
+              <a:rPr lang="en-US" dirty="0"/>
+              <a:t>Live updates with dev server</a:t>
+            </a:r>
+          </a:p>
+          <a:p>
+            <a:r>
+              <a:rPr lang="en-US" dirty="0"/>
+              <a:t>Compartmentalizes </a:t>
+            </a:r>
+            <a:r>
+              <a:rPr lang="en-US" dirty="0" err="1"/>
+              <a:t>css</a:t>
+            </a:r>
+            <a:endParaRPr lang="en-US" dirty="0"/>
+          </a:p>
+          <a:p>
+            <a:r>
+              <a:rPr lang="en-US" dirty="0"/>
+              <a:t>Separation of concerns</a:t>
+            </a:r>
+          </a:p>
+        </p:txBody>
+      </p:sp>
+    </p:spTree>
+    <p:extLst>
+      <p:ext uri="{BB962C8B-B14F-4D97-AF65-F5344CB8AC3E}">
+        <p14:creationId xmlns:p14="http://schemas.microsoft.com/office/powerpoint/2010/main" val="2380738990"/>
+      </p:ext>
+    </p:extLst>
+  </p:cSld>
+  <p:clrMapOvr>
+    <a:masterClrMapping/>
+  </p:clrMapOvr>
+</p:sld>
+</file>
+
+<file path=ppt/slides/slide14.xml><?xml version="1.0" encoding="utf-8"?>
+<p:sld xmlns:a="http://schemas.openxmlformats.org/drawingml/2006/main" xmlns:r="http://schemas.openxmlformats.org/officeDocument/2006/relationships" xmlns:p="http://schemas.openxmlformats.org/presentationml/2006/main">
+  <p:cSld>
+    <p:spTree>
+      <p:nvGrpSpPr>
+        <p:cNvPr id="1" name=""/>
+        <p:cNvGrpSpPr/>
+        <p:nvPr/>
+      </p:nvGrpSpPr>
+      <p:grpSpPr>
+        <a:xfrm>
+          <a:off x="0" y="0"/>
+          <a:ext cx="0" cy="0"/>
+          <a:chOff x="0" y="0"/>
+          <a:chExt cx="0" cy="0"/>
+        </a:xfrm>
+      </p:grpSpPr>
+      <p:sp>
+        <p:nvSpPr>
+          <p:cNvPr id="2" name="Title 1">
+            <a:extLst>
+              <a:ext uri="{FF2B5EF4-FFF2-40B4-BE49-F238E27FC236}">
+                <a16:creationId xmlns:a16="http://schemas.microsoft.com/office/drawing/2014/main" id="{4118B8E5-8CB3-45C6-B42F-B40225B5FFEE}"/>
+              </a:ext>
+            </a:extLst>
+          </p:cNvPr>
+          <p:cNvSpPr>
+            <a:spLocks noGrp="1"/>
+          </p:cNvSpPr>
+          <p:nvPr>
+            <p:ph type="title"/>
+          </p:nvPr>
+        </p:nvSpPr>
+        <p:spPr/>
+        <p:txBody>
+          <a:bodyPr/>
+          <a:lstStyle/>
+          <a:p>
+            <a:r>
+              <a:rPr lang="en-US" dirty="0"/>
+              <a:t>What we don’t like</a:t>
+            </a:r>
+          </a:p>
+        </p:txBody>
+      </p:sp>
+      <p:sp>
+        <p:nvSpPr>
+          <p:cNvPr id="3" name="Content Placeholder 2">
+            <a:extLst>
+              <a:ext uri="{FF2B5EF4-FFF2-40B4-BE49-F238E27FC236}">
+                <a16:creationId xmlns:a16="http://schemas.microsoft.com/office/drawing/2014/main" id="{8B4627CC-7D89-4A4E-AD6C-17F4E979F2E8}"/>
+              </a:ext>
+            </a:extLst>
+          </p:cNvPr>
+          <p:cNvSpPr>
+            <a:spLocks noGrp="1"/>
+          </p:cNvSpPr>
+          <p:nvPr>
+            <p:ph idx="1"/>
+          </p:nvPr>
+        </p:nvSpPr>
+        <p:spPr/>
+        <p:txBody>
+          <a:bodyPr/>
+          <a:lstStyle/>
+          <a:p>
+            <a:r>
+              <a:rPr lang="en-US" dirty="0"/>
+              <a:t>Takes control away from dev</a:t>
+            </a:r>
+          </a:p>
+          <a:p>
+            <a:pPr lvl="1"/>
+            <a:r>
+              <a:rPr lang="en-US" dirty="0"/>
+              <a:t>Loose the ability to do things in the “old way”</a:t>
+            </a:r>
+          </a:p>
+          <a:p>
+            <a:r>
+              <a:rPr lang="en-US" dirty="0"/>
+              <a:t>Learning Curve</a:t>
+            </a:r>
+          </a:p>
+          <a:p>
+            <a:pPr lvl="1"/>
+            <a:r>
+              <a:rPr lang="en-US" dirty="0"/>
+              <a:t>Not as intuitive</a:t>
+            </a:r>
+          </a:p>
+          <a:p>
+            <a:r>
+              <a:rPr lang="en-US" dirty="0"/>
+              <a:t>Server not always working 100% of the time</a:t>
+            </a:r>
+          </a:p>
+          <a:p>
+            <a:endParaRPr lang="en-US" dirty="0"/>
+          </a:p>
+        </p:txBody>
+      </p:sp>
+    </p:spTree>
+    <p:extLst>
+      <p:ext uri="{BB962C8B-B14F-4D97-AF65-F5344CB8AC3E}">
+        <p14:creationId xmlns:p14="http://schemas.microsoft.com/office/powerpoint/2010/main" val="1212276335"/>
+      </p:ext>
+    </p:extLst>
+  </p:cSld>
+  <p:clrMapOvr>
+    <a:masterClrMapping/>
+  </p:clrMapOvr>
+</p:sld>
+</file>
+
 <file path=ppt/slides/slide2.xml><?xml version="1.0" encoding="utf-8"?>
 <p:sld xmlns:a="http://schemas.openxmlformats.org/drawingml/2006/main" xmlns:r="http://schemas.openxmlformats.org/officeDocument/2006/relationships" xmlns:p="http://schemas.openxmlformats.org/presentationml/2006/main">
   <p:cSld>
@@ -4942,10 +5554,38 @@
       </p:grpSpPr>
       <p:sp>
         <p:nvSpPr>
-          <p:cNvPr id="6" name="Oval 5">
-            <a:extLst>
-              <a:ext uri="{FF2B5EF4-FFF2-40B4-BE49-F238E27FC236}">
-                <a16:creationId xmlns:a16="http://schemas.microsoft.com/office/drawing/2014/main" id="{CA7B7FBF-DEB5-4115-82C6-7A1721D58C20}"/>
+          <p:cNvPr id="2" name="Title 1">
+            <a:extLst>
+              <a:ext uri="{FF2B5EF4-FFF2-40B4-BE49-F238E27FC236}">
+                <a16:creationId xmlns:a16="http://schemas.microsoft.com/office/drawing/2014/main" id="{7D5E0775-929F-4487-832F-015900338CBB}"/>
+              </a:ext>
+            </a:extLst>
+          </p:cNvPr>
+          <p:cNvSpPr>
+            <a:spLocks noGrp="1"/>
+          </p:cNvSpPr>
+          <p:nvPr>
+            <p:ph type="title"/>
+          </p:nvPr>
+        </p:nvSpPr>
+        <p:spPr/>
+        <p:txBody>
+          <a:bodyPr/>
+          <a:lstStyle/>
+          <a:p>
+            <a:r>
+              <a:rPr lang="en-US" dirty="0"/>
+              <a:t>App Architecture</a:t>
+            </a:r>
+          </a:p>
+        </p:txBody>
+      </p:sp>
+      <p:sp>
+        <p:nvSpPr>
+          <p:cNvPr id="4" name="Rectangle 3">
+            <a:extLst>
+              <a:ext uri="{FF2B5EF4-FFF2-40B4-BE49-F238E27FC236}">
+                <a16:creationId xmlns:a16="http://schemas.microsoft.com/office/drawing/2014/main" id="{E6802F0B-41FA-4AC7-A310-C3E92EDB7DA6}"/>
               </a:ext>
             </a:extLst>
           </p:cNvPr>
@@ -4954,86 +5594,10 @@
         </p:nvSpPr>
         <p:spPr>
           <a:xfrm>
-            <a:off x="3076162" y="2037522"/>
-            <a:ext cx="4537212" cy="4591876"/>
-          </a:xfrm>
-          <a:prstGeom prst="ellipse">
-            <a:avLst/>
-          </a:prstGeom>
-        </p:spPr>
-        <p:style>
-          <a:lnRef idx="2">
-            <a:schemeClr val="accent4">
-              <a:shade val="50000"/>
-            </a:schemeClr>
-          </a:lnRef>
-          <a:fillRef idx="1">
-            <a:schemeClr val="accent4"/>
-          </a:fillRef>
-          <a:effectRef idx="0">
-            <a:schemeClr val="accent4"/>
-          </a:effectRef>
-          <a:fontRef idx="minor">
-            <a:schemeClr val="lt1"/>
-          </a:fontRef>
-        </p:style>
-        <p:txBody>
-          <a:bodyPr rtlCol="0" anchor="ctr"/>
-          <a:lstStyle/>
-          <a:p>
-            <a:r>
-              <a:rPr lang="en-US" dirty="0"/>
-              <a:t>TS</a:t>
-            </a:r>
-          </a:p>
-        </p:txBody>
-      </p:sp>
-      <p:sp>
-        <p:nvSpPr>
-          <p:cNvPr id="2" name="Title 1">
-            <a:extLst>
-              <a:ext uri="{FF2B5EF4-FFF2-40B4-BE49-F238E27FC236}">
-                <a16:creationId xmlns:a16="http://schemas.microsoft.com/office/drawing/2014/main" id="{17611471-A8F7-4A0A-9575-E6B75EE090E2}"/>
-              </a:ext>
-            </a:extLst>
-          </p:cNvPr>
-          <p:cNvSpPr>
-            <a:spLocks noGrp="1"/>
-          </p:cNvSpPr>
-          <p:nvPr>
-            <p:ph type="title"/>
-          </p:nvPr>
-        </p:nvSpPr>
-        <p:spPr/>
-        <p:txBody>
-          <a:bodyPr/>
-          <a:lstStyle/>
-          <a:p>
-            <a:r>
-              <a:rPr lang="en-US" dirty="0"/>
-              <a:t>TS and JS</a:t>
-            </a:r>
-          </a:p>
-        </p:txBody>
-      </p:sp>
-      <p:sp>
-        <p:nvSpPr>
-          <p:cNvPr id="4" name="Oval 3">
-            <a:extLst>
-              <a:ext uri="{FF2B5EF4-FFF2-40B4-BE49-F238E27FC236}">
-                <a16:creationId xmlns:a16="http://schemas.microsoft.com/office/drawing/2014/main" id="{A3CD712F-7973-45BD-BC2A-A530BA385422}"/>
-              </a:ext>
-            </a:extLst>
-          </p:cNvPr>
-          <p:cNvSpPr/>
-          <p:nvPr/>
-        </p:nvSpPr>
-        <p:spPr>
-          <a:xfrm>
-            <a:off x="4899992" y="3269973"/>
-            <a:ext cx="2176670" cy="2126974"/>
-          </a:xfrm>
-          <a:prstGeom prst="ellipse">
+            <a:off x="2345634" y="2077797"/>
+            <a:ext cx="2932043" cy="2196547"/>
+          </a:xfrm>
+          <a:prstGeom prst="rect">
             <a:avLst/>
           </a:prstGeom>
         </p:spPr>
@@ -5060,15 +5624,1614 @@
             <a:pPr algn="ctr"/>
             <a:r>
               <a:rPr lang="en-US" dirty="0"/>
-              <a:t>JS</a:t>
-            </a:r>
-          </a:p>
-        </p:txBody>
-      </p:sp>
+              <a:t>Root Module </a:t>
+            </a:r>
+          </a:p>
+          <a:p>
+            <a:pPr algn="ctr"/>
+            <a:r>
+              <a:rPr lang="en-US" dirty="0"/>
+              <a:t>(</a:t>
+            </a:r>
+            <a:r>
+              <a:rPr lang="en-US" dirty="0" err="1"/>
+              <a:t>app.module.ts</a:t>
+            </a:r>
+            <a:r>
+              <a:rPr lang="en-US" dirty="0"/>
+              <a:t>)</a:t>
+            </a:r>
+          </a:p>
+        </p:txBody>
+      </p:sp>
+      <p:sp>
+        <p:nvSpPr>
+          <p:cNvPr id="6" name="Rectangle 5">
+            <a:extLst>
+              <a:ext uri="{FF2B5EF4-FFF2-40B4-BE49-F238E27FC236}">
+                <a16:creationId xmlns:a16="http://schemas.microsoft.com/office/drawing/2014/main" id="{BB27ED5A-DBD0-4B4D-BB29-6A72EEA867F6}"/>
+              </a:ext>
+            </a:extLst>
+          </p:cNvPr>
+          <p:cNvSpPr/>
+          <p:nvPr/>
+        </p:nvSpPr>
+        <p:spPr>
+          <a:xfrm>
+            <a:off x="2951921" y="5167312"/>
+            <a:ext cx="1719471" cy="1325563"/>
+          </a:xfrm>
+          <a:prstGeom prst="rect">
+            <a:avLst/>
+          </a:prstGeom>
+        </p:spPr>
+        <p:style>
+          <a:lnRef idx="2">
+            <a:schemeClr val="accent3">
+              <a:shade val="50000"/>
+            </a:schemeClr>
+          </a:lnRef>
+          <a:fillRef idx="1">
+            <a:schemeClr val="accent3"/>
+          </a:fillRef>
+          <a:effectRef idx="0">
+            <a:schemeClr val="accent3"/>
+          </a:effectRef>
+          <a:fontRef idx="minor">
+            <a:schemeClr val="lt1"/>
+          </a:fontRef>
+        </p:style>
+        <p:txBody>
+          <a:bodyPr rtlCol="0" anchor="ctr"/>
+          <a:lstStyle/>
+          <a:p>
+            <a:pPr algn="ctr"/>
+            <a:r>
+              <a:rPr lang="en-US" dirty="0" err="1"/>
+              <a:t>AppComponent</a:t>
+            </a:r>
+            <a:endParaRPr lang="en-US" dirty="0"/>
+          </a:p>
+        </p:txBody>
+      </p:sp>
+      <p:cxnSp>
+        <p:nvCxnSpPr>
+          <p:cNvPr id="8" name="Straight Arrow Connector 7">
+            <a:extLst>
+              <a:ext uri="{FF2B5EF4-FFF2-40B4-BE49-F238E27FC236}">
+                <a16:creationId xmlns:a16="http://schemas.microsoft.com/office/drawing/2014/main" id="{BE201248-255E-4FC4-A49F-75D80C702094}"/>
+              </a:ext>
+            </a:extLst>
+          </p:cNvPr>
+          <p:cNvCxnSpPr>
+            <a:stCxn id="6" idx="0"/>
+            <a:endCxn id="4" idx="2"/>
+          </p:cNvCxnSpPr>
+          <p:nvPr/>
+        </p:nvCxnSpPr>
+        <p:spPr>
+          <a:xfrm flipH="1" flipV="1">
+            <a:off x="3811656" y="4274344"/>
+            <a:ext cx="1" cy="892968"/>
+          </a:xfrm>
+          <a:prstGeom prst="straightConnector1">
+            <a:avLst/>
+          </a:prstGeom>
+          <a:ln>
+            <a:tailEnd type="triangle"/>
+          </a:ln>
+        </p:spPr>
+        <p:style>
+          <a:lnRef idx="1">
+            <a:schemeClr val="accent1"/>
+          </a:lnRef>
+          <a:fillRef idx="0">
+            <a:schemeClr val="accent1"/>
+          </a:fillRef>
+          <a:effectRef idx="0">
+            <a:schemeClr val="accent1"/>
+          </a:effectRef>
+          <a:fontRef idx="minor">
+            <a:schemeClr val="tx1"/>
+          </a:fontRef>
+        </p:style>
+      </p:cxnSp>
+      <p:sp>
+        <p:nvSpPr>
+          <p:cNvPr id="9" name="Rectangle 8">
+            <a:extLst>
+              <a:ext uri="{FF2B5EF4-FFF2-40B4-BE49-F238E27FC236}">
+                <a16:creationId xmlns:a16="http://schemas.microsoft.com/office/drawing/2014/main" id="{8C22139A-A662-43DD-A8B0-755DA8FAA6E9}"/>
+              </a:ext>
+            </a:extLst>
+          </p:cNvPr>
+          <p:cNvSpPr/>
+          <p:nvPr/>
+        </p:nvSpPr>
+        <p:spPr>
+          <a:xfrm>
+            <a:off x="6327915" y="888758"/>
+            <a:ext cx="3051313" cy="1808403"/>
+          </a:xfrm>
+          <a:prstGeom prst="rect">
+            <a:avLst/>
+          </a:prstGeom>
+        </p:spPr>
+        <p:style>
+          <a:lnRef idx="2">
+            <a:schemeClr val="accent1">
+              <a:shade val="50000"/>
+            </a:schemeClr>
+          </a:lnRef>
+          <a:fillRef idx="1">
+            <a:schemeClr val="accent1"/>
+          </a:fillRef>
+          <a:effectRef idx="0">
+            <a:schemeClr val="accent1"/>
+          </a:effectRef>
+          <a:fontRef idx="minor">
+            <a:schemeClr val="lt1"/>
+          </a:fontRef>
+        </p:style>
+        <p:txBody>
+          <a:bodyPr rtlCol="0" anchor="ctr"/>
+          <a:lstStyle/>
+          <a:p>
+            <a:pPr algn="ctr"/>
+            <a:r>
+              <a:rPr lang="en-US" dirty="0" err="1"/>
+              <a:t>BrowserModule</a:t>
+            </a:r>
+            <a:endParaRPr lang="en-US" dirty="0"/>
+          </a:p>
+        </p:txBody>
+      </p:sp>
+      <p:cxnSp>
+        <p:nvCxnSpPr>
+          <p:cNvPr id="11" name="Straight Arrow Connector 10">
+            <a:extLst>
+              <a:ext uri="{FF2B5EF4-FFF2-40B4-BE49-F238E27FC236}">
+                <a16:creationId xmlns:a16="http://schemas.microsoft.com/office/drawing/2014/main" id="{364805BC-CA66-4C66-BCFF-78CCBB7E0597}"/>
+              </a:ext>
+            </a:extLst>
+          </p:cNvPr>
+          <p:cNvCxnSpPr>
+            <a:stCxn id="9" idx="1"/>
+            <a:endCxn id="4" idx="3"/>
+          </p:cNvCxnSpPr>
+          <p:nvPr/>
+        </p:nvCxnSpPr>
+        <p:spPr>
+          <a:xfrm flipH="1">
+            <a:off x="5277677" y="1792960"/>
+            <a:ext cx="1050238" cy="1383111"/>
+          </a:xfrm>
+          <a:prstGeom prst="straightConnector1">
+            <a:avLst/>
+          </a:prstGeom>
+          <a:ln>
+            <a:tailEnd type="triangle"/>
+          </a:ln>
+        </p:spPr>
+        <p:style>
+          <a:lnRef idx="1">
+            <a:schemeClr val="accent1"/>
+          </a:lnRef>
+          <a:fillRef idx="0">
+            <a:schemeClr val="accent1"/>
+          </a:fillRef>
+          <a:effectRef idx="0">
+            <a:schemeClr val="accent1"/>
+          </a:effectRef>
+          <a:fontRef idx="minor">
+            <a:schemeClr val="tx1"/>
+          </a:fontRef>
+        </p:style>
+      </p:cxnSp>
+      <p:sp>
+        <p:nvSpPr>
+          <p:cNvPr id="14" name="Rectangle 13">
+            <a:extLst>
+              <a:ext uri="{FF2B5EF4-FFF2-40B4-BE49-F238E27FC236}">
+                <a16:creationId xmlns:a16="http://schemas.microsoft.com/office/drawing/2014/main" id="{32B5F505-C35E-4D0E-8EFE-F0237A4B806A}"/>
+              </a:ext>
+            </a:extLst>
+          </p:cNvPr>
+          <p:cNvSpPr/>
+          <p:nvPr/>
+        </p:nvSpPr>
+        <p:spPr>
+          <a:xfrm>
+            <a:off x="6993836" y="3498058"/>
+            <a:ext cx="1719471" cy="1325563"/>
+          </a:xfrm>
+          <a:prstGeom prst="rect">
+            <a:avLst/>
+          </a:prstGeom>
+        </p:spPr>
+        <p:style>
+          <a:lnRef idx="2">
+            <a:schemeClr val="accent3">
+              <a:shade val="50000"/>
+            </a:schemeClr>
+          </a:lnRef>
+          <a:fillRef idx="1">
+            <a:schemeClr val="accent3"/>
+          </a:fillRef>
+          <a:effectRef idx="0">
+            <a:schemeClr val="accent3"/>
+          </a:effectRef>
+          <a:fontRef idx="minor">
+            <a:schemeClr val="lt1"/>
+          </a:fontRef>
+        </p:style>
+        <p:txBody>
+          <a:bodyPr rtlCol="0" anchor="ctr"/>
+          <a:lstStyle/>
+          <a:p>
+            <a:pPr algn="ctr"/>
+            <a:r>
+              <a:rPr lang="en-US" dirty="0"/>
+              <a:t>???</a:t>
+            </a:r>
+          </a:p>
+        </p:txBody>
+      </p:sp>
+      <p:cxnSp>
+        <p:nvCxnSpPr>
+          <p:cNvPr id="16" name="Straight Arrow Connector 15">
+            <a:extLst>
+              <a:ext uri="{FF2B5EF4-FFF2-40B4-BE49-F238E27FC236}">
+                <a16:creationId xmlns:a16="http://schemas.microsoft.com/office/drawing/2014/main" id="{E8195521-89A9-4C91-A970-1047A90A18C5}"/>
+              </a:ext>
+            </a:extLst>
+          </p:cNvPr>
+          <p:cNvCxnSpPr>
+            <a:stCxn id="14" idx="0"/>
+            <a:endCxn id="9" idx="2"/>
+          </p:cNvCxnSpPr>
+          <p:nvPr/>
+        </p:nvCxnSpPr>
+        <p:spPr>
+          <a:xfrm flipV="1">
+            <a:off x="7853572" y="2697161"/>
+            <a:ext cx="0" cy="800897"/>
+          </a:xfrm>
+          <a:prstGeom prst="straightConnector1">
+            <a:avLst/>
+          </a:prstGeom>
+          <a:ln>
+            <a:tailEnd type="triangle"/>
+          </a:ln>
+        </p:spPr>
+        <p:style>
+          <a:lnRef idx="1">
+            <a:schemeClr val="accent1"/>
+          </a:lnRef>
+          <a:fillRef idx="0">
+            <a:schemeClr val="accent1"/>
+          </a:fillRef>
+          <a:effectRef idx="0">
+            <a:schemeClr val="accent1"/>
+          </a:effectRef>
+          <a:fontRef idx="minor">
+            <a:schemeClr val="tx1"/>
+          </a:fontRef>
+        </p:style>
+      </p:cxnSp>
+      <p:sp>
+        <p:nvSpPr>
+          <p:cNvPr id="19" name="Rectangle 18">
+            <a:extLst>
+              <a:ext uri="{FF2B5EF4-FFF2-40B4-BE49-F238E27FC236}">
+                <a16:creationId xmlns:a16="http://schemas.microsoft.com/office/drawing/2014/main" id="{1131C2D3-4D61-42F8-9E3B-BA0D8FD8B812}"/>
+              </a:ext>
+            </a:extLst>
+          </p:cNvPr>
+          <p:cNvSpPr/>
+          <p:nvPr/>
+        </p:nvSpPr>
+        <p:spPr>
+          <a:xfrm>
+            <a:off x="5893904" y="616225"/>
+            <a:ext cx="3952458" cy="4999383"/>
+          </a:xfrm>
+          <a:prstGeom prst="rect">
+            <a:avLst/>
+          </a:prstGeom>
+          <a:noFill/>
+          <a:ln>
+            <a:prstDash val="dash"/>
+          </a:ln>
+        </p:spPr>
+        <p:style>
+          <a:lnRef idx="2">
+            <a:schemeClr val="accent1">
+              <a:shade val="50000"/>
+            </a:schemeClr>
+          </a:lnRef>
+          <a:fillRef idx="1">
+            <a:schemeClr val="accent1"/>
+          </a:fillRef>
+          <a:effectRef idx="0">
+            <a:schemeClr val="accent1"/>
+          </a:effectRef>
+          <a:fontRef idx="minor">
+            <a:schemeClr val="lt1"/>
+          </a:fontRef>
+        </p:style>
+        <p:txBody>
+          <a:bodyPr rtlCol="0" anchor="ctr"/>
+          <a:lstStyle/>
+          <a:p>
+            <a:pPr algn="ctr"/>
+            <a:endParaRPr lang="en-US"/>
+          </a:p>
+        </p:txBody>
+      </p:sp>
+      <p:sp>
+        <p:nvSpPr>
+          <p:cNvPr id="3" name="Rectangle 2">
+            <a:extLst>
+              <a:ext uri="{FF2B5EF4-FFF2-40B4-BE49-F238E27FC236}">
+                <a16:creationId xmlns:a16="http://schemas.microsoft.com/office/drawing/2014/main" id="{BA25F085-3822-4F7E-982B-03B3310C6DC9}"/>
+              </a:ext>
+            </a:extLst>
+          </p:cNvPr>
+          <p:cNvSpPr/>
+          <p:nvPr/>
+        </p:nvSpPr>
+        <p:spPr>
+          <a:xfrm>
+            <a:off x="372715" y="5167311"/>
+            <a:ext cx="1719471" cy="1325563"/>
+          </a:xfrm>
+          <a:prstGeom prst="rect">
+            <a:avLst/>
+          </a:prstGeom>
+        </p:spPr>
+        <p:style>
+          <a:lnRef idx="2">
+            <a:schemeClr val="accent3">
+              <a:shade val="50000"/>
+            </a:schemeClr>
+          </a:lnRef>
+          <a:fillRef idx="1">
+            <a:schemeClr val="accent3"/>
+          </a:fillRef>
+          <a:effectRef idx="0">
+            <a:schemeClr val="accent3"/>
+          </a:effectRef>
+          <a:fontRef idx="minor">
+            <a:schemeClr val="lt1"/>
+          </a:fontRef>
+        </p:style>
+        <p:txBody>
+          <a:bodyPr rtlCol="0" anchor="ctr"/>
+          <a:lstStyle/>
+          <a:p>
+            <a:pPr algn="ctr"/>
+            <a:r>
+              <a:rPr lang="en-US" dirty="0"/>
+              <a:t>Product Component</a:t>
+            </a:r>
+          </a:p>
+        </p:txBody>
+      </p:sp>
+      <p:cxnSp>
+        <p:nvCxnSpPr>
+          <p:cNvPr id="13" name="Straight Arrow Connector 12">
+            <a:extLst>
+              <a:ext uri="{FF2B5EF4-FFF2-40B4-BE49-F238E27FC236}">
+                <a16:creationId xmlns:a16="http://schemas.microsoft.com/office/drawing/2014/main" id="{23DDD08F-47C2-429E-888C-A0B464113D03}"/>
+              </a:ext>
+            </a:extLst>
+          </p:cNvPr>
+          <p:cNvCxnSpPr>
+            <a:cxnSpLocks/>
+            <a:stCxn id="3" idx="0"/>
+            <a:endCxn id="4" idx="2"/>
+          </p:cNvCxnSpPr>
+          <p:nvPr/>
+        </p:nvCxnSpPr>
+        <p:spPr>
+          <a:xfrm flipV="1">
+            <a:off x="1232451" y="4274344"/>
+            <a:ext cx="2579205" cy="892967"/>
+          </a:xfrm>
+          <a:prstGeom prst="straightConnector1">
+            <a:avLst/>
+          </a:prstGeom>
+          <a:ln>
+            <a:tailEnd type="triangle"/>
+          </a:ln>
+        </p:spPr>
+        <p:style>
+          <a:lnRef idx="1">
+            <a:schemeClr val="accent1"/>
+          </a:lnRef>
+          <a:fillRef idx="0">
+            <a:schemeClr val="accent1"/>
+          </a:fillRef>
+          <a:effectRef idx="0">
+            <a:schemeClr val="accent1"/>
+          </a:effectRef>
+          <a:fontRef idx="minor">
+            <a:schemeClr val="tx1"/>
+          </a:fontRef>
+        </p:style>
+      </p:cxnSp>
     </p:spTree>
     <p:extLst>
       <p:ext uri="{BB962C8B-B14F-4D97-AF65-F5344CB8AC3E}">
-        <p14:creationId xmlns:p14="http://schemas.microsoft.com/office/powerpoint/2010/main" val="937272939"/>
+        <p14:creationId xmlns:p14="http://schemas.microsoft.com/office/powerpoint/2010/main" val="2261647006"/>
+      </p:ext>
+    </p:extLst>
+  </p:cSld>
+  <p:clrMapOvr>
+    <a:masterClrMapping/>
+  </p:clrMapOvr>
+</p:sld>
+</file>
+
+<file path=ppt/slides/slide7.xml><?xml version="1.0" encoding="utf-8"?>
+<p:sld xmlns:a="http://schemas.openxmlformats.org/drawingml/2006/main" xmlns:r="http://schemas.openxmlformats.org/officeDocument/2006/relationships" xmlns:p="http://schemas.openxmlformats.org/presentationml/2006/main">
+  <p:cSld>
+    <p:spTree>
+      <p:nvGrpSpPr>
+        <p:cNvPr id="1" name=""/>
+        <p:cNvGrpSpPr/>
+        <p:nvPr/>
+      </p:nvGrpSpPr>
+      <p:grpSpPr>
+        <a:xfrm>
+          <a:off x="0" y="0"/>
+          <a:ext cx="0" cy="0"/>
+          <a:chOff x="0" y="0"/>
+          <a:chExt cx="0" cy="0"/>
+        </a:xfrm>
+      </p:grpSpPr>
+      <p:sp>
+        <p:nvSpPr>
+          <p:cNvPr id="4" name="Rectangle 3">
+            <a:extLst>
+              <a:ext uri="{FF2B5EF4-FFF2-40B4-BE49-F238E27FC236}">
+                <a16:creationId xmlns:a16="http://schemas.microsoft.com/office/drawing/2014/main" id="{E972431A-7D87-4C49-8F01-999372150FC6}"/>
+              </a:ext>
+            </a:extLst>
+          </p:cNvPr>
+          <p:cNvSpPr/>
+          <p:nvPr/>
+        </p:nvSpPr>
+        <p:spPr>
+          <a:xfrm>
+            <a:off x="2256183" y="974035"/>
+            <a:ext cx="8020878" cy="4939748"/>
+          </a:xfrm>
+          <a:prstGeom prst="rect">
+            <a:avLst/>
+          </a:prstGeom>
+        </p:spPr>
+        <p:style>
+          <a:lnRef idx="2">
+            <a:schemeClr val="accent1">
+              <a:shade val="50000"/>
+            </a:schemeClr>
+          </a:lnRef>
+          <a:fillRef idx="1">
+            <a:schemeClr val="accent1"/>
+          </a:fillRef>
+          <a:effectRef idx="0">
+            <a:schemeClr val="accent1"/>
+          </a:effectRef>
+          <a:fontRef idx="minor">
+            <a:schemeClr val="lt1"/>
+          </a:fontRef>
+        </p:style>
+        <p:txBody>
+          <a:bodyPr rtlCol="0" anchor="ctr"/>
+          <a:lstStyle/>
+          <a:p>
+            <a:pPr algn="ctr"/>
+            <a:endParaRPr lang="en-US"/>
+          </a:p>
+        </p:txBody>
+      </p:sp>
+      <p:sp>
+        <p:nvSpPr>
+          <p:cNvPr id="6" name="Rectangle 5">
+            <a:extLst>
+              <a:ext uri="{FF2B5EF4-FFF2-40B4-BE49-F238E27FC236}">
+                <a16:creationId xmlns:a16="http://schemas.microsoft.com/office/drawing/2014/main" id="{179E7D63-297A-42D9-84F1-DCF6B0770B6B}"/>
+              </a:ext>
+            </a:extLst>
+          </p:cNvPr>
+          <p:cNvSpPr/>
+          <p:nvPr/>
+        </p:nvSpPr>
+        <p:spPr>
+          <a:xfrm>
+            <a:off x="2463248" y="3260035"/>
+            <a:ext cx="7606748" cy="2388705"/>
+          </a:xfrm>
+          <a:prstGeom prst="rect">
+            <a:avLst/>
+          </a:prstGeom>
+        </p:spPr>
+        <p:style>
+          <a:lnRef idx="2">
+            <a:schemeClr val="accent3">
+              <a:shade val="50000"/>
+            </a:schemeClr>
+          </a:lnRef>
+          <a:fillRef idx="1">
+            <a:schemeClr val="accent3"/>
+          </a:fillRef>
+          <a:effectRef idx="0">
+            <a:schemeClr val="accent3"/>
+          </a:effectRef>
+          <a:fontRef idx="minor">
+            <a:schemeClr val="lt1"/>
+          </a:fontRef>
+        </p:style>
+        <p:txBody>
+          <a:bodyPr rtlCol="0" anchor="ctr"/>
+          <a:lstStyle/>
+          <a:p>
+            <a:pPr algn="ctr"/>
+            <a:r>
+              <a:rPr lang="en-US" dirty="0"/>
+              <a:t>Table with all of the data</a:t>
+            </a:r>
+          </a:p>
+        </p:txBody>
+      </p:sp>
+      <p:sp>
+        <p:nvSpPr>
+          <p:cNvPr id="8" name="Rectangle 7">
+            <a:extLst>
+              <a:ext uri="{FF2B5EF4-FFF2-40B4-BE49-F238E27FC236}">
+                <a16:creationId xmlns:a16="http://schemas.microsoft.com/office/drawing/2014/main" id="{A337516C-050D-4836-86C2-1335619BDD7C}"/>
+              </a:ext>
+            </a:extLst>
+          </p:cNvPr>
+          <p:cNvSpPr/>
+          <p:nvPr/>
+        </p:nvSpPr>
+        <p:spPr>
+          <a:xfrm>
+            <a:off x="5685182" y="2067340"/>
+            <a:ext cx="3470413" cy="757031"/>
+          </a:xfrm>
+          <a:prstGeom prst="rect">
+            <a:avLst/>
+          </a:prstGeom>
+        </p:spPr>
+        <p:style>
+          <a:lnRef idx="2">
+            <a:schemeClr val="accent3">
+              <a:shade val="50000"/>
+            </a:schemeClr>
+          </a:lnRef>
+          <a:fillRef idx="1">
+            <a:schemeClr val="accent3"/>
+          </a:fillRef>
+          <a:effectRef idx="0">
+            <a:schemeClr val="accent3"/>
+          </a:effectRef>
+          <a:fontRef idx="minor">
+            <a:schemeClr val="lt1"/>
+          </a:fontRef>
+        </p:style>
+        <p:txBody>
+          <a:bodyPr rtlCol="0" anchor="ctr"/>
+          <a:lstStyle/>
+          <a:p>
+            <a:pPr algn="ctr"/>
+            <a:r>
+              <a:rPr lang="en-US" dirty="0"/>
+              <a:t>Search box</a:t>
+            </a:r>
+          </a:p>
+        </p:txBody>
+      </p:sp>
+      <p:sp>
+        <p:nvSpPr>
+          <p:cNvPr id="10" name="Rectangle 9">
+            <a:extLst>
+              <a:ext uri="{FF2B5EF4-FFF2-40B4-BE49-F238E27FC236}">
+                <a16:creationId xmlns:a16="http://schemas.microsoft.com/office/drawing/2014/main" id="{D9B4D73B-8561-40E6-9C8C-C4095A7A5F6E}"/>
+              </a:ext>
+            </a:extLst>
+          </p:cNvPr>
+          <p:cNvSpPr/>
+          <p:nvPr/>
+        </p:nvSpPr>
+        <p:spPr>
+          <a:xfrm>
+            <a:off x="3036405" y="2067339"/>
+            <a:ext cx="2291796" cy="757031"/>
+          </a:xfrm>
+          <a:prstGeom prst="rect">
+            <a:avLst/>
+          </a:prstGeom>
+        </p:spPr>
+        <p:style>
+          <a:lnRef idx="2">
+            <a:schemeClr val="accent6">
+              <a:shade val="50000"/>
+            </a:schemeClr>
+          </a:lnRef>
+          <a:fillRef idx="1">
+            <a:schemeClr val="accent6"/>
+          </a:fillRef>
+          <a:effectRef idx="0">
+            <a:schemeClr val="accent6"/>
+          </a:effectRef>
+          <a:fontRef idx="minor">
+            <a:schemeClr val="lt1"/>
+          </a:fontRef>
+        </p:style>
+        <p:txBody>
+          <a:bodyPr rtlCol="0" anchor="ctr"/>
+          <a:lstStyle/>
+          <a:p>
+            <a:pPr algn="ctr"/>
+            <a:r>
+              <a:rPr lang="en-US" dirty="0"/>
+              <a:t>Toggle pictures</a:t>
+            </a:r>
+          </a:p>
+        </p:txBody>
+      </p:sp>
+    </p:spTree>
+    <p:extLst>
+      <p:ext uri="{BB962C8B-B14F-4D97-AF65-F5344CB8AC3E}">
+        <p14:creationId xmlns:p14="http://schemas.microsoft.com/office/powerpoint/2010/main" val="3100046920"/>
+      </p:ext>
+    </p:extLst>
+  </p:cSld>
+  <p:clrMapOvr>
+    <a:masterClrMapping/>
+  </p:clrMapOvr>
+</p:sld>
+</file>
+
+<file path=ppt/slides/slide8.xml><?xml version="1.0" encoding="utf-8"?>
+<p:sld xmlns:a="http://schemas.openxmlformats.org/drawingml/2006/main" xmlns:r="http://schemas.openxmlformats.org/officeDocument/2006/relationships" xmlns:p="http://schemas.openxmlformats.org/presentationml/2006/main">
+  <p:cSld>
+    <p:spTree>
+      <p:nvGrpSpPr>
+        <p:cNvPr id="1" name=""/>
+        <p:cNvGrpSpPr/>
+        <p:nvPr/>
+      </p:nvGrpSpPr>
+      <p:grpSpPr>
+        <a:xfrm>
+          <a:off x="0" y="0"/>
+          <a:ext cx="0" cy="0"/>
+          <a:chOff x="0" y="0"/>
+          <a:chExt cx="0" cy="0"/>
+        </a:xfrm>
+      </p:grpSpPr>
+      <p:sp>
+        <p:nvSpPr>
+          <p:cNvPr id="2" name="Title 1">
+            <a:extLst>
+              <a:ext uri="{FF2B5EF4-FFF2-40B4-BE49-F238E27FC236}">
+                <a16:creationId xmlns:a16="http://schemas.microsoft.com/office/drawing/2014/main" id="{37E5A226-A8B4-4AB5-BB01-A607ABAD1DE9}"/>
+              </a:ext>
+            </a:extLst>
+          </p:cNvPr>
+          <p:cNvSpPr>
+            <a:spLocks noGrp="1"/>
+          </p:cNvSpPr>
+          <p:nvPr>
+            <p:ph type="title"/>
+          </p:nvPr>
+        </p:nvSpPr>
+        <p:spPr/>
+        <p:txBody>
+          <a:bodyPr/>
+          <a:lstStyle/>
+          <a:p>
+            <a:r>
+              <a:rPr lang="en-US" dirty="0"/>
+              <a:t>One-way binding</a:t>
+            </a:r>
+          </a:p>
+        </p:txBody>
+      </p:sp>
+      <p:sp>
+        <p:nvSpPr>
+          <p:cNvPr id="3" name="Content Placeholder 2">
+            <a:extLst>
+              <a:ext uri="{FF2B5EF4-FFF2-40B4-BE49-F238E27FC236}">
+                <a16:creationId xmlns:a16="http://schemas.microsoft.com/office/drawing/2014/main" id="{6F12DAA6-D707-493F-A837-FE01C0926AFC}"/>
+              </a:ext>
+            </a:extLst>
+          </p:cNvPr>
+          <p:cNvSpPr>
+            <a:spLocks noGrp="1"/>
+          </p:cNvSpPr>
+          <p:nvPr>
+            <p:ph idx="1"/>
+          </p:nvPr>
+        </p:nvSpPr>
+        <p:spPr/>
+        <p:txBody>
+          <a:bodyPr/>
+          <a:lstStyle/>
+          <a:p>
+            <a:r>
+              <a:rPr lang="en-US" dirty="0"/>
+              <a:t>String interpolation</a:t>
+            </a:r>
+          </a:p>
+          <a:p>
+            <a:pPr lvl="1"/>
+            <a:r>
+              <a:rPr lang="en-US" dirty="0"/>
+              <a:t>{{}}</a:t>
+            </a:r>
+          </a:p>
+          <a:p>
+            <a:r>
+              <a:rPr lang="en-US" dirty="0"/>
+              <a:t>Property binding</a:t>
+            </a:r>
+          </a:p>
+          <a:p>
+            <a:pPr lvl="1"/>
+            <a:r>
+              <a:rPr lang="en-US" dirty="0"/>
+              <a:t>[]</a:t>
+            </a:r>
+          </a:p>
+          <a:p>
+            <a:r>
+              <a:rPr lang="en-US" dirty="0"/>
+              <a:t>Event binding</a:t>
+            </a:r>
+          </a:p>
+          <a:p>
+            <a:pPr lvl="1"/>
+            <a:r>
+              <a:rPr lang="en-US" dirty="0"/>
+              <a:t>()</a:t>
+            </a:r>
+          </a:p>
+        </p:txBody>
+      </p:sp>
+      <p:sp>
+        <p:nvSpPr>
+          <p:cNvPr id="4" name="Oval 3">
+            <a:extLst>
+              <a:ext uri="{FF2B5EF4-FFF2-40B4-BE49-F238E27FC236}">
+                <a16:creationId xmlns:a16="http://schemas.microsoft.com/office/drawing/2014/main" id="{13FB0205-304E-495F-A9BB-2E02B4C070FC}"/>
+              </a:ext>
+            </a:extLst>
+          </p:cNvPr>
+          <p:cNvSpPr/>
+          <p:nvPr/>
+        </p:nvSpPr>
+        <p:spPr>
+          <a:xfrm>
+            <a:off x="6231835" y="2077278"/>
+            <a:ext cx="934278" cy="795131"/>
+          </a:xfrm>
+          <a:prstGeom prst="ellipse">
+            <a:avLst/>
+          </a:prstGeom>
+        </p:spPr>
+        <p:style>
+          <a:lnRef idx="2">
+            <a:schemeClr val="accent1">
+              <a:shade val="50000"/>
+            </a:schemeClr>
+          </a:lnRef>
+          <a:fillRef idx="1">
+            <a:schemeClr val="accent1"/>
+          </a:fillRef>
+          <a:effectRef idx="0">
+            <a:schemeClr val="accent1"/>
+          </a:effectRef>
+          <a:fontRef idx="minor">
+            <a:schemeClr val="lt1"/>
+          </a:fontRef>
+        </p:style>
+        <p:txBody>
+          <a:bodyPr rtlCol="0" anchor="ctr"/>
+          <a:lstStyle/>
+          <a:p>
+            <a:pPr algn="ctr"/>
+            <a:r>
+              <a:rPr lang="en-US" dirty="0" err="1"/>
+              <a:t>ts</a:t>
+            </a:r>
+            <a:endParaRPr lang="en-US" dirty="0"/>
+          </a:p>
+        </p:txBody>
+      </p:sp>
+      <p:sp>
+        <p:nvSpPr>
+          <p:cNvPr id="6" name="Oval 5">
+            <a:extLst>
+              <a:ext uri="{FF2B5EF4-FFF2-40B4-BE49-F238E27FC236}">
+                <a16:creationId xmlns:a16="http://schemas.microsoft.com/office/drawing/2014/main" id="{2CD7AC55-E676-4200-A49D-773CA702E51D}"/>
+              </a:ext>
+            </a:extLst>
+          </p:cNvPr>
+          <p:cNvSpPr/>
+          <p:nvPr/>
+        </p:nvSpPr>
+        <p:spPr>
+          <a:xfrm>
+            <a:off x="8869017" y="2077278"/>
+            <a:ext cx="1636644" cy="795131"/>
+          </a:xfrm>
+          <a:prstGeom prst="ellipse">
+            <a:avLst/>
+          </a:prstGeom>
+        </p:spPr>
+        <p:style>
+          <a:lnRef idx="2">
+            <a:schemeClr val="accent2">
+              <a:shade val="50000"/>
+            </a:schemeClr>
+          </a:lnRef>
+          <a:fillRef idx="1">
+            <a:schemeClr val="accent2"/>
+          </a:fillRef>
+          <a:effectRef idx="0">
+            <a:schemeClr val="accent2"/>
+          </a:effectRef>
+          <a:fontRef idx="minor">
+            <a:schemeClr val="lt1"/>
+          </a:fontRef>
+        </p:style>
+        <p:txBody>
+          <a:bodyPr rtlCol="0" anchor="ctr"/>
+          <a:lstStyle/>
+          <a:p>
+            <a:pPr algn="ctr"/>
+            <a:r>
+              <a:rPr lang="en-US" dirty="0"/>
+              <a:t>template</a:t>
+            </a:r>
+          </a:p>
+        </p:txBody>
+      </p:sp>
+      <p:sp>
+        <p:nvSpPr>
+          <p:cNvPr id="7" name="Arrow: Right 6">
+            <a:extLst>
+              <a:ext uri="{FF2B5EF4-FFF2-40B4-BE49-F238E27FC236}">
+                <a16:creationId xmlns:a16="http://schemas.microsoft.com/office/drawing/2014/main" id="{949A39E6-5375-48A6-8001-B1B7BE557930}"/>
+              </a:ext>
+            </a:extLst>
+          </p:cNvPr>
+          <p:cNvSpPr/>
+          <p:nvPr/>
+        </p:nvSpPr>
+        <p:spPr>
+          <a:xfrm>
+            <a:off x="7444409" y="2246243"/>
+            <a:ext cx="1311965" cy="457200"/>
+          </a:xfrm>
+          <a:prstGeom prst="rightArrow">
+            <a:avLst/>
+          </a:prstGeom>
+        </p:spPr>
+        <p:style>
+          <a:lnRef idx="2">
+            <a:schemeClr val="accent1">
+              <a:shade val="50000"/>
+            </a:schemeClr>
+          </a:lnRef>
+          <a:fillRef idx="1">
+            <a:schemeClr val="accent1"/>
+          </a:fillRef>
+          <a:effectRef idx="0">
+            <a:schemeClr val="accent1"/>
+          </a:effectRef>
+          <a:fontRef idx="minor">
+            <a:schemeClr val="lt1"/>
+          </a:fontRef>
+        </p:style>
+        <p:txBody>
+          <a:bodyPr rtlCol="0" anchor="ctr"/>
+          <a:lstStyle/>
+          <a:p>
+            <a:pPr algn="ctr"/>
+            <a:endParaRPr lang="en-US"/>
+          </a:p>
+        </p:txBody>
+      </p:sp>
+      <p:sp>
+        <p:nvSpPr>
+          <p:cNvPr id="9" name="Oval 8">
+            <a:extLst>
+              <a:ext uri="{FF2B5EF4-FFF2-40B4-BE49-F238E27FC236}">
+                <a16:creationId xmlns:a16="http://schemas.microsoft.com/office/drawing/2014/main" id="{1CB1B9FD-C987-4146-BA4D-426662F8664E}"/>
+              </a:ext>
+            </a:extLst>
+          </p:cNvPr>
+          <p:cNvSpPr/>
+          <p:nvPr/>
+        </p:nvSpPr>
+        <p:spPr>
+          <a:xfrm>
+            <a:off x="6231835" y="3047862"/>
+            <a:ext cx="934278" cy="795131"/>
+          </a:xfrm>
+          <a:prstGeom prst="ellipse">
+            <a:avLst/>
+          </a:prstGeom>
+        </p:spPr>
+        <p:style>
+          <a:lnRef idx="2">
+            <a:schemeClr val="accent1">
+              <a:shade val="50000"/>
+            </a:schemeClr>
+          </a:lnRef>
+          <a:fillRef idx="1">
+            <a:schemeClr val="accent1"/>
+          </a:fillRef>
+          <a:effectRef idx="0">
+            <a:schemeClr val="accent1"/>
+          </a:effectRef>
+          <a:fontRef idx="minor">
+            <a:schemeClr val="lt1"/>
+          </a:fontRef>
+        </p:style>
+        <p:txBody>
+          <a:bodyPr rtlCol="0" anchor="ctr"/>
+          <a:lstStyle/>
+          <a:p>
+            <a:pPr algn="ctr"/>
+            <a:r>
+              <a:rPr lang="en-US" dirty="0" err="1"/>
+              <a:t>ts</a:t>
+            </a:r>
+            <a:endParaRPr lang="en-US" dirty="0"/>
+          </a:p>
+        </p:txBody>
+      </p:sp>
+      <p:sp>
+        <p:nvSpPr>
+          <p:cNvPr id="11" name="Oval 10">
+            <a:extLst>
+              <a:ext uri="{FF2B5EF4-FFF2-40B4-BE49-F238E27FC236}">
+                <a16:creationId xmlns:a16="http://schemas.microsoft.com/office/drawing/2014/main" id="{1DAE114D-E0EF-4BFE-9DB9-ABBBF9C974C1}"/>
+              </a:ext>
+            </a:extLst>
+          </p:cNvPr>
+          <p:cNvSpPr/>
+          <p:nvPr/>
+        </p:nvSpPr>
+        <p:spPr>
+          <a:xfrm>
+            <a:off x="8869017" y="3047862"/>
+            <a:ext cx="1636644" cy="795131"/>
+          </a:xfrm>
+          <a:prstGeom prst="ellipse">
+            <a:avLst/>
+          </a:prstGeom>
+        </p:spPr>
+        <p:style>
+          <a:lnRef idx="2">
+            <a:schemeClr val="accent2">
+              <a:shade val="50000"/>
+            </a:schemeClr>
+          </a:lnRef>
+          <a:fillRef idx="1">
+            <a:schemeClr val="accent2"/>
+          </a:fillRef>
+          <a:effectRef idx="0">
+            <a:schemeClr val="accent2"/>
+          </a:effectRef>
+          <a:fontRef idx="minor">
+            <a:schemeClr val="lt1"/>
+          </a:fontRef>
+        </p:style>
+        <p:txBody>
+          <a:bodyPr rtlCol="0" anchor="ctr"/>
+          <a:lstStyle/>
+          <a:p>
+            <a:pPr algn="ctr"/>
+            <a:r>
+              <a:rPr lang="en-US" dirty="0"/>
+              <a:t>template</a:t>
+            </a:r>
+          </a:p>
+        </p:txBody>
+      </p:sp>
+      <p:sp>
+        <p:nvSpPr>
+          <p:cNvPr id="13" name="Arrow: Right 12">
+            <a:extLst>
+              <a:ext uri="{FF2B5EF4-FFF2-40B4-BE49-F238E27FC236}">
+                <a16:creationId xmlns:a16="http://schemas.microsoft.com/office/drawing/2014/main" id="{5E2DAE97-47FD-4EC9-9156-B4C464393C97}"/>
+              </a:ext>
+            </a:extLst>
+          </p:cNvPr>
+          <p:cNvSpPr/>
+          <p:nvPr/>
+        </p:nvSpPr>
+        <p:spPr>
+          <a:xfrm>
+            <a:off x="7444409" y="3216827"/>
+            <a:ext cx="1311965" cy="457200"/>
+          </a:xfrm>
+          <a:prstGeom prst="rightArrow">
+            <a:avLst/>
+          </a:prstGeom>
+        </p:spPr>
+        <p:style>
+          <a:lnRef idx="2">
+            <a:schemeClr val="accent1">
+              <a:shade val="50000"/>
+            </a:schemeClr>
+          </a:lnRef>
+          <a:fillRef idx="1">
+            <a:schemeClr val="accent1"/>
+          </a:fillRef>
+          <a:effectRef idx="0">
+            <a:schemeClr val="accent1"/>
+          </a:effectRef>
+          <a:fontRef idx="minor">
+            <a:schemeClr val="lt1"/>
+          </a:fontRef>
+        </p:style>
+        <p:txBody>
+          <a:bodyPr rtlCol="0" anchor="ctr"/>
+          <a:lstStyle/>
+          <a:p>
+            <a:pPr algn="ctr"/>
+            <a:endParaRPr lang="en-US"/>
+          </a:p>
+        </p:txBody>
+      </p:sp>
+      <p:sp>
+        <p:nvSpPr>
+          <p:cNvPr id="17" name="Oval 16">
+            <a:extLst>
+              <a:ext uri="{FF2B5EF4-FFF2-40B4-BE49-F238E27FC236}">
+                <a16:creationId xmlns:a16="http://schemas.microsoft.com/office/drawing/2014/main" id="{6F4F830E-868A-4D81-82DC-1E52AF0E6BD6}"/>
+              </a:ext>
+            </a:extLst>
+          </p:cNvPr>
+          <p:cNvSpPr/>
+          <p:nvPr/>
+        </p:nvSpPr>
+        <p:spPr>
+          <a:xfrm>
+            <a:off x="6231835" y="3895931"/>
+            <a:ext cx="934278" cy="795131"/>
+          </a:xfrm>
+          <a:prstGeom prst="ellipse">
+            <a:avLst/>
+          </a:prstGeom>
+        </p:spPr>
+        <p:style>
+          <a:lnRef idx="2">
+            <a:schemeClr val="accent1">
+              <a:shade val="50000"/>
+            </a:schemeClr>
+          </a:lnRef>
+          <a:fillRef idx="1">
+            <a:schemeClr val="accent1"/>
+          </a:fillRef>
+          <a:effectRef idx="0">
+            <a:schemeClr val="accent1"/>
+          </a:effectRef>
+          <a:fontRef idx="minor">
+            <a:schemeClr val="lt1"/>
+          </a:fontRef>
+        </p:style>
+        <p:txBody>
+          <a:bodyPr rtlCol="0" anchor="ctr"/>
+          <a:lstStyle/>
+          <a:p>
+            <a:pPr algn="ctr"/>
+            <a:r>
+              <a:rPr lang="en-US" dirty="0" err="1"/>
+              <a:t>ts</a:t>
+            </a:r>
+            <a:endParaRPr lang="en-US" dirty="0"/>
+          </a:p>
+        </p:txBody>
+      </p:sp>
+      <p:sp>
+        <p:nvSpPr>
+          <p:cNvPr id="19" name="Oval 18">
+            <a:extLst>
+              <a:ext uri="{FF2B5EF4-FFF2-40B4-BE49-F238E27FC236}">
+                <a16:creationId xmlns:a16="http://schemas.microsoft.com/office/drawing/2014/main" id="{25072E73-34A1-4A1C-9BA0-8F46773A3CEE}"/>
+              </a:ext>
+            </a:extLst>
+          </p:cNvPr>
+          <p:cNvSpPr/>
+          <p:nvPr/>
+        </p:nvSpPr>
+        <p:spPr>
+          <a:xfrm>
+            <a:off x="8869017" y="3895931"/>
+            <a:ext cx="1636644" cy="795131"/>
+          </a:xfrm>
+          <a:prstGeom prst="ellipse">
+            <a:avLst/>
+          </a:prstGeom>
+        </p:spPr>
+        <p:style>
+          <a:lnRef idx="2">
+            <a:schemeClr val="accent2">
+              <a:shade val="50000"/>
+            </a:schemeClr>
+          </a:lnRef>
+          <a:fillRef idx="1">
+            <a:schemeClr val="accent2"/>
+          </a:fillRef>
+          <a:effectRef idx="0">
+            <a:schemeClr val="accent2"/>
+          </a:effectRef>
+          <a:fontRef idx="minor">
+            <a:schemeClr val="lt1"/>
+          </a:fontRef>
+        </p:style>
+        <p:txBody>
+          <a:bodyPr rtlCol="0" anchor="ctr"/>
+          <a:lstStyle/>
+          <a:p>
+            <a:pPr algn="ctr"/>
+            <a:r>
+              <a:rPr lang="en-US" dirty="0"/>
+              <a:t>template</a:t>
+            </a:r>
+          </a:p>
+        </p:txBody>
+      </p:sp>
+      <p:sp>
+        <p:nvSpPr>
+          <p:cNvPr id="21" name="Arrow: Right 20">
+            <a:extLst>
+              <a:ext uri="{FF2B5EF4-FFF2-40B4-BE49-F238E27FC236}">
+                <a16:creationId xmlns:a16="http://schemas.microsoft.com/office/drawing/2014/main" id="{4DAECC99-57D6-4EBC-B9FF-D0763C8D2F84}"/>
+              </a:ext>
+            </a:extLst>
+          </p:cNvPr>
+          <p:cNvSpPr/>
+          <p:nvPr/>
+        </p:nvSpPr>
+        <p:spPr>
+          <a:xfrm rot="10800000">
+            <a:off x="7444409" y="4064896"/>
+            <a:ext cx="1311965" cy="457200"/>
+          </a:xfrm>
+          <a:prstGeom prst="rightArrow">
+            <a:avLst/>
+          </a:prstGeom>
+        </p:spPr>
+        <p:style>
+          <a:lnRef idx="2">
+            <a:schemeClr val="accent1">
+              <a:shade val="50000"/>
+            </a:schemeClr>
+          </a:lnRef>
+          <a:fillRef idx="1">
+            <a:schemeClr val="accent1"/>
+          </a:fillRef>
+          <a:effectRef idx="0">
+            <a:schemeClr val="accent1"/>
+          </a:effectRef>
+          <a:fontRef idx="minor">
+            <a:schemeClr val="lt1"/>
+          </a:fontRef>
+        </p:style>
+        <p:txBody>
+          <a:bodyPr rtlCol="0" anchor="ctr"/>
+          <a:lstStyle/>
+          <a:p>
+            <a:pPr algn="ctr"/>
+            <a:endParaRPr lang="en-US"/>
+          </a:p>
+        </p:txBody>
+      </p:sp>
+    </p:spTree>
+    <p:extLst>
+      <p:ext uri="{BB962C8B-B14F-4D97-AF65-F5344CB8AC3E}">
+        <p14:creationId xmlns:p14="http://schemas.microsoft.com/office/powerpoint/2010/main" val="2573028190"/>
+      </p:ext>
+    </p:extLst>
+  </p:cSld>
+  <p:clrMapOvr>
+    <a:masterClrMapping/>
+  </p:clrMapOvr>
+</p:sld>
+</file>
+
+<file path=ppt/slides/slide9.xml><?xml version="1.0" encoding="utf-8"?>
+<p:sld xmlns:a="http://schemas.openxmlformats.org/drawingml/2006/main" xmlns:r="http://schemas.openxmlformats.org/officeDocument/2006/relationships" xmlns:p="http://schemas.openxmlformats.org/presentationml/2006/main">
+  <p:cSld>
+    <p:spTree>
+      <p:nvGrpSpPr>
+        <p:cNvPr id="1" name=""/>
+        <p:cNvGrpSpPr/>
+        <p:nvPr/>
+      </p:nvGrpSpPr>
+      <p:grpSpPr>
+        <a:xfrm>
+          <a:off x="0" y="0"/>
+          <a:ext cx="0" cy="0"/>
+          <a:chOff x="0" y="0"/>
+          <a:chExt cx="0" cy="0"/>
+        </a:xfrm>
+      </p:grpSpPr>
+      <p:sp>
+        <p:nvSpPr>
+          <p:cNvPr id="2" name="Title 1">
+            <a:extLst>
+              <a:ext uri="{FF2B5EF4-FFF2-40B4-BE49-F238E27FC236}">
+                <a16:creationId xmlns:a16="http://schemas.microsoft.com/office/drawing/2014/main" id="{63B19C9A-C325-444F-A756-5B2F8F27F4A1}"/>
+              </a:ext>
+            </a:extLst>
+          </p:cNvPr>
+          <p:cNvSpPr>
+            <a:spLocks noGrp="1"/>
+          </p:cNvSpPr>
+          <p:nvPr>
+            <p:ph type="title"/>
+          </p:nvPr>
+        </p:nvSpPr>
+        <p:spPr/>
+        <p:txBody>
+          <a:bodyPr/>
+          <a:lstStyle/>
+          <a:p>
+            <a:r>
+              <a:rPr lang="en-US" dirty="0"/>
+              <a:t>Two-way data binding</a:t>
+            </a:r>
+          </a:p>
+        </p:txBody>
+      </p:sp>
+      <p:sp>
+        <p:nvSpPr>
+          <p:cNvPr id="3" name="Content Placeholder 2">
+            <a:extLst>
+              <a:ext uri="{FF2B5EF4-FFF2-40B4-BE49-F238E27FC236}">
+                <a16:creationId xmlns:a16="http://schemas.microsoft.com/office/drawing/2014/main" id="{4F2B9D3D-9C09-4E40-BC09-F701C5A15E2F}"/>
+              </a:ext>
+            </a:extLst>
+          </p:cNvPr>
+          <p:cNvSpPr>
+            <a:spLocks noGrp="1"/>
+          </p:cNvSpPr>
+          <p:nvPr>
+            <p:ph idx="1"/>
+          </p:nvPr>
+        </p:nvSpPr>
+        <p:spPr/>
+        <p:txBody>
+          <a:bodyPr/>
+          <a:lstStyle/>
+          <a:p>
+            <a:r>
+              <a:rPr lang="en-US" dirty="0"/>
+              <a:t>[()]</a:t>
+            </a:r>
+          </a:p>
+          <a:p>
+            <a:r>
+              <a:rPr lang="en-US" dirty="0"/>
+              <a:t>Ex: [(</a:t>
+            </a:r>
+            <a:r>
+              <a:rPr lang="en-US" dirty="0" err="1"/>
+              <a:t>ngModel</a:t>
+            </a:r>
+            <a:r>
+              <a:rPr lang="en-US" dirty="0"/>
+              <a:t>)]</a:t>
+            </a:r>
+          </a:p>
+        </p:txBody>
+      </p:sp>
+      <p:sp>
+        <p:nvSpPr>
+          <p:cNvPr id="5" name="Oval 4">
+            <a:extLst>
+              <a:ext uri="{FF2B5EF4-FFF2-40B4-BE49-F238E27FC236}">
+                <a16:creationId xmlns:a16="http://schemas.microsoft.com/office/drawing/2014/main" id="{75C6A782-6B0D-41C3-AEB0-32EC1504F2DE}"/>
+              </a:ext>
+            </a:extLst>
+          </p:cNvPr>
+          <p:cNvSpPr/>
+          <p:nvPr/>
+        </p:nvSpPr>
+        <p:spPr>
+          <a:xfrm>
+            <a:off x="4452731" y="2225104"/>
+            <a:ext cx="934278" cy="795131"/>
+          </a:xfrm>
+          <a:prstGeom prst="ellipse">
+            <a:avLst/>
+          </a:prstGeom>
+        </p:spPr>
+        <p:style>
+          <a:lnRef idx="2">
+            <a:schemeClr val="accent1">
+              <a:shade val="50000"/>
+            </a:schemeClr>
+          </a:lnRef>
+          <a:fillRef idx="1">
+            <a:schemeClr val="accent1"/>
+          </a:fillRef>
+          <a:effectRef idx="0">
+            <a:schemeClr val="accent1"/>
+          </a:effectRef>
+          <a:fontRef idx="minor">
+            <a:schemeClr val="lt1"/>
+          </a:fontRef>
+        </p:style>
+        <p:txBody>
+          <a:bodyPr rtlCol="0" anchor="ctr"/>
+          <a:lstStyle/>
+          <a:p>
+            <a:pPr algn="ctr"/>
+            <a:r>
+              <a:rPr lang="en-US" dirty="0" err="1"/>
+              <a:t>ts</a:t>
+            </a:r>
+            <a:endParaRPr lang="en-US" dirty="0"/>
+          </a:p>
+        </p:txBody>
+      </p:sp>
+      <p:sp>
+        <p:nvSpPr>
+          <p:cNvPr id="6" name="Oval 5">
+            <a:extLst>
+              <a:ext uri="{FF2B5EF4-FFF2-40B4-BE49-F238E27FC236}">
+                <a16:creationId xmlns:a16="http://schemas.microsoft.com/office/drawing/2014/main" id="{A6CE9334-8887-489F-ACBB-A8E37BA988F7}"/>
+              </a:ext>
+            </a:extLst>
+          </p:cNvPr>
+          <p:cNvSpPr/>
+          <p:nvPr/>
+        </p:nvSpPr>
+        <p:spPr>
+          <a:xfrm>
+            <a:off x="7089913" y="2225104"/>
+            <a:ext cx="1636644" cy="795131"/>
+          </a:xfrm>
+          <a:prstGeom prst="ellipse">
+            <a:avLst/>
+          </a:prstGeom>
+        </p:spPr>
+        <p:style>
+          <a:lnRef idx="2">
+            <a:schemeClr val="accent2">
+              <a:shade val="50000"/>
+            </a:schemeClr>
+          </a:lnRef>
+          <a:fillRef idx="1">
+            <a:schemeClr val="accent2"/>
+          </a:fillRef>
+          <a:effectRef idx="0">
+            <a:schemeClr val="accent2"/>
+          </a:effectRef>
+          <a:fontRef idx="minor">
+            <a:schemeClr val="lt1"/>
+          </a:fontRef>
+        </p:style>
+        <p:txBody>
+          <a:bodyPr rtlCol="0" anchor="ctr"/>
+          <a:lstStyle/>
+          <a:p>
+            <a:pPr algn="ctr"/>
+            <a:r>
+              <a:rPr lang="en-US" dirty="0"/>
+              <a:t>template</a:t>
+            </a:r>
+          </a:p>
+        </p:txBody>
+      </p:sp>
+      <p:sp>
+        <p:nvSpPr>
+          <p:cNvPr id="7" name="Arrow: Right 6">
+            <a:extLst>
+              <a:ext uri="{FF2B5EF4-FFF2-40B4-BE49-F238E27FC236}">
+                <a16:creationId xmlns:a16="http://schemas.microsoft.com/office/drawing/2014/main" id="{1FE00F3F-D177-422D-B86D-42CD8BBBF04D}"/>
+              </a:ext>
+            </a:extLst>
+          </p:cNvPr>
+          <p:cNvSpPr/>
+          <p:nvPr/>
+        </p:nvSpPr>
+        <p:spPr>
+          <a:xfrm>
+            <a:off x="5665305" y="2394069"/>
+            <a:ext cx="1311965" cy="457200"/>
+          </a:xfrm>
+          <a:prstGeom prst="rightArrow">
+            <a:avLst/>
+          </a:prstGeom>
+        </p:spPr>
+        <p:style>
+          <a:lnRef idx="2">
+            <a:schemeClr val="accent1">
+              <a:shade val="50000"/>
+            </a:schemeClr>
+          </a:lnRef>
+          <a:fillRef idx="1">
+            <a:schemeClr val="accent1"/>
+          </a:fillRef>
+          <a:effectRef idx="0">
+            <a:schemeClr val="accent1"/>
+          </a:effectRef>
+          <a:fontRef idx="minor">
+            <a:schemeClr val="lt1"/>
+          </a:fontRef>
+        </p:style>
+        <p:txBody>
+          <a:bodyPr rtlCol="0" anchor="ctr"/>
+          <a:lstStyle/>
+          <a:p>
+            <a:pPr algn="ctr"/>
+            <a:endParaRPr lang="en-US"/>
+          </a:p>
+        </p:txBody>
+      </p:sp>
+      <p:sp>
+        <p:nvSpPr>
+          <p:cNvPr id="8" name="Oval 7">
+            <a:extLst>
+              <a:ext uri="{FF2B5EF4-FFF2-40B4-BE49-F238E27FC236}">
+                <a16:creationId xmlns:a16="http://schemas.microsoft.com/office/drawing/2014/main" id="{9DA9F6BF-BDAD-4BF5-A302-87483C58B617}"/>
+              </a:ext>
+            </a:extLst>
+          </p:cNvPr>
+          <p:cNvSpPr/>
+          <p:nvPr/>
+        </p:nvSpPr>
+        <p:spPr>
+          <a:xfrm>
+            <a:off x="4482548" y="4214846"/>
+            <a:ext cx="934278" cy="795131"/>
+          </a:xfrm>
+          <a:prstGeom prst="ellipse">
+            <a:avLst/>
+          </a:prstGeom>
+        </p:spPr>
+        <p:style>
+          <a:lnRef idx="2">
+            <a:schemeClr val="accent1">
+              <a:shade val="50000"/>
+            </a:schemeClr>
+          </a:lnRef>
+          <a:fillRef idx="1">
+            <a:schemeClr val="accent1"/>
+          </a:fillRef>
+          <a:effectRef idx="0">
+            <a:schemeClr val="accent1"/>
+          </a:effectRef>
+          <a:fontRef idx="minor">
+            <a:schemeClr val="lt1"/>
+          </a:fontRef>
+        </p:style>
+        <p:txBody>
+          <a:bodyPr rtlCol="0" anchor="ctr"/>
+          <a:lstStyle/>
+          <a:p>
+            <a:pPr algn="ctr"/>
+            <a:r>
+              <a:rPr lang="en-US" dirty="0" err="1"/>
+              <a:t>ts</a:t>
+            </a:r>
+            <a:endParaRPr lang="en-US" dirty="0"/>
+          </a:p>
+        </p:txBody>
+      </p:sp>
+      <p:sp>
+        <p:nvSpPr>
+          <p:cNvPr id="9" name="Oval 8">
+            <a:extLst>
+              <a:ext uri="{FF2B5EF4-FFF2-40B4-BE49-F238E27FC236}">
+                <a16:creationId xmlns:a16="http://schemas.microsoft.com/office/drawing/2014/main" id="{492A8927-AD43-4257-B3DA-E0C4924E4B5C}"/>
+              </a:ext>
+            </a:extLst>
+          </p:cNvPr>
+          <p:cNvSpPr/>
+          <p:nvPr/>
+        </p:nvSpPr>
+        <p:spPr>
+          <a:xfrm>
+            <a:off x="7119730" y="4214846"/>
+            <a:ext cx="1636644" cy="795131"/>
+          </a:xfrm>
+          <a:prstGeom prst="ellipse">
+            <a:avLst/>
+          </a:prstGeom>
+        </p:spPr>
+        <p:style>
+          <a:lnRef idx="2">
+            <a:schemeClr val="accent2">
+              <a:shade val="50000"/>
+            </a:schemeClr>
+          </a:lnRef>
+          <a:fillRef idx="1">
+            <a:schemeClr val="accent2"/>
+          </a:fillRef>
+          <a:effectRef idx="0">
+            <a:schemeClr val="accent2"/>
+          </a:effectRef>
+          <a:fontRef idx="minor">
+            <a:schemeClr val="lt1"/>
+          </a:fontRef>
+        </p:style>
+        <p:txBody>
+          <a:bodyPr rtlCol="0" anchor="ctr"/>
+          <a:lstStyle/>
+          <a:p>
+            <a:pPr algn="ctr"/>
+            <a:r>
+              <a:rPr lang="en-US" dirty="0"/>
+              <a:t>template</a:t>
+            </a:r>
+          </a:p>
+        </p:txBody>
+      </p:sp>
+      <p:sp>
+        <p:nvSpPr>
+          <p:cNvPr id="10" name="Arrow: Right 9">
+            <a:extLst>
+              <a:ext uri="{FF2B5EF4-FFF2-40B4-BE49-F238E27FC236}">
+                <a16:creationId xmlns:a16="http://schemas.microsoft.com/office/drawing/2014/main" id="{CE477F97-629E-47CE-92AC-D872193D40F5}"/>
+              </a:ext>
+            </a:extLst>
+          </p:cNvPr>
+          <p:cNvSpPr/>
+          <p:nvPr/>
+        </p:nvSpPr>
+        <p:spPr>
+          <a:xfrm rot="10800000">
+            <a:off x="5695122" y="4383811"/>
+            <a:ext cx="1311965" cy="457200"/>
+          </a:xfrm>
+          <a:prstGeom prst="rightArrow">
+            <a:avLst/>
+          </a:prstGeom>
+        </p:spPr>
+        <p:style>
+          <a:lnRef idx="2">
+            <a:schemeClr val="accent1">
+              <a:shade val="50000"/>
+            </a:schemeClr>
+          </a:lnRef>
+          <a:fillRef idx="1">
+            <a:schemeClr val="accent1"/>
+          </a:fillRef>
+          <a:effectRef idx="0">
+            <a:schemeClr val="accent1"/>
+          </a:effectRef>
+          <a:fontRef idx="minor">
+            <a:schemeClr val="lt1"/>
+          </a:fontRef>
+        </p:style>
+        <p:txBody>
+          <a:bodyPr rtlCol="0" anchor="ctr"/>
+          <a:lstStyle/>
+          <a:p>
+            <a:pPr algn="ctr"/>
+            <a:endParaRPr lang="en-US"/>
+          </a:p>
+        </p:txBody>
+      </p:sp>
+    </p:spTree>
+    <p:extLst>
+      <p:ext uri="{BB962C8B-B14F-4D97-AF65-F5344CB8AC3E}">
+        <p14:creationId xmlns:p14="http://schemas.microsoft.com/office/powerpoint/2010/main" val="1076756645"/>
       </p:ext>
     </p:extLst>
   </p:cSld>

--- a/6Week-Angular/6w.pptx
+++ b/6Week-Angular/6w.pptx
@@ -11,14 +11,20 @@
     <p:sldId id="259" r:id="rId5"/>
     <p:sldId id="260" r:id="rId6"/>
     <p:sldId id="262" r:id="rId7"/>
-    <p:sldId id="263" r:id="rId8"/>
-    <p:sldId id="264" r:id="rId9"/>
-    <p:sldId id="265" r:id="rId10"/>
-    <p:sldId id="266" r:id="rId11"/>
-    <p:sldId id="267" r:id="rId12"/>
-    <p:sldId id="261" r:id="rId13"/>
-    <p:sldId id="268" r:id="rId14"/>
-    <p:sldId id="269" r:id="rId15"/>
+    <p:sldId id="275" r:id="rId8"/>
+    <p:sldId id="263" r:id="rId9"/>
+    <p:sldId id="264" r:id="rId10"/>
+    <p:sldId id="265" r:id="rId11"/>
+    <p:sldId id="266" r:id="rId12"/>
+    <p:sldId id="267" r:id="rId13"/>
+    <p:sldId id="261" r:id="rId14"/>
+    <p:sldId id="270" r:id="rId15"/>
+    <p:sldId id="271" r:id="rId16"/>
+    <p:sldId id="272" r:id="rId17"/>
+    <p:sldId id="273" r:id="rId18"/>
+    <p:sldId id="274" r:id="rId19"/>
+    <p:sldId id="268" r:id="rId20"/>
+    <p:sldId id="269" r:id="rId21"/>
   </p:sldIdLst>
   <p:sldSz cx="12192000" cy="6858000"/>
   <p:notesSz cx="6858000" cy="9144000"/>
@@ -132,12 +138,18 @@
           <p14:sldIdLst>
             <p14:sldId id="260"/>
             <p14:sldId id="262"/>
+            <p14:sldId id="275"/>
             <p14:sldId id="263"/>
             <p14:sldId id="264"/>
             <p14:sldId id="265"/>
             <p14:sldId id="266"/>
             <p14:sldId id="267"/>
             <p14:sldId id="261"/>
+            <p14:sldId id="270"/>
+            <p14:sldId id="271"/>
+            <p14:sldId id="272"/>
+            <p14:sldId id="273"/>
+            <p14:sldId id="274"/>
             <p14:sldId id="268"/>
             <p14:sldId id="269"/>
           </p14:sldIdLst>
@@ -298,7 +310,7 @@
           <a:p>
             <a:fld id="{CEA97F12-9119-4EBE-AEC4-F8190DFB4DD6}" type="datetimeFigureOut">
               <a:rPr lang="en-US" smtClean="0"/>
-              <a:t>9/23/2020</a:t>
+              <a:t>9/24/2020</a:t>
             </a:fld>
             <a:endParaRPr lang="en-US"/>
           </a:p>
@@ -496,7 +508,7 @@
           <a:p>
             <a:fld id="{CEA97F12-9119-4EBE-AEC4-F8190DFB4DD6}" type="datetimeFigureOut">
               <a:rPr lang="en-US" smtClean="0"/>
-              <a:t>9/23/2020</a:t>
+              <a:t>9/24/2020</a:t>
             </a:fld>
             <a:endParaRPr lang="en-US"/>
           </a:p>
@@ -704,7 +716,7 @@
           <a:p>
             <a:fld id="{CEA97F12-9119-4EBE-AEC4-F8190DFB4DD6}" type="datetimeFigureOut">
               <a:rPr lang="en-US" smtClean="0"/>
-              <a:t>9/23/2020</a:t>
+              <a:t>9/24/2020</a:t>
             </a:fld>
             <a:endParaRPr lang="en-US"/>
           </a:p>
@@ -902,7 +914,7 @@
           <a:p>
             <a:fld id="{CEA97F12-9119-4EBE-AEC4-F8190DFB4DD6}" type="datetimeFigureOut">
               <a:rPr lang="en-US" smtClean="0"/>
-              <a:t>9/23/2020</a:t>
+              <a:t>9/24/2020</a:t>
             </a:fld>
             <a:endParaRPr lang="en-US"/>
           </a:p>
@@ -1177,7 +1189,7 @@
           <a:p>
             <a:fld id="{CEA97F12-9119-4EBE-AEC4-F8190DFB4DD6}" type="datetimeFigureOut">
               <a:rPr lang="en-US" smtClean="0"/>
-              <a:t>9/23/2020</a:t>
+              <a:t>9/24/2020</a:t>
             </a:fld>
             <a:endParaRPr lang="en-US"/>
           </a:p>
@@ -1442,7 +1454,7 @@
           <a:p>
             <a:fld id="{CEA97F12-9119-4EBE-AEC4-F8190DFB4DD6}" type="datetimeFigureOut">
               <a:rPr lang="en-US" smtClean="0"/>
-              <a:t>9/23/2020</a:t>
+              <a:t>9/24/2020</a:t>
             </a:fld>
             <a:endParaRPr lang="en-US"/>
           </a:p>
@@ -1854,7 +1866,7 @@
           <a:p>
             <a:fld id="{CEA97F12-9119-4EBE-AEC4-F8190DFB4DD6}" type="datetimeFigureOut">
               <a:rPr lang="en-US" smtClean="0"/>
-              <a:t>9/23/2020</a:t>
+              <a:t>9/24/2020</a:t>
             </a:fld>
             <a:endParaRPr lang="en-US"/>
           </a:p>
@@ -1995,7 +2007,7 @@
           <a:p>
             <a:fld id="{CEA97F12-9119-4EBE-AEC4-F8190DFB4DD6}" type="datetimeFigureOut">
               <a:rPr lang="en-US" smtClean="0"/>
-              <a:t>9/23/2020</a:t>
+              <a:t>9/24/2020</a:t>
             </a:fld>
             <a:endParaRPr lang="en-US"/>
           </a:p>
@@ -2108,7 +2120,7 @@
           <a:p>
             <a:fld id="{CEA97F12-9119-4EBE-AEC4-F8190DFB4DD6}" type="datetimeFigureOut">
               <a:rPr lang="en-US" smtClean="0"/>
-              <a:t>9/23/2020</a:t>
+              <a:t>9/24/2020</a:t>
             </a:fld>
             <a:endParaRPr lang="en-US"/>
           </a:p>
@@ -2419,7 +2431,7 @@
           <a:p>
             <a:fld id="{CEA97F12-9119-4EBE-AEC4-F8190DFB4DD6}" type="datetimeFigureOut">
               <a:rPr lang="en-US" smtClean="0"/>
-              <a:t>9/23/2020</a:t>
+              <a:t>9/24/2020</a:t>
             </a:fld>
             <a:endParaRPr lang="en-US"/>
           </a:p>
@@ -2707,7 +2719,7 @@
           <a:p>
             <a:fld id="{CEA97F12-9119-4EBE-AEC4-F8190DFB4DD6}" type="datetimeFigureOut">
               <a:rPr lang="en-US" smtClean="0"/>
-              <a:t>9/23/2020</a:t>
+              <a:t>9/24/2020</a:t>
             </a:fld>
             <a:endParaRPr lang="en-US"/>
           </a:p>
@@ -2948,7 +2960,7 @@
           <a:p>
             <a:fld id="{CEA97F12-9119-4EBE-AEC4-F8190DFB4DD6}" type="datetimeFigureOut">
               <a:rPr lang="en-US" smtClean="0"/>
-              <a:t>9/23/2020</a:t>
+              <a:t>9/24/2020</a:t>
             </a:fld>
             <a:endParaRPr lang="en-US"/>
           </a:p>
@@ -3450,7 +3462,7 @@
           <p:cNvPr id="2" name="Title 1">
             <a:extLst>
               <a:ext uri="{FF2B5EF4-FFF2-40B4-BE49-F238E27FC236}">
-                <a16:creationId xmlns:a16="http://schemas.microsoft.com/office/drawing/2014/main" id="{00FDB0B6-2B8F-4930-9A71-7A2D6148F033}"/>
+                <a16:creationId xmlns:a16="http://schemas.microsoft.com/office/drawing/2014/main" id="{63B19C9A-C325-444F-A756-5B2F8F27F4A1}"/>
               </a:ext>
             </a:extLst>
           </p:cNvPr>
@@ -3468,7 +3480,7 @@
           <a:p>
             <a:r>
               <a:rPr lang="en-US" dirty="0"/>
-              <a:t>Directives</a:t>
+              <a:t>Two-way data binding</a:t>
             </a:r>
           </a:p>
         </p:txBody>
@@ -3478,7 +3490,7 @@
           <p:cNvPr id="3" name="Content Placeholder 2">
             <a:extLst>
               <a:ext uri="{FF2B5EF4-FFF2-40B4-BE49-F238E27FC236}">
-                <a16:creationId xmlns:a16="http://schemas.microsoft.com/office/drawing/2014/main" id="{7118DBBF-1151-4C4D-9B87-EB48D24D213D}"/>
+                <a16:creationId xmlns:a16="http://schemas.microsoft.com/office/drawing/2014/main" id="{4F2B9D3D-9C09-4E40-BC09-F701C5A15E2F}"/>
               </a:ext>
             </a:extLst>
           </p:cNvPr>
@@ -3496,51 +3508,319 @@
           <a:p>
             <a:r>
               <a:rPr lang="en-US" dirty="0"/>
-              <a:t>Structural</a:t>
-            </a:r>
-          </a:p>
-          <a:p>
-            <a:pPr lvl="1"/>
+              <a:t>[()]</a:t>
+            </a:r>
+          </a:p>
+          <a:p>
             <a:r>
               <a:rPr lang="en-US" dirty="0"/>
-              <a:t>*</a:t>
+              <a:t>Ex: [(</a:t>
             </a:r>
             <a:r>
               <a:rPr lang="en-US" dirty="0" err="1"/>
-              <a:t>ngFor</a:t>
+              <a:t>ngModel</a:t>
+            </a:r>
+            <a:r>
+              <a:rPr lang="en-US" dirty="0"/>
+              <a:t>)]</a:t>
+            </a:r>
+          </a:p>
+        </p:txBody>
+      </p:sp>
+      <p:sp>
+        <p:nvSpPr>
+          <p:cNvPr id="5" name="Oval 4">
+            <a:extLst>
+              <a:ext uri="{FF2B5EF4-FFF2-40B4-BE49-F238E27FC236}">
+                <a16:creationId xmlns:a16="http://schemas.microsoft.com/office/drawing/2014/main" id="{75C6A782-6B0D-41C3-AEB0-32EC1504F2DE}"/>
+              </a:ext>
+            </a:extLst>
+          </p:cNvPr>
+          <p:cNvSpPr/>
+          <p:nvPr/>
+        </p:nvSpPr>
+        <p:spPr>
+          <a:xfrm>
+            <a:off x="4452731" y="2225104"/>
+            <a:ext cx="934278" cy="795131"/>
+          </a:xfrm>
+          <a:prstGeom prst="ellipse">
+            <a:avLst/>
+          </a:prstGeom>
+        </p:spPr>
+        <p:style>
+          <a:lnRef idx="2">
+            <a:schemeClr val="accent1">
+              <a:shade val="50000"/>
+            </a:schemeClr>
+          </a:lnRef>
+          <a:fillRef idx="1">
+            <a:schemeClr val="accent1"/>
+          </a:fillRef>
+          <a:effectRef idx="0">
+            <a:schemeClr val="accent1"/>
+          </a:effectRef>
+          <a:fontRef idx="minor">
+            <a:schemeClr val="lt1"/>
+          </a:fontRef>
+        </p:style>
+        <p:txBody>
+          <a:bodyPr rtlCol="0" anchor="ctr"/>
+          <a:lstStyle/>
+          <a:p>
+            <a:pPr algn="ctr"/>
+            <a:r>
+              <a:rPr lang="en-US" dirty="0" err="1"/>
+              <a:t>ts</a:t>
             </a:r>
             <a:endParaRPr lang="en-US" dirty="0"/>
           </a:p>
-          <a:p>
-            <a:pPr lvl="1"/>
+        </p:txBody>
+      </p:sp>
+      <p:sp>
+        <p:nvSpPr>
+          <p:cNvPr id="6" name="Oval 5">
+            <a:extLst>
+              <a:ext uri="{FF2B5EF4-FFF2-40B4-BE49-F238E27FC236}">
+                <a16:creationId xmlns:a16="http://schemas.microsoft.com/office/drawing/2014/main" id="{A6CE9334-8887-489F-ACBB-A8E37BA988F7}"/>
+              </a:ext>
+            </a:extLst>
+          </p:cNvPr>
+          <p:cNvSpPr/>
+          <p:nvPr/>
+        </p:nvSpPr>
+        <p:spPr>
+          <a:xfrm>
+            <a:off x="7089913" y="2225104"/>
+            <a:ext cx="1636644" cy="795131"/>
+          </a:xfrm>
+          <a:prstGeom prst="ellipse">
+            <a:avLst/>
+          </a:prstGeom>
+        </p:spPr>
+        <p:style>
+          <a:lnRef idx="2">
+            <a:schemeClr val="accent2">
+              <a:shade val="50000"/>
+            </a:schemeClr>
+          </a:lnRef>
+          <a:fillRef idx="1">
+            <a:schemeClr val="accent2"/>
+          </a:fillRef>
+          <a:effectRef idx="0">
+            <a:schemeClr val="accent2"/>
+          </a:effectRef>
+          <a:fontRef idx="minor">
+            <a:schemeClr val="lt1"/>
+          </a:fontRef>
+        </p:style>
+        <p:txBody>
+          <a:bodyPr rtlCol="0" anchor="ctr"/>
+          <a:lstStyle/>
+          <a:p>
+            <a:pPr algn="ctr"/>
             <a:r>
               <a:rPr lang="en-US" dirty="0"/>
-              <a:t>*</a:t>
-            </a:r>
+              <a:t>template</a:t>
+            </a:r>
+          </a:p>
+        </p:txBody>
+      </p:sp>
+      <p:sp>
+        <p:nvSpPr>
+          <p:cNvPr id="7" name="Arrow: Right 6">
+            <a:extLst>
+              <a:ext uri="{FF2B5EF4-FFF2-40B4-BE49-F238E27FC236}">
+                <a16:creationId xmlns:a16="http://schemas.microsoft.com/office/drawing/2014/main" id="{1FE00F3F-D177-422D-B86D-42CD8BBBF04D}"/>
+              </a:ext>
+            </a:extLst>
+          </p:cNvPr>
+          <p:cNvSpPr/>
+          <p:nvPr/>
+        </p:nvSpPr>
+        <p:spPr>
+          <a:xfrm>
+            <a:off x="5665305" y="2394069"/>
+            <a:ext cx="1311965" cy="457200"/>
+          </a:xfrm>
+          <a:prstGeom prst="rightArrow">
+            <a:avLst/>
+          </a:prstGeom>
+        </p:spPr>
+        <p:style>
+          <a:lnRef idx="2">
+            <a:schemeClr val="accent1">
+              <a:shade val="50000"/>
+            </a:schemeClr>
+          </a:lnRef>
+          <a:fillRef idx="1">
+            <a:schemeClr val="accent1"/>
+          </a:fillRef>
+          <a:effectRef idx="0">
+            <a:schemeClr val="accent1"/>
+          </a:effectRef>
+          <a:fontRef idx="minor">
+            <a:schemeClr val="lt1"/>
+          </a:fontRef>
+        </p:style>
+        <p:txBody>
+          <a:bodyPr rtlCol="0" anchor="ctr"/>
+          <a:lstStyle/>
+          <a:p>
+            <a:pPr algn="ctr"/>
+            <a:endParaRPr lang="en-US"/>
+          </a:p>
+        </p:txBody>
+      </p:sp>
+      <p:sp>
+        <p:nvSpPr>
+          <p:cNvPr id="8" name="Oval 7">
+            <a:extLst>
+              <a:ext uri="{FF2B5EF4-FFF2-40B4-BE49-F238E27FC236}">
+                <a16:creationId xmlns:a16="http://schemas.microsoft.com/office/drawing/2014/main" id="{9DA9F6BF-BDAD-4BF5-A302-87483C58B617}"/>
+              </a:ext>
+            </a:extLst>
+          </p:cNvPr>
+          <p:cNvSpPr/>
+          <p:nvPr/>
+        </p:nvSpPr>
+        <p:spPr>
+          <a:xfrm>
+            <a:off x="4482548" y="4214846"/>
+            <a:ext cx="934278" cy="795131"/>
+          </a:xfrm>
+          <a:prstGeom prst="ellipse">
+            <a:avLst/>
+          </a:prstGeom>
+        </p:spPr>
+        <p:style>
+          <a:lnRef idx="2">
+            <a:schemeClr val="accent1">
+              <a:shade val="50000"/>
+            </a:schemeClr>
+          </a:lnRef>
+          <a:fillRef idx="1">
+            <a:schemeClr val="accent1"/>
+          </a:fillRef>
+          <a:effectRef idx="0">
+            <a:schemeClr val="accent1"/>
+          </a:effectRef>
+          <a:fontRef idx="minor">
+            <a:schemeClr val="lt1"/>
+          </a:fontRef>
+        </p:style>
+        <p:txBody>
+          <a:bodyPr rtlCol="0" anchor="ctr"/>
+          <a:lstStyle/>
+          <a:p>
+            <a:pPr algn="ctr"/>
             <a:r>
               <a:rPr lang="en-US" dirty="0" err="1"/>
-              <a:t>ngIf</a:t>
+              <a:t>ts</a:t>
             </a:r>
             <a:endParaRPr lang="en-US" dirty="0"/>
           </a:p>
-          <a:p>
+        </p:txBody>
+      </p:sp>
+      <p:sp>
+        <p:nvSpPr>
+          <p:cNvPr id="9" name="Oval 8">
+            <a:extLst>
+              <a:ext uri="{FF2B5EF4-FFF2-40B4-BE49-F238E27FC236}">
+                <a16:creationId xmlns:a16="http://schemas.microsoft.com/office/drawing/2014/main" id="{492A8927-AD43-4257-B3DA-E0C4924E4B5C}"/>
+              </a:ext>
+            </a:extLst>
+          </p:cNvPr>
+          <p:cNvSpPr/>
+          <p:nvPr/>
+        </p:nvSpPr>
+        <p:spPr>
+          <a:xfrm>
+            <a:off x="7119730" y="4214846"/>
+            <a:ext cx="1636644" cy="795131"/>
+          </a:xfrm>
+          <a:prstGeom prst="ellipse">
+            <a:avLst/>
+          </a:prstGeom>
+        </p:spPr>
+        <p:style>
+          <a:lnRef idx="2">
+            <a:schemeClr val="accent2">
+              <a:shade val="50000"/>
+            </a:schemeClr>
+          </a:lnRef>
+          <a:fillRef idx="1">
+            <a:schemeClr val="accent2"/>
+          </a:fillRef>
+          <a:effectRef idx="0">
+            <a:schemeClr val="accent2"/>
+          </a:effectRef>
+          <a:fontRef idx="minor">
+            <a:schemeClr val="lt1"/>
+          </a:fontRef>
+        </p:style>
+        <p:txBody>
+          <a:bodyPr rtlCol="0" anchor="ctr"/>
+          <a:lstStyle/>
+          <a:p>
+            <a:pPr algn="ctr"/>
             <a:r>
               <a:rPr lang="en-US" dirty="0"/>
-              <a:t>Attribute</a:t>
-            </a:r>
-          </a:p>
-          <a:p>
-            <a:r>
-              <a:rPr lang="en-US" dirty="0"/>
-              <a:t>Components</a:t>
-            </a:r>
+              <a:t>template</a:t>
+            </a:r>
+          </a:p>
+        </p:txBody>
+      </p:sp>
+      <p:sp>
+        <p:nvSpPr>
+          <p:cNvPr id="10" name="Arrow: Right 9">
+            <a:extLst>
+              <a:ext uri="{FF2B5EF4-FFF2-40B4-BE49-F238E27FC236}">
+                <a16:creationId xmlns:a16="http://schemas.microsoft.com/office/drawing/2014/main" id="{CE477F97-629E-47CE-92AC-D872193D40F5}"/>
+              </a:ext>
+            </a:extLst>
+          </p:cNvPr>
+          <p:cNvSpPr/>
+          <p:nvPr/>
+        </p:nvSpPr>
+        <p:spPr>
+          <a:xfrm rot="10800000">
+            <a:off x="5695122" y="4383811"/>
+            <a:ext cx="1311965" cy="457200"/>
+          </a:xfrm>
+          <a:prstGeom prst="rightArrow">
+            <a:avLst/>
+          </a:prstGeom>
+        </p:spPr>
+        <p:style>
+          <a:lnRef idx="2">
+            <a:schemeClr val="accent1">
+              <a:shade val="50000"/>
+            </a:schemeClr>
+          </a:lnRef>
+          <a:fillRef idx="1">
+            <a:schemeClr val="accent1"/>
+          </a:fillRef>
+          <a:effectRef idx="0">
+            <a:schemeClr val="accent1"/>
+          </a:effectRef>
+          <a:fontRef idx="minor">
+            <a:schemeClr val="lt1"/>
+          </a:fontRef>
+        </p:style>
+        <p:txBody>
+          <a:bodyPr rtlCol="0" anchor="ctr"/>
+          <a:lstStyle/>
+          <a:p>
+            <a:pPr algn="ctr"/>
+            <a:endParaRPr lang="en-US"/>
           </a:p>
         </p:txBody>
       </p:sp>
     </p:spTree>
     <p:extLst>
       <p:ext uri="{BB962C8B-B14F-4D97-AF65-F5344CB8AC3E}">
-        <p14:creationId xmlns:p14="http://schemas.microsoft.com/office/powerpoint/2010/main" val="1233420696"/>
+        <p14:creationId xmlns:p14="http://schemas.microsoft.com/office/powerpoint/2010/main" val="1076756645"/>
       </p:ext>
     </p:extLst>
   </p:cSld>
@@ -3572,7 +3852,7 @@
           <p:cNvPr id="2" name="Title 1">
             <a:extLst>
               <a:ext uri="{FF2B5EF4-FFF2-40B4-BE49-F238E27FC236}">
-                <a16:creationId xmlns:a16="http://schemas.microsoft.com/office/drawing/2014/main" id="{E1B85424-645D-443C-BCA5-E8DB5548D210}"/>
+                <a16:creationId xmlns:a16="http://schemas.microsoft.com/office/drawing/2014/main" id="{00FDB0B6-2B8F-4930-9A71-7A2D6148F033}"/>
               </a:ext>
             </a:extLst>
           </p:cNvPr>
@@ -3590,7 +3870,7 @@
           <a:p>
             <a:r>
               <a:rPr lang="en-US" dirty="0"/>
-              <a:t>Pipes</a:t>
+              <a:t>Directives</a:t>
             </a:r>
           </a:p>
         </p:txBody>
@@ -3600,7 +3880,7 @@
           <p:cNvPr id="3" name="Content Placeholder 2">
             <a:extLst>
               <a:ext uri="{FF2B5EF4-FFF2-40B4-BE49-F238E27FC236}">
-                <a16:creationId xmlns:a16="http://schemas.microsoft.com/office/drawing/2014/main" id="{6FA7A7EB-BBAA-4688-A521-5C4E0A0418F0}"/>
+                <a16:creationId xmlns:a16="http://schemas.microsoft.com/office/drawing/2014/main" id="{7118DBBF-1151-4C4D-9B87-EB48D24D213D}"/>
               </a:ext>
             </a:extLst>
           </p:cNvPr>
@@ -3618,7 +3898,43 @@
           <a:p>
             <a:r>
               <a:rPr lang="en-US" dirty="0"/>
-              <a:t>|</a:t>
+              <a:t>Structural</a:t>
+            </a:r>
+          </a:p>
+          <a:p>
+            <a:pPr lvl="1"/>
+            <a:r>
+              <a:rPr lang="en-US" dirty="0"/>
+              <a:t>*</a:t>
+            </a:r>
+            <a:r>
+              <a:rPr lang="en-US" dirty="0" err="1"/>
+              <a:t>ngFor</a:t>
+            </a:r>
+            <a:endParaRPr lang="en-US" dirty="0"/>
+          </a:p>
+          <a:p>
+            <a:pPr lvl="1"/>
+            <a:r>
+              <a:rPr lang="en-US" dirty="0"/>
+              <a:t>*</a:t>
+            </a:r>
+            <a:r>
+              <a:rPr lang="en-US" dirty="0" err="1"/>
+              <a:t>ngIf</a:t>
+            </a:r>
+            <a:endParaRPr lang="en-US" dirty="0"/>
+          </a:p>
+          <a:p>
+            <a:r>
+              <a:rPr lang="en-US" dirty="0"/>
+              <a:t>Attribute</a:t>
+            </a:r>
+          </a:p>
+          <a:p>
+            <a:r>
+              <a:rPr lang="en-US" dirty="0"/>
+              <a:t>Components</a:t>
             </a:r>
           </a:p>
         </p:txBody>
@@ -3626,7 +3942,7 @@
     </p:spTree>
     <p:extLst>
       <p:ext uri="{BB962C8B-B14F-4D97-AF65-F5344CB8AC3E}">
-        <p14:creationId xmlns:p14="http://schemas.microsoft.com/office/powerpoint/2010/main" val="3189030840"/>
+        <p14:creationId xmlns:p14="http://schemas.microsoft.com/office/powerpoint/2010/main" val="1233420696"/>
       </p:ext>
     </p:extLst>
   </p:cSld>
@@ -3655,58 +3971,10 @@
       </p:grpSpPr>
       <p:sp>
         <p:nvSpPr>
-          <p:cNvPr id="6" name="Oval 5">
-            <a:extLst>
-              <a:ext uri="{FF2B5EF4-FFF2-40B4-BE49-F238E27FC236}">
-                <a16:creationId xmlns:a16="http://schemas.microsoft.com/office/drawing/2014/main" id="{CA7B7FBF-DEB5-4115-82C6-7A1721D58C20}"/>
-              </a:ext>
-            </a:extLst>
-          </p:cNvPr>
-          <p:cNvSpPr/>
-          <p:nvPr/>
-        </p:nvSpPr>
-        <p:spPr>
-          <a:xfrm>
-            <a:off x="3076162" y="2037522"/>
-            <a:ext cx="4537212" cy="4591876"/>
-          </a:xfrm>
-          <a:prstGeom prst="ellipse">
-            <a:avLst/>
-          </a:prstGeom>
-        </p:spPr>
-        <p:style>
-          <a:lnRef idx="2">
-            <a:schemeClr val="accent4">
-              <a:shade val="50000"/>
-            </a:schemeClr>
-          </a:lnRef>
-          <a:fillRef idx="1">
-            <a:schemeClr val="accent4"/>
-          </a:fillRef>
-          <a:effectRef idx="0">
-            <a:schemeClr val="accent4"/>
-          </a:effectRef>
-          <a:fontRef idx="minor">
-            <a:schemeClr val="lt1"/>
-          </a:fontRef>
-        </p:style>
-        <p:txBody>
-          <a:bodyPr rtlCol="0" anchor="ctr"/>
-          <a:lstStyle/>
-          <a:p>
-            <a:r>
-              <a:rPr lang="en-US" dirty="0"/>
-              <a:t>TS</a:t>
-            </a:r>
-          </a:p>
-        </p:txBody>
-      </p:sp>
-      <p:sp>
-        <p:nvSpPr>
           <p:cNvPr id="2" name="Title 1">
             <a:extLst>
               <a:ext uri="{FF2B5EF4-FFF2-40B4-BE49-F238E27FC236}">
-                <a16:creationId xmlns:a16="http://schemas.microsoft.com/office/drawing/2014/main" id="{17611471-A8F7-4A0A-9575-E6B75EE090E2}"/>
+                <a16:creationId xmlns:a16="http://schemas.microsoft.com/office/drawing/2014/main" id="{E1B85424-645D-443C-BCA5-E8DB5548D210}"/>
               </a:ext>
             </a:extLst>
           </p:cNvPr>
@@ -3724,56 +3992,35 @@
           <a:p>
             <a:r>
               <a:rPr lang="en-US" dirty="0"/>
-              <a:t>TS and JS</a:t>
-            </a:r>
-          </a:p>
-        </p:txBody>
-      </p:sp>
-      <p:sp>
-        <p:nvSpPr>
-          <p:cNvPr id="4" name="Oval 3">
-            <a:extLst>
-              <a:ext uri="{FF2B5EF4-FFF2-40B4-BE49-F238E27FC236}">
-                <a16:creationId xmlns:a16="http://schemas.microsoft.com/office/drawing/2014/main" id="{A3CD712F-7973-45BD-BC2A-A530BA385422}"/>
-              </a:ext>
-            </a:extLst>
-          </p:cNvPr>
-          <p:cNvSpPr/>
-          <p:nvPr/>
-        </p:nvSpPr>
-        <p:spPr>
-          <a:xfrm>
-            <a:off x="4899992" y="3269973"/>
-            <a:ext cx="2176670" cy="2126974"/>
-          </a:xfrm>
-          <a:prstGeom prst="ellipse">
-            <a:avLst/>
-          </a:prstGeom>
-        </p:spPr>
-        <p:style>
-          <a:lnRef idx="2">
-            <a:schemeClr val="accent1">
-              <a:shade val="50000"/>
-            </a:schemeClr>
-          </a:lnRef>
-          <a:fillRef idx="1">
-            <a:schemeClr val="accent1"/>
-          </a:fillRef>
-          <a:effectRef idx="0">
-            <a:schemeClr val="accent1"/>
-          </a:effectRef>
-          <a:fontRef idx="minor">
-            <a:schemeClr val="lt1"/>
-          </a:fontRef>
-        </p:style>
-        <p:txBody>
-          <a:bodyPr rtlCol="0" anchor="ctr"/>
-          <a:lstStyle/>
-          <a:p>
-            <a:pPr algn="ctr"/>
+              <a:t>Pipes</a:t>
+            </a:r>
+          </a:p>
+        </p:txBody>
+      </p:sp>
+      <p:sp>
+        <p:nvSpPr>
+          <p:cNvPr id="3" name="Content Placeholder 2">
+            <a:extLst>
+              <a:ext uri="{FF2B5EF4-FFF2-40B4-BE49-F238E27FC236}">
+                <a16:creationId xmlns:a16="http://schemas.microsoft.com/office/drawing/2014/main" id="{6FA7A7EB-BBAA-4688-A521-5C4E0A0418F0}"/>
+              </a:ext>
+            </a:extLst>
+          </p:cNvPr>
+          <p:cNvSpPr>
+            <a:spLocks noGrp="1"/>
+          </p:cNvSpPr>
+          <p:nvPr>
+            <p:ph idx="1"/>
+          </p:nvPr>
+        </p:nvSpPr>
+        <p:spPr/>
+        <p:txBody>
+          <a:bodyPr/>
+          <a:lstStyle/>
+          <a:p>
             <a:r>
               <a:rPr lang="en-US" dirty="0"/>
-              <a:t>JS</a:t>
+              <a:t>|</a:t>
             </a:r>
           </a:p>
         </p:txBody>
@@ -3781,7 +4028,7 @@
     </p:spTree>
     <p:extLst>
       <p:ext uri="{BB962C8B-B14F-4D97-AF65-F5344CB8AC3E}">
-        <p14:creationId xmlns:p14="http://schemas.microsoft.com/office/powerpoint/2010/main" val="937272939"/>
+        <p14:creationId xmlns:p14="http://schemas.microsoft.com/office/powerpoint/2010/main" val="3189030840"/>
       </p:ext>
     </p:extLst>
   </p:cSld>
@@ -3810,10 +4057,58 @@
       </p:grpSpPr>
       <p:sp>
         <p:nvSpPr>
+          <p:cNvPr id="6" name="Oval 5">
+            <a:extLst>
+              <a:ext uri="{FF2B5EF4-FFF2-40B4-BE49-F238E27FC236}">
+                <a16:creationId xmlns:a16="http://schemas.microsoft.com/office/drawing/2014/main" id="{CA7B7FBF-DEB5-4115-82C6-7A1721D58C20}"/>
+              </a:ext>
+            </a:extLst>
+          </p:cNvPr>
+          <p:cNvSpPr/>
+          <p:nvPr/>
+        </p:nvSpPr>
+        <p:spPr>
+          <a:xfrm>
+            <a:off x="3076162" y="2037522"/>
+            <a:ext cx="4537212" cy="4591876"/>
+          </a:xfrm>
+          <a:prstGeom prst="ellipse">
+            <a:avLst/>
+          </a:prstGeom>
+        </p:spPr>
+        <p:style>
+          <a:lnRef idx="2">
+            <a:schemeClr val="accent4">
+              <a:shade val="50000"/>
+            </a:schemeClr>
+          </a:lnRef>
+          <a:fillRef idx="1">
+            <a:schemeClr val="accent4"/>
+          </a:fillRef>
+          <a:effectRef idx="0">
+            <a:schemeClr val="accent4"/>
+          </a:effectRef>
+          <a:fontRef idx="minor">
+            <a:schemeClr val="lt1"/>
+          </a:fontRef>
+        </p:style>
+        <p:txBody>
+          <a:bodyPr rtlCol="0" anchor="ctr"/>
+          <a:lstStyle/>
+          <a:p>
+            <a:r>
+              <a:rPr lang="en-US" dirty="0"/>
+              <a:t>TS</a:t>
+            </a:r>
+          </a:p>
+        </p:txBody>
+      </p:sp>
+      <p:sp>
+        <p:nvSpPr>
           <p:cNvPr id="2" name="Title 1">
             <a:extLst>
               <a:ext uri="{FF2B5EF4-FFF2-40B4-BE49-F238E27FC236}">
-                <a16:creationId xmlns:a16="http://schemas.microsoft.com/office/drawing/2014/main" id="{4118B8E5-8CB3-45C6-B42F-B40225B5FFEE}"/>
+                <a16:creationId xmlns:a16="http://schemas.microsoft.com/office/drawing/2014/main" id="{17611471-A8F7-4A0A-9575-E6B75EE090E2}"/>
               </a:ext>
             </a:extLst>
           </p:cNvPr>
@@ -3831,64 +4126,56 @@
           <a:p>
             <a:r>
               <a:rPr lang="en-US" dirty="0"/>
-              <a:t>What we like</a:t>
-            </a:r>
-          </a:p>
-        </p:txBody>
-      </p:sp>
-      <p:sp>
-        <p:nvSpPr>
-          <p:cNvPr id="3" name="Content Placeholder 2">
-            <a:extLst>
-              <a:ext uri="{FF2B5EF4-FFF2-40B4-BE49-F238E27FC236}">
-                <a16:creationId xmlns:a16="http://schemas.microsoft.com/office/drawing/2014/main" id="{8B4627CC-7D89-4A4E-AD6C-17F4E979F2E8}"/>
-              </a:ext>
-            </a:extLst>
-          </p:cNvPr>
-          <p:cNvSpPr>
-            <a:spLocks noGrp="1"/>
-          </p:cNvSpPr>
-          <p:nvPr>
-            <p:ph idx="1"/>
-          </p:nvPr>
-        </p:nvSpPr>
-        <p:spPr/>
-        <p:txBody>
-          <a:bodyPr/>
-          <a:lstStyle/>
-          <a:p>
+              <a:t>TS and JS</a:t>
+            </a:r>
+          </a:p>
+        </p:txBody>
+      </p:sp>
+      <p:sp>
+        <p:nvSpPr>
+          <p:cNvPr id="4" name="Oval 3">
+            <a:extLst>
+              <a:ext uri="{FF2B5EF4-FFF2-40B4-BE49-F238E27FC236}">
+                <a16:creationId xmlns:a16="http://schemas.microsoft.com/office/drawing/2014/main" id="{A3CD712F-7973-45BD-BC2A-A530BA385422}"/>
+              </a:ext>
+            </a:extLst>
+          </p:cNvPr>
+          <p:cNvSpPr/>
+          <p:nvPr/>
+        </p:nvSpPr>
+        <p:spPr>
+          <a:xfrm>
+            <a:off x="4899992" y="3269973"/>
+            <a:ext cx="2176670" cy="2126974"/>
+          </a:xfrm>
+          <a:prstGeom prst="ellipse">
+            <a:avLst/>
+          </a:prstGeom>
+        </p:spPr>
+        <p:style>
+          <a:lnRef idx="2">
+            <a:schemeClr val="accent1">
+              <a:shade val="50000"/>
+            </a:schemeClr>
+          </a:lnRef>
+          <a:fillRef idx="1">
+            <a:schemeClr val="accent1"/>
+          </a:fillRef>
+          <a:effectRef idx="0">
+            <a:schemeClr val="accent1"/>
+          </a:effectRef>
+          <a:fontRef idx="minor">
+            <a:schemeClr val="lt1"/>
+          </a:fontRef>
+        </p:style>
+        <p:txBody>
+          <a:bodyPr rtlCol="0" anchor="ctr"/>
+          <a:lstStyle/>
+          <a:p>
+            <a:pPr algn="ctr"/>
             <a:r>
               <a:rPr lang="en-US" dirty="0"/>
-              <a:t>Directives -&gt; simple, to the point, faster, less to write</a:t>
-            </a:r>
-          </a:p>
-          <a:p>
-            <a:r>
-              <a:rPr lang="en-US" dirty="0"/>
-              <a:t>Automatically sets up boiler plate (code generation)</a:t>
-            </a:r>
-          </a:p>
-          <a:p>
-            <a:r>
-              <a:rPr lang="en-US" dirty="0"/>
-              <a:t>Live updates with dev server</a:t>
-            </a:r>
-          </a:p>
-          <a:p>
-            <a:r>
-              <a:rPr lang="en-US" dirty="0"/>
-              <a:t>Compartmentalizes </a:t>
-            </a:r>
-            <a:r>
-              <a:rPr lang="en-US" dirty="0" err="1"/>
-              <a:t>css</a:t>
-            </a:r>
-            <a:endParaRPr lang="en-US" dirty="0"/>
-          </a:p>
-          <a:p>
-            <a:r>
-              <a:rPr lang="en-US" dirty="0"/>
-              <a:t>Separation of concerns</a:t>
+              <a:t>JS</a:t>
             </a:r>
           </a:p>
         </p:txBody>
@@ -3896,7 +4183,7 @@
     </p:spTree>
     <p:extLst>
       <p:ext uri="{BB962C8B-B14F-4D97-AF65-F5344CB8AC3E}">
-        <p14:creationId xmlns:p14="http://schemas.microsoft.com/office/powerpoint/2010/main" val="2380738990"/>
+        <p14:creationId xmlns:p14="http://schemas.microsoft.com/office/powerpoint/2010/main" val="937272939"/>
       </p:ext>
     </p:extLst>
   </p:cSld>
@@ -3928,7 +4215,7 @@
           <p:cNvPr id="2" name="Title 1">
             <a:extLst>
               <a:ext uri="{FF2B5EF4-FFF2-40B4-BE49-F238E27FC236}">
-                <a16:creationId xmlns:a16="http://schemas.microsoft.com/office/drawing/2014/main" id="{4118B8E5-8CB3-45C6-B42F-B40225B5FFEE}"/>
+                <a16:creationId xmlns:a16="http://schemas.microsoft.com/office/drawing/2014/main" id="{7D3D4CB9-34D5-4B0A-BF26-C03926016B43}"/>
               </a:ext>
             </a:extLst>
           </p:cNvPr>
@@ -3946,7 +4233,1471 @@
           <a:p>
             <a:r>
               <a:rPr lang="en-US" dirty="0"/>
-              <a:t>What we don’t like</a:t>
+              <a:t>Tight Coupling</a:t>
+            </a:r>
+          </a:p>
+        </p:txBody>
+      </p:sp>
+      <p:sp>
+        <p:nvSpPr>
+          <p:cNvPr id="4" name="Rectangle 3">
+            <a:extLst>
+              <a:ext uri="{FF2B5EF4-FFF2-40B4-BE49-F238E27FC236}">
+                <a16:creationId xmlns:a16="http://schemas.microsoft.com/office/drawing/2014/main" id="{4F329C86-97F9-4D0A-9BD8-C85EFD0531A7}"/>
+              </a:ext>
+            </a:extLst>
+          </p:cNvPr>
+          <p:cNvSpPr/>
+          <p:nvPr/>
+        </p:nvSpPr>
+        <p:spPr>
+          <a:xfrm>
+            <a:off x="2017643" y="2653748"/>
+            <a:ext cx="2782957" cy="2961861"/>
+          </a:xfrm>
+          <a:prstGeom prst="rect">
+            <a:avLst/>
+          </a:prstGeom>
+        </p:spPr>
+        <p:style>
+          <a:lnRef idx="2">
+            <a:schemeClr val="accent1">
+              <a:shade val="50000"/>
+            </a:schemeClr>
+          </a:lnRef>
+          <a:fillRef idx="1">
+            <a:schemeClr val="accent1"/>
+          </a:fillRef>
+          <a:effectRef idx="0">
+            <a:schemeClr val="accent1"/>
+          </a:effectRef>
+          <a:fontRef idx="minor">
+            <a:schemeClr val="lt1"/>
+          </a:fontRef>
+        </p:style>
+        <p:txBody>
+          <a:bodyPr rtlCol="0" anchor="ctr"/>
+          <a:lstStyle/>
+          <a:p>
+            <a:pPr algn="ctr"/>
+            <a:r>
+              <a:rPr lang="en-US" dirty="0"/>
+              <a:t>Menu</a:t>
+            </a:r>
+          </a:p>
+        </p:txBody>
+      </p:sp>
+      <p:sp>
+        <p:nvSpPr>
+          <p:cNvPr id="6" name="Rectangle 5">
+            <a:extLst>
+              <a:ext uri="{FF2B5EF4-FFF2-40B4-BE49-F238E27FC236}">
+                <a16:creationId xmlns:a16="http://schemas.microsoft.com/office/drawing/2014/main" id="{1A5EF192-A2B9-4B61-85EB-56460B58F9B7}"/>
+              </a:ext>
+            </a:extLst>
+          </p:cNvPr>
+          <p:cNvSpPr/>
+          <p:nvPr/>
+        </p:nvSpPr>
+        <p:spPr>
+          <a:xfrm>
+            <a:off x="3829878" y="3089413"/>
+            <a:ext cx="897837" cy="679173"/>
+          </a:xfrm>
+          <a:prstGeom prst="rect">
+            <a:avLst/>
+          </a:prstGeom>
+        </p:spPr>
+        <p:style>
+          <a:lnRef idx="2">
+            <a:schemeClr val="accent6">
+              <a:shade val="50000"/>
+            </a:schemeClr>
+          </a:lnRef>
+          <a:fillRef idx="1">
+            <a:schemeClr val="accent6"/>
+          </a:fillRef>
+          <a:effectRef idx="0">
+            <a:schemeClr val="accent6"/>
+          </a:effectRef>
+          <a:fontRef idx="minor">
+            <a:schemeClr val="lt1"/>
+          </a:fontRef>
+        </p:style>
+        <p:txBody>
+          <a:bodyPr rtlCol="0" anchor="ctr"/>
+          <a:lstStyle/>
+          <a:p>
+            <a:pPr algn="ctr"/>
+            <a:r>
+              <a:rPr lang="en-US" dirty="0"/>
+              <a:t>Food</a:t>
+            </a:r>
+          </a:p>
+        </p:txBody>
+      </p:sp>
+      <p:sp>
+        <p:nvSpPr>
+          <p:cNvPr id="7" name="TextBox 6">
+            <a:extLst>
+              <a:ext uri="{FF2B5EF4-FFF2-40B4-BE49-F238E27FC236}">
+                <a16:creationId xmlns:a16="http://schemas.microsoft.com/office/drawing/2014/main" id="{5BD07FA7-1C8D-46E8-9946-597E8806580C}"/>
+              </a:ext>
+            </a:extLst>
+          </p:cNvPr>
+          <p:cNvSpPr txBox="1"/>
+          <p:nvPr/>
+        </p:nvSpPr>
+        <p:spPr>
+          <a:xfrm>
+            <a:off x="6659217" y="1769165"/>
+            <a:ext cx="5059018" cy="923330"/>
+          </a:xfrm>
+          <a:prstGeom prst="rect">
+            <a:avLst/>
+          </a:prstGeom>
+          <a:noFill/>
+        </p:spPr>
+        <p:txBody>
+          <a:bodyPr wrap="square" rtlCol="0">
+            <a:spAutoFit/>
+          </a:bodyPr>
+          <a:lstStyle/>
+          <a:p>
+            <a:r>
+              <a:rPr lang="en-US" dirty="0"/>
+              <a:t>class Menu{</a:t>
+            </a:r>
+          </a:p>
+          <a:p>
+            <a:r>
+              <a:rPr lang="en-US" dirty="0"/>
+              <a:t>	Food </a:t>
+            </a:r>
+            <a:r>
+              <a:rPr lang="en-US" dirty="0" err="1"/>
+              <a:t>food</a:t>
+            </a:r>
+            <a:r>
+              <a:rPr lang="en-US" dirty="0"/>
+              <a:t> = new Food();</a:t>
+            </a:r>
+          </a:p>
+          <a:p>
+            <a:r>
+              <a:rPr lang="en-US" dirty="0"/>
+              <a:t>}</a:t>
+            </a:r>
+          </a:p>
+        </p:txBody>
+      </p:sp>
+    </p:spTree>
+    <p:extLst>
+      <p:ext uri="{BB962C8B-B14F-4D97-AF65-F5344CB8AC3E}">
+        <p14:creationId xmlns:p14="http://schemas.microsoft.com/office/powerpoint/2010/main" val="988777312"/>
+      </p:ext>
+    </p:extLst>
+  </p:cSld>
+  <p:clrMapOvr>
+    <a:masterClrMapping/>
+  </p:clrMapOvr>
+</p:sld>
+</file>
+
+<file path=ppt/slides/slide15.xml><?xml version="1.0" encoding="utf-8"?>
+<p:sld xmlns:a="http://schemas.openxmlformats.org/drawingml/2006/main" xmlns:r="http://schemas.openxmlformats.org/officeDocument/2006/relationships" xmlns:p="http://schemas.openxmlformats.org/presentationml/2006/main">
+  <p:cSld>
+    <p:spTree>
+      <p:nvGrpSpPr>
+        <p:cNvPr id="1" name=""/>
+        <p:cNvGrpSpPr/>
+        <p:nvPr/>
+      </p:nvGrpSpPr>
+      <p:grpSpPr>
+        <a:xfrm>
+          <a:off x="0" y="0"/>
+          <a:ext cx="0" cy="0"/>
+          <a:chOff x="0" y="0"/>
+          <a:chExt cx="0" cy="0"/>
+        </a:xfrm>
+      </p:grpSpPr>
+      <p:sp>
+        <p:nvSpPr>
+          <p:cNvPr id="2" name="Title 1">
+            <a:extLst>
+              <a:ext uri="{FF2B5EF4-FFF2-40B4-BE49-F238E27FC236}">
+                <a16:creationId xmlns:a16="http://schemas.microsoft.com/office/drawing/2014/main" id="{7D3D4CB9-34D5-4B0A-BF26-C03926016B43}"/>
+              </a:ext>
+            </a:extLst>
+          </p:cNvPr>
+          <p:cNvSpPr>
+            <a:spLocks noGrp="1"/>
+          </p:cNvSpPr>
+          <p:nvPr>
+            <p:ph type="title"/>
+          </p:nvPr>
+        </p:nvSpPr>
+        <p:spPr/>
+        <p:txBody>
+          <a:bodyPr/>
+          <a:lstStyle/>
+          <a:p>
+            <a:r>
+              <a:rPr lang="en-US" dirty="0"/>
+              <a:t>Loose Coupling</a:t>
+            </a:r>
+          </a:p>
+        </p:txBody>
+      </p:sp>
+      <p:sp>
+        <p:nvSpPr>
+          <p:cNvPr id="4" name="Rectangle 3">
+            <a:extLst>
+              <a:ext uri="{FF2B5EF4-FFF2-40B4-BE49-F238E27FC236}">
+                <a16:creationId xmlns:a16="http://schemas.microsoft.com/office/drawing/2014/main" id="{4F329C86-97F9-4D0A-9BD8-C85EFD0531A7}"/>
+              </a:ext>
+            </a:extLst>
+          </p:cNvPr>
+          <p:cNvSpPr/>
+          <p:nvPr/>
+        </p:nvSpPr>
+        <p:spPr>
+          <a:xfrm>
+            <a:off x="2017643" y="2653748"/>
+            <a:ext cx="2782957" cy="2961861"/>
+          </a:xfrm>
+          <a:prstGeom prst="rect">
+            <a:avLst/>
+          </a:prstGeom>
+        </p:spPr>
+        <p:style>
+          <a:lnRef idx="2">
+            <a:schemeClr val="accent1">
+              <a:shade val="50000"/>
+            </a:schemeClr>
+          </a:lnRef>
+          <a:fillRef idx="1">
+            <a:schemeClr val="accent1"/>
+          </a:fillRef>
+          <a:effectRef idx="0">
+            <a:schemeClr val="accent1"/>
+          </a:effectRef>
+          <a:fontRef idx="minor">
+            <a:schemeClr val="lt1"/>
+          </a:fontRef>
+        </p:style>
+        <p:txBody>
+          <a:bodyPr rtlCol="0" anchor="ctr"/>
+          <a:lstStyle/>
+          <a:p>
+            <a:pPr algn="ctr"/>
+            <a:r>
+              <a:rPr lang="en-US" dirty="0"/>
+              <a:t>Menu</a:t>
+            </a:r>
+          </a:p>
+        </p:txBody>
+      </p:sp>
+      <p:sp>
+        <p:nvSpPr>
+          <p:cNvPr id="6" name="Rectangle 5">
+            <a:extLst>
+              <a:ext uri="{FF2B5EF4-FFF2-40B4-BE49-F238E27FC236}">
+                <a16:creationId xmlns:a16="http://schemas.microsoft.com/office/drawing/2014/main" id="{1A5EF192-A2B9-4B61-85EB-56460B58F9B7}"/>
+              </a:ext>
+            </a:extLst>
+          </p:cNvPr>
+          <p:cNvSpPr/>
+          <p:nvPr/>
+        </p:nvSpPr>
+        <p:spPr>
+          <a:xfrm>
+            <a:off x="10528852" y="3072201"/>
+            <a:ext cx="897837" cy="679173"/>
+          </a:xfrm>
+          <a:prstGeom prst="rect">
+            <a:avLst/>
+          </a:prstGeom>
+        </p:spPr>
+        <p:style>
+          <a:lnRef idx="2">
+            <a:schemeClr val="accent6">
+              <a:shade val="50000"/>
+            </a:schemeClr>
+          </a:lnRef>
+          <a:fillRef idx="1">
+            <a:schemeClr val="accent6"/>
+          </a:fillRef>
+          <a:effectRef idx="0">
+            <a:schemeClr val="accent6"/>
+          </a:effectRef>
+          <a:fontRef idx="minor">
+            <a:schemeClr val="lt1"/>
+          </a:fontRef>
+        </p:style>
+        <p:txBody>
+          <a:bodyPr rtlCol="0" anchor="ctr"/>
+          <a:lstStyle/>
+          <a:p>
+            <a:pPr algn="ctr"/>
+            <a:r>
+              <a:rPr lang="en-US" dirty="0"/>
+              <a:t>Food</a:t>
+            </a:r>
+          </a:p>
+        </p:txBody>
+      </p:sp>
+      <p:sp>
+        <p:nvSpPr>
+          <p:cNvPr id="7" name="TextBox 6">
+            <a:extLst>
+              <a:ext uri="{FF2B5EF4-FFF2-40B4-BE49-F238E27FC236}">
+                <a16:creationId xmlns:a16="http://schemas.microsoft.com/office/drawing/2014/main" id="{5BD07FA7-1C8D-46E8-9946-597E8806580C}"/>
+              </a:ext>
+            </a:extLst>
+          </p:cNvPr>
+          <p:cNvSpPr txBox="1"/>
+          <p:nvPr/>
+        </p:nvSpPr>
+        <p:spPr>
+          <a:xfrm>
+            <a:off x="6659217" y="1769165"/>
+            <a:ext cx="5059018" cy="923330"/>
+          </a:xfrm>
+          <a:prstGeom prst="rect">
+            <a:avLst/>
+          </a:prstGeom>
+          <a:noFill/>
+        </p:spPr>
+        <p:txBody>
+          <a:bodyPr wrap="square" rtlCol="0">
+            <a:spAutoFit/>
+          </a:bodyPr>
+          <a:lstStyle/>
+          <a:p>
+            <a:r>
+              <a:rPr lang="en-US" dirty="0"/>
+              <a:t>class Menu{</a:t>
+            </a:r>
+          </a:p>
+          <a:p>
+            <a:r>
+              <a:rPr lang="en-US" dirty="0"/>
+              <a:t>	Food </a:t>
+            </a:r>
+            <a:r>
+              <a:rPr lang="en-US" dirty="0" err="1"/>
+              <a:t>food</a:t>
+            </a:r>
+            <a:r>
+              <a:rPr lang="en-US" dirty="0"/>
+              <a:t>;</a:t>
+            </a:r>
+          </a:p>
+          <a:p>
+            <a:r>
+              <a:rPr lang="en-US" dirty="0"/>
+              <a:t>}</a:t>
+            </a:r>
+          </a:p>
+        </p:txBody>
+      </p:sp>
+      <p:sp>
+        <p:nvSpPr>
+          <p:cNvPr id="3" name="Oval 2">
+            <a:extLst>
+              <a:ext uri="{FF2B5EF4-FFF2-40B4-BE49-F238E27FC236}">
+                <a16:creationId xmlns:a16="http://schemas.microsoft.com/office/drawing/2014/main" id="{B444BBAA-10DD-4E02-A547-3EE5AA24047D}"/>
+              </a:ext>
+            </a:extLst>
+          </p:cNvPr>
+          <p:cNvSpPr/>
+          <p:nvPr/>
+        </p:nvSpPr>
+        <p:spPr>
+          <a:xfrm>
+            <a:off x="7891670" y="3131836"/>
+            <a:ext cx="2782957" cy="2067339"/>
+          </a:xfrm>
+          <a:prstGeom prst="ellipse">
+            <a:avLst/>
+          </a:prstGeom>
+        </p:spPr>
+        <p:style>
+          <a:lnRef idx="2">
+            <a:schemeClr val="accent2">
+              <a:shade val="50000"/>
+            </a:schemeClr>
+          </a:lnRef>
+          <a:fillRef idx="1">
+            <a:schemeClr val="accent2"/>
+          </a:fillRef>
+          <a:effectRef idx="0">
+            <a:schemeClr val="accent2"/>
+          </a:effectRef>
+          <a:fontRef idx="minor">
+            <a:schemeClr val="lt1"/>
+          </a:fontRef>
+        </p:style>
+        <p:txBody>
+          <a:bodyPr rtlCol="0" anchor="ctr"/>
+          <a:lstStyle/>
+          <a:p>
+            <a:pPr algn="ctr"/>
+            <a:r>
+              <a:rPr lang="en-US" dirty="0"/>
+              <a:t>Framework</a:t>
+            </a:r>
+          </a:p>
+        </p:txBody>
+      </p:sp>
+      <p:sp>
+        <p:nvSpPr>
+          <p:cNvPr id="5" name="Arrow: Right 4">
+            <a:extLst>
+              <a:ext uri="{FF2B5EF4-FFF2-40B4-BE49-F238E27FC236}">
+                <a16:creationId xmlns:a16="http://schemas.microsoft.com/office/drawing/2014/main" id="{3F792F12-CA94-476D-87C6-24E98C8BFD77}"/>
+              </a:ext>
+            </a:extLst>
+          </p:cNvPr>
+          <p:cNvSpPr/>
+          <p:nvPr/>
+        </p:nvSpPr>
+        <p:spPr>
+          <a:xfrm rot="12288329">
+            <a:off x="8711170" y="2581560"/>
+            <a:ext cx="1964462" cy="378825"/>
+          </a:xfrm>
+          <a:prstGeom prst="rightArrow">
+            <a:avLst/>
+          </a:prstGeom>
+        </p:spPr>
+        <p:style>
+          <a:lnRef idx="2">
+            <a:schemeClr val="accent1">
+              <a:shade val="50000"/>
+            </a:schemeClr>
+          </a:lnRef>
+          <a:fillRef idx="1">
+            <a:schemeClr val="accent1"/>
+          </a:fillRef>
+          <a:effectRef idx="0">
+            <a:schemeClr val="accent1"/>
+          </a:effectRef>
+          <a:fontRef idx="minor">
+            <a:schemeClr val="lt1"/>
+          </a:fontRef>
+        </p:style>
+        <p:txBody>
+          <a:bodyPr rtlCol="0" anchor="ctr"/>
+          <a:lstStyle/>
+          <a:p>
+            <a:pPr algn="ctr"/>
+            <a:endParaRPr lang="en-US"/>
+          </a:p>
+        </p:txBody>
+      </p:sp>
+    </p:spTree>
+    <p:extLst>
+      <p:ext uri="{BB962C8B-B14F-4D97-AF65-F5344CB8AC3E}">
+        <p14:creationId xmlns:p14="http://schemas.microsoft.com/office/powerpoint/2010/main" val="3568071688"/>
+      </p:ext>
+    </p:extLst>
+  </p:cSld>
+  <p:clrMapOvr>
+    <a:masterClrMapping/>
+  </p:clrMapOvr>
+</p:sld>
+</file>
+
+<file path=ppt/slides/slide16.xml><?xml version="1.0" encoding="utf-8"?>
+<p:sld xmlns:a="http://schemas.openxmlformats.org/drawingml/2006/main" xmlns:r="http://schemas.openxmlformats.org/officeDocument/2006/relationships" xmlns:p="http://schemas.openxmlformats.org/presentationml/2006/main">
+  <p:cSld>
+    <p:bg>
+      <p:bgPr>
+        <a:solidFill>
+          <a:schemeClr val="bg1"/>
+        </a:solidFill>
+        <a:effectLst/>
+      </p:bgPr>
+    </p:bg>
+    <p:spTree>
+      <p:nvGrpSpPr>
+        <p:cNvPr id="1" name=""/>
+        <p:cNvGrpSpPr/>
+        <p:nvPr/>
+      </p:nvGrpSpPr>
+      <p:grpSpPr>
+        <a:xfrm>
+          <a:off x="0" y="0"/>
+          <a:ext cx="0" cy="0"/>
+          <a:chOff x="0" y="0"/>
+          <a:chExt cx="0" cy="0"/>
+        </a:xfrm>
+      </p:grpSpPr>
+      <p:sp>
+        <p:nvSpPr>
+          <p:cNvPr id="10" name="Rectangle 9">
+            <a:extLst>
+              <a:ext uri="{FF2B5EF4-FFF2-40B4-BE49-F238E27FC236}">
+                <a16:creationId xmlns:a16="http://schemas.microsoft.com/office/drawing/2014/main" id="{3301E07F-4F79-4B58-8698-EF24DC1ECDBF}"/>
+              </a:ext>
+              <a:ext uri="{C183D7F6-B498-43B3-948B-1728B52AA6E4}">
+                <adec:decorative xmlns:adec="http://schemas.microsoft.com/office/drawing/2017/decorative" val="1"/>
+              </a:ext>
+            </a:extLst>
+          </p:cNvPr>
+          <p:cNvSpPr>
+            <a:spLocks noGrp="1" noRot="1" noChangeAspect="1" noMove="1" noResize="1" noEditPoints="1" noAdjustHandles="1" noChangeArrowheads="1" noChangeShapeType="1" noTextEdit="1"/>
+          </p:cNvSpPr>
+          <p:nvPr>
+            <p:extLst>
+              <p:ext uri="{386F3935-93C4-4BCD-93E2-E3B085C9AB24}">
+                <p16:designElem xmlns:p16="http://schemas.microsoft.com/office/powerpoint/2015/main" val="1"/>
+              </p:ext>
+            </p:extLst>
+          </p:nvPr>
+        </p:nvSpPr>
+        <p:spPr>
+          <a:xfrm>
+            <a:off x="0" y="0"/>
+            <a:ext cx="12192000" cy="6858000"/>
+          </a:xfrm>
+          <a:prstGeom prst="rect">
+            <a:avLst/>
+          </a:prstGeom>
+          <a:solidFill>
+            <a:schemeClr val="accent2"/>
+          </a:solidFill>
+          <a:ln>
+            <a:noFill/>
+          </a:ln>
+        </p:spPr>
+        <p:style>
+          <a:lnRef idx="2">
+            <a:schemeClr val="accent1">
+              <a:shade val="50000"/>
+            </a:schemeClr>
+          </a:lnRef>
+          <a:fillRef idx="1">
+            <a:schemeClr val="accent1"/>
+          </a:fillRef>
+          <a:effectRef idx="0">
+            <a:schemeClr val="accent1"/>
+          </a:effectRef>
+          <a:fontRef idx="minor">
+            <a:schemeClr val="lt1"/>
+          </a:fontRef>
+        </p:style>
+        <p:txBody>
+          <a:bodyPr rtlCol="0" anchor="ctr"/>
+          <a:lstStyle/>
+          <a:p>
+            <a:pPr algn="ctr"/>
+            <a:endParaRPr lang="en-US">
+              <a:solidFill>
+                <a:schemeClr val="tx1"/>
+              </a:solidFill>
+            </a:endParaRPr>
+          </a:p>
+        </p:txBody>
+      </p:sp>
+      <p:sp>
+        <p:nvSpPr>
+          <p:cNvPr id="12" name="Arc 11">
+            <a:extLst>
+              <a:ext uri="{FF2B5EF4-FFF2-40B4-BE49-F238E27FC236}">
+                <a16:creationId xmlns:a16="http://schemas.microsoft.com/office/drawing/2014/main" id="{E58B2195-5055-402F-A3E7-53FF0E4980C3}"/>
+              </a:ext>
+              <a:ext uri="{C183D7F6-B498-43B3-948B-1728B52AA6E4}">
+                <adec:decorative xmlns:adec="http://schemas.microsoft.com/office/drawing/2017/decorative" val="1"/>
+              </a:ext>
+            </a:extLst>
+          </p:cNvPr>
+          <p:cNvSpPr>
+            <a:spLocks noGrp="1" noRot="1" noChangeAspect="1" noMove="1" noResize="1" noEditPoints="1" noAdjustHandles="1" noChangeArrowheads="1" noChangeShapeType="1" noTextEdit="1"/>
+          </p:cNvSpPr>
+          <p:nvPr>
+            <p:extLst>
+              <p:ext uri="{386F3935-93C4-4BCD-93E2-E3B085C9AB24}">
+                <p16:designElem xmlns:p16="http://schemas.microsoft.com/office/powerpoint/2015/main" val="1"/>
+              </p:ext>
+            </p:extLst>
+          </p:nvPr>
+        </p:nvSpPr>
+        <p:spPr>
+          <a:xfrm>
+            <a:off x="8525836" y="775849"/>
+            <a:ext cx="2987899" cy="2987899"/>
+          </a:xfrm>
+          <a:prstGeom prst="arc">
+            <a:avLst>
+              <a:gd name="adj1" fmla="val 14441841"/>
+              <a:gd name="adj2" fmla="val 0"/>
+            </a:avLst>
+          </a:prstGeom>
+          <a:ln w="127000" cap="rnd">
+            <a:solidFill>
+              <a:schemeClr val="accent4"/>
+            </a:solidFill>
+            <a:prstDash val="dash"/>
+            <a:miter lim="800000"/>
+          </a:ln>
+        </p:spPr>
+        <p:style>
+          <a:lnRef idx="1">
+            <a:schemeClr val="accent1"/>
+          </a:lnRef>
+          <a:fillRef idx="0">
+            <a:schemeClr val="accent1"/>
+          </a:fillRef>
+          <a:effectRef idx="0">
+            <a:schemeClr val="accent1"/>
+          </a:effectRef>
+          <a:fontRef idx="minor">
+            <a:schemeClr val="tx1"/>
+          </a:fontRef>
+        </p:style>
+        <p:txBody>
+          <a:bodyPr rtlCol="0" anchor="ctr"/>
+          <a:lstStyle/>
+          <a:p>
+            <a:pPr marL="0" marR="0" lvl="0" indent="0" algn="ctr" defTabSz="914400" rtl="0" eaLnBrk="1" fontAlgn="auto" latinLnBrk="0" hangingPunct="1">
+              <a:lnSpc>
+                <a:spcPct val="100000"/>
+              </a:lnSpc>
+              <a:spcBef>
+                <a:spcPts val="0"/>
+              </a:spcBef>
+              <a:spcAft>
+                <a:spcPts val="0"/>
+              </a:spcAft>
+              <a:buClrTx/>
+              <a:buSzTx/>
+              <a:buFontTx/>
+              <a:buNone/>
+              <a:tabLst/>
+              <a:defRPr/>
+            </a:pPr>
+            <a:endParaRPr kumimoji="0" lang="en-US" sz="1800" b="0" i="0" u="none" strike="noStrike" kern="1200" cap="none" spc="0" normalizeH="0" baseline="0" noProof="0">
+              <a:ln>
+                <a:noFill/>
+              </a:ln>
+              <a:solidFill>
+                <a:srgbClr val="000000"/>
+              </a:solidFill>
+              <a:effectLst/>
+              <a:uLnTx/>
+              <a:uFillTx/>
+              <a:latin typeface="Calibri" panose="020F0502020204030204"/>
+              <a:ea typeface="+mn-ea"/>
+              <a:cs typeface="+mn-cs"/>
+            </a:endParaRPr>
+          </a:p>
+        </p:txBody>
+      </p:sp>
+      <p:sp>
+        <p:nvSpPr>
+          <p:cNvPr id="2" name="Title 1">
+            <a:extLst>
+              <a:ext uri="{FF2B5EF4-FFF2-40B4-BE49-F238E27FC236}">
+                <a16:creationId xmlns:a16="http://schemas.microsoft.com/office/drawing/2014/main" id="{B51C5E5F-339C-4B06-B5A4-D8C5ED326400}"/>
+              </a:ext>
+            </a:extLst>
+          </p:cNvPr>
+          <p:cNvSpPr>
+            <a:spLocks noGrp="1"/>
+          </p:cNvSpPr>
+          <p:nvPr>
+            <p:ph type="title"/>
+          </p:nvPr>
+        </p:nvSpPr>
+        <p:spPr>
+          <a:xfrm>
+            <a:off x="7080738" y="647593"/>
+            <a:ext cx="4467792" cy="3060541"/>
+          </a:xfrm>
+        </p:spPr>
+        <p:txBody>
+          <a:bodyPr vert="horz" lIns="91440" tIns="45720" rIns="91440" bIns="45720" rtlCol="0" anchor="b">
+            <a:normAutofit/>
+          </a:bodyPr>
+          <a:lstStyle/>
+          <a:p>
+            <a:pPr algn="ctr"/>
+            <a:r>
+              <a:rPr lang="en-US" sz="6000" kern="1200">
+                <a:solidFill>
+                  <a:srgbClr val="FFFFFF"/>
+                </a:solidFill>
+                <a:latin typeface="+mj-lt"/>
+                <a:ea typeface="+mj-ea"/>
+                <a:cs typeface="+mj-cs"/>
+              </a:rPr>
+              <a:t>Donut Shop</a:t>
+            </a:r>
+          </a:p>
+        </p:txBody>
+      </p:sp>
+      <p:sp>
+        <p:nvSpPr>
+          <p:cNvPr id="14" name="Oval 13">
+            <a:extLst>
+              <a:ext uri="{FF2B5EF4-FFF2-40B4-BE49-F238E27FC236}">
+                <a16:creationId xmlns:a16="http://schemas.microsoft.com/office/drawing/2014/main" id="{9EE6F773-742A-491A-9A00-A2A150DF500A}"/>
+              </a:ext>
+              <a:ext uri="{C183D7F6-B498-43B3-948B-1728B52AA6E4}">
+                <adec:decorative xmlns:adec="http://schemas.microsoft.com/office/drawing/2017/decorative" val="1"/>
+              </a:ext>
+            </a:extLst>
+          </p:cNvPr>
+          <p:cNvSpPr>
+            <a:spLocks noGrp="1" noRot="1" noChangeAspect="1" noMove="1" noResize="1" noEditPoints="1" noAdjustHandles="1" noChangeArrowheads="1" noChangeShapeType="1" noTextEdit="1"/>
+          </p:cNvSpPr>
+          <p:nvPr>
+            <p:extLst>
+              <p:ext uri="{386F3935-93C4-4BCD-93E2-E3B085C9AB24}">
+                <p16:designElem xmlns:p16="http://schemas.microsoft.com/office/powerpoint/2015/main" val="1"/>
+              </p:ext>
+            </p:extLst>
+          </p:nvPr>
+        </p:nvSpPr>
+        <p:spPr>
+          <a:xfrm>
+            <a:off x="384368" y="366810"/>
+            <a:ext cx="6124381" cy="6124381"/>
+          </a:xfrm>
+          <a:prstGeom prst="ellipse">
+            <a:avLst/>
+          </a:prstGeom>
+          <a:solidFill>
+            <a:schemeClr val="bg1"/>
+          </a:solidFill>
+          <a:ln>
+            <a:noFill/>
+          </a:ln>
+        </p:spPr>
+        <p:style>
+          <a:lnRef idx="2">
+            <a:schemeClr val="accent1">
+              <a:shade val="50000"/>
+            </a:schemeClr>
+          </a:lnRef>
+          <a:fillRef idx="1">
+            <a:schemeClr val="accent1"/>
+          </a:fillRef>
+          <a:effectRef idx="0">
+            <a:schemeClr val="accent1"/>
+          </a:effectRef>
+          <a:fontRef idx="minor">
+            <a:schemeClr val="lt1"/>
+          </a:fontRef>
+        </p:style>
+        <p:txBody>
+          <a:bodyPr rtlCol="0" anchor="ctr"/>
+          <a:lstStyle/>
+          <a:p>
+            <a:pPr algn="ctr"/>
+            <a:endParaRPr lang="en-US"/>
+          </a:p>
+        </p:txBody>
+      </p:sp>
+      <p:pic>
+        <p:nvPicPr>
+          <p:cNvPr id="5" name="Graphic 4" descr="Donut">
+            <a:extLst>
+              <a:ext uri="{FF2B5EF4-FFF2-40B4-BE49-F238E27FC236}">
+                <a16:creationId xmlns:a16="http://schemas.microsoft.com/office/drawing/2014/main" id="{E2FA0EB9-9186-41B2-9F5C-B678BCB27CD5}"/>
+              </a:ext>
+            </a:extLst>
+          </p:cNvPr>
+          <p:cNvPicPr>
+            <a:picLocks noChangeAspect="1"/>
+          </p:cNvPicPr>
+          <p:nvPr/>
+        </p:nvPicPr>
+        <p:blipFill>
+          <a:blip r:embed="rId2">
+            <a:extLst>
+              <a:ext uri="{28A0092B-C50C-407E-A947-70E740481C1C}">
+                <a14:useLocalDpi xmlns:a14="http://schemas.microsoft.com/office/drawing/2010/main" val="0"/>
+              </a:ext>
+              <a:ext uri="{96DAC541-7B7A-43D3-8B79-37D633B846F1}">
+                <asvg:svgBlip xmlns:asvg="http://schemas.microsoft.com/office/drawing/2016/SVG/main" r:embed="rId3"/>
+              </a:ext>
+            </a:extLst>
+          </a:blip>
+          <a:stretch>
+            <a:fillRect/>
+          </a:stretch>
+        </p:blipFill>
+        <p:spPr>
+          <a:xfrm>
+            <a:off x="1378572" y="1374798"/>
+            <a:ext cx="4108404" cy="4108404"/>
+          </a:xfrm>
+          <a:custGeom>
+            <a:avLst/>
+            <a:gdLst/>
+            <a:ahLst/>
+            <a:cxnLst/>
+            <a:rect l="l" t="t" r="r" b="b"/>
+            <a:pathLst>
+              <a:path w="4273177" h="4470400">
+                <a:moveTo>
+                  <a:pt x="75080" y="0"/>
+                </a:moveTo>
+                <a:lnTo>
+                  <a:pt x="4198097" y="0"/>
+                </a:lnTo>
+                <a:cubicBezTo>
+                  <a:pt x="4239563" y="0"/>
+                  <a:pt x="4273177" y="33614"/>
+                  <a:pt x="4273177" y="75080"/>
+                </a:cubicBezTo>
+                <a:lnTo>
+                  <a:pt x="4273177" y="4395320"/>
+                </a:lnTo>
+                <a:cubicBezTo>
+                  <a:pt x="4273177" y="4436786"/>
+                  <a:pt x="4239563" y="4470400"/>
+                  <a:pt x="4198097" y="4470400"/>
+                </a:cubicBezTo>
+                <a:lnTo>
+                  <a:pt x="75080" y="4470400"/>
+                </a:lnTo>
+                <a:cubicBezTo>
+                  <a:pt x="33614" y="4470400"/>
+                  <a:pt x="0" y="4436786"/>
+                  <a:pt x="0" y="4395320"/>
+                </a:cubicBezTo>
+                <a:lnTo>
+                  <a:pt x="0" y="75080"/>
+                </a:lnTo>
+                <a:cubicBezTo>
+                  <a:pt x="0" y="33614"/>
+                  <a:pt x="33614" y="0"/>
+                  <a:pt x="75080" y="0"/>
+                </a:cubicBezTo>
+                <a:close/>
+              </a:path>
+            </a:pathLst>
+          </a:custGeom>
+        </p:spPr>
+      </p:pic>
+    </p:spTree>
+    <p:extLst>
+      <p:ext uri="{BB962C8B-B14F-4D97-AF65-F5344CB8AC3E}">
+        <p14:creationId xmlns:p14="http://schemas.microsoft.com/office/powerpoint/2010/main" val="3006384980"/>
+      </p:ext>
+    </p:extLst>
+  </p:cSld>
+  <p:clrMapOvr>
+    <a:masterClrMapping/>
+  </p:clrMapOvr>
+</p:sld>
+</file>
+
+<file path=ppt/slides/slide17.xml><?xml version="1.0" encoding="utf-8"?>
+<p:sld xmlns:a="http://schemas.openxmlformats.org/drawingml/2006/main" xmlns:r="http://schemas.openxmlformats.org/officeDocument/2006/relationships" xmlns:p="http://schemas.openxmlformats.org/presentationml/2006/main">
+  <p:cSld>
+    <p:spTree>
+      <p:nvGrpSpPr>
+        <p:cNvPr id="1" name=""/>
+        <p:cNvGrpSpPr/>
+        <p:nvPr/>
+      </p:nvGrpSpPr>
+      <p:grpSpPr>
+        <a:xfrm>
+          <a:off x="0" y="0"/>
+          <a:ext cx="0" cy="0"/>
+          <a:chOff x="0" y="0"/>
+          <a:chExt cx="0" cy="0"/>
+        </a:xfrm>
+      </p:grpSpPr>
+      <p:pic>
+        <p:nvPicPr>
+          <p:cNvPr id="5" name="Graphic 4" descr="Donut">
+            <a:extLst>
+              <a:ext uri="{FF2B5EF4-FFF2-40B4-BE49-F238E27FC236}">
+                <a16:creationId xmlns:a16="http://schemas.microsoft.com/office/drawing/2014/main" id="{E83DE883-97F3-4A4B-BBE0-081B01EE9EA0}"/>
+              </a:ext>
+            </a:extLst>
+          </p:cNvPr>
+          <p:cNvPicPr>
+            <a:picLocks noChangeAspect="1"/>
+          </p:cNvPicPr>
+          <p:nvPr/>
+        </p:nvPicPr>
+        <p:blipFill>
+          <a:blip r:embed="rId2">
+            <a:extLst>
+              <a:ext uri="{28A0092B-C50C-407E-A947-70E740481C1C}">
+                <a14:useLocalDpi xmlns:a14="http://schemas.microsoft.com/office/drawing/2010/main" val="0"/>
+              </a:ext>
+              <a:ext uri="{96DAC541-7B7A-43D3-8B79-37D633B846F1}">
+                <asvg:svgBlip xmlns:asvg="http://schemas.microsoft.com/office/drawing/2016/SVG/main" r:embed="rId3"/>
+              </a:ext>
+            </a:extLst>
+          </a:blip>
+          <a:stretch>
+            <a:fillRect/>
+          </a:stretch>
+        </p:blipFill>
+        <p:spPr>
+          <a:xfrm>
+            <a:off x="1378572" y="1374798"/>
+            <a:ext cx="4108404" cy="4108404"/>
+          </a:xfrm>
+          <a:custGeom>
+            <a:avLst/>
+            <a:gdLst/>
+            <a:ahLst/>
+            <a:cxnLst/>
+            <a:rect l="l" t="t" r="r" b="b"/>
+            <a:pathLst>
+              <a:path w="4273177" h="4470400">
+                <a:moveTo>
+                  <a:pt x="75080" y="0"/>
+                </a:moveTo>
+                <a:lnTo>
+                  <a:pt x="4198097" y="0"/>
+                </a:lnTo>
+                <a:cubicBezTo>
+                  <a:pt x="4239563" y="0"/>
+                  <a:pt x="4273177" y="33614"/>
+                  <a:pt x="4273177" y="75080"/>
+                </a:cubicBezTo>
+                <a:lnTo>
+                  <a:pt x="4273177" y="4395320"/>
+                </a:lnTo>
+                <a:cubicBezTo>
+                  <a:pt x="4273177" y="4436786"/>
+                  <a:pt x="4239563" y="4470400"/>
+                  <a:pt x="4198097" y="4470400"/>
+                </a:cubicBezTo>
+                <a:lnTo>
+                  <a:pt x="75080" y="4470400"/>
+                </a:lnTo>
+                <a:cubicBezTo>
+                  <a:pt x="33614" y="4470400"/>
+                  <a:pt x="0" y="4436786"/>
+                  <a:pt x="0" y="4395320"/>
+                </a:cubicBezTo>
+                <a:lnTo>
+                  <a:pt x="0" y="75080"/>
+                </a:lnTo>
+                <a:cubicBezTo>
+                  <a:pt x="0" y="33614"/>
+                  <a:pt x="33614" y="0"/>
+                  <a:pt x="75080" y="0"/>
+                </a:cubicBezTo>
+                <a:close/>
+              </a:path>
+            </a:pathLst>
+          </a:custGeom>
+        </p:spPr>
+      </p:pic>
+      <p:pic>
+        <p:nvPicPr>
+          <p:cNvPr id="7" name="Graphic 6" descr="Needle">
+            <a:extLst>
+              <a:ext uri="{FF2B5EF4-FFF2-40B4-BE49-F238E27FC236}">
+                <a16:creationId xmlns:a16="http://schemas.microsoft.com/office/drawing/2014/main" id="{885BC2E0-8DC8-416C-8137-D1896C651D9D}"/>
+              </a:ext>
+            </a:extLst>
+          </p:cNvPr>
+          <p:cNvPicPr>
+            <a:picLocks noChangeAspect="1"/>
+          </p:cNvPicPr>
+          <p:nvPr/>
+        </p:nvPicPr>
+        <p:blipFill>
+          <a:blip r:embed="rId4">
+            <a:extLst>
+              <a:ext uri="{28A0092B-C50C-407E-A947-70E740481C1C}">
+                <a14:useLocalDpi xmlns:a14="http://schemas.microsoft.com/office/drawing/2010/main" val="0"/>
+              </a:ext>
+              <a:ext uri="{96DAC541-7B7A-43D3-8B79-37D633B846F1}">
+                <asvg:svgBlip xmlns:asvg="http://schemas.microsoft.com/office/drawing/2016/SVG/main" r:embed="rId5"/>
+              </a:ext>
+            </a:extLst>
+          </a:blip>
+          <a:stretch>
+            <a:fillRect/>
+          </a:stretch>
+        </p:blipFill>
+        <p:spPr>
+          <a:xfrm>
+            <a:off x="5847521" y="1732606"/>
+            <a:ext cx="2779643" cy="2779643"/>
+          </a:xfrm>
+          <a:prstGeom prst="rect">
+            <a:avLst/>
+          </a:prstGeom>
+        </p:spPr>
+      </p:pic>
+      <p:sp>
+        <p:nvSpPr>
+          <p:cNvPr id="8" name="Oval 7">
+            <a:extLst>
+              <a:ext uri="{FF2B5EF4-FFF2-40B4-BE49-F238E27FC236}">
+                <a16:creationId xmlns:a16="http://schemas.microsoft.com/office/drawing/2014/main" id="{4BA4F582-B640-4C06-855F-CEF3BB923541}"/>
+              </a:ext>
+            </a:extLst>
+          </p:cNvPr>
+          <p:cNvSpPr/>
+          <p:nvPr/>
+        </p:nvSpPr>
+        <p:spPr>
+          <a:xfrm>
+            <a:off x="9700591" y="1898374"/>
+            <a:ext cx="2415209" cy="2613991"/>
+          </a:xfrm>
+          <a:prstGeom prst="ellipse">
+            <a:avLst/>
+          </a:prstGeom>
+        </p:spPr>
+        <p:style>
+          <a:lnRef idx="2">
+            <a:schemeClr val="accent1">
+              <a:shade val="50000"/>
+            </a:schemeClr>
+          </a:lnRef>
+          <a:fillRef idx="1">
+            <a:schemeClr val="accent1"/>
+          </a:fillRef>
+          <a:effectRef idx="0">
+            <a:schemeClr val="accent1"/>
+          </a:effectRef>
+          <a:fontRef idx="minor">
+            <a:schemeClr val="lt1"/>
+          </a:fontRef>
+        </p:style>
+        <p:txBody>
+          <a:bodyPr rtlCol="0" anchor="ctr"/>
+          <a:lstStyle/>
+          <a:p>
+            <a:pPr algn="ctr"/>
+            <a:r>
+              <a:rPr lang="en-US" dirty="0"/>
+              <a:t>Pastry bag</a:t>
+            </a:r>
+          </a:p>
+        </p:txBody>
+      </p:sp>
+      <p:sp>
+        <p:nvSpPr>
+          <p:cNvPr id="9" name="Arrow: Curved Left 8">
+            <a:extLst>
+              <a:ext uri="{FF2B5EF4-FFF2-40B4-BE49-F238E27FC236}">
+                <a16:creationId xmlns:a16="http://schemas.microsoft.com/office/drawing/2014/main" id="{AF5775CE-814F-4D2D-8A68-935746E7B8CC}"/>
+              </a:ext>
+            </a:extLst>
+          </p:cNvPr>
+          <p:cNvSpPr/>
+          <p:nvPr/>
+        </p:nvSpPr>
+        <p:spPr>
+          <a:xfrm rot="5400000">
+            <a:off x="7415673" y="3689189"/>
+            <a:ext cx="2166731" cy="3588026"/>
+          </a:xfrm>
+          <a:prstGeom prst="curvedLeftArrow">
+            <a:avLst/>
+          </a:prstGeom>
+        </p:spPr>
+        <p:style>
+          <a:lnRef idx="2">
+            <a:schemeClr val="accent1">
+              <a:shade val="50000"/>
+            </a:schemeClr>
+          </a:lnRef>
+          <a:fillRef idx="1">
+            <a:schemeClr val="accent1"/>
+          </a:fillRef>
+          <a:effectRef idx="0">
+            <a:schemeClr val="accent1"/>
+          </a:effectRef>
+          <a:fontRef idx="minor">
+            <a:schemeClr val="lt1"/>
+          </a:fontRef>
+        </p:style>
+        <p:txBody>
+          <a:bodyPr rtlCol="0" anchor="ctr"/>
+          <a:lstStyle/>
+          <a:p>
+            <a:pPr algn="ctr"/>
+            <a:endParaRPr lang="en-US">
+              <a:solidFill>
+                <a:schemeClr val="tx1"/>
+              </a:solidFill>
+            </a:endParaRPr>
+          </a:p>
+        </p:txBody>
+      </p:sp>
+      <p:sp>
+        <p:nvSpPr>
+          <p:cNvPr id="11" name="Arrow: Curved Left 10">
+            <a:extLst>
+              <a:ext uri="{FF2B5EF4-FFF2-40B4-BE49-F238E27FC236}">
+                <a16:creationId xmlns:a16="http://schemas.microsoft.com/office/drawing/2014/main" id="{EFE40077-B12A-4E51-8FFD-0AD5BD47A703}"/>
+              </a:ext>
+            </a:extLst>
+          </p:cNvPr>
+          <p:cNvSpPr/>
+          <p:nvPr/>
+        </p:nvSpPr>
+        <p:spPr>
+          <a:xfrm rot="5400000">
+            <a:off x="3520971" y="3858038"/>
+            <a:ext cx="2166731" cy="3588026"/>
+          </a:xfrm>
+          <a:prstGeom prst="curvedLeftArrow">
+            <a:avLst/>
+          </a:prstGeom>
+        </p:spPr>
+        <p:style>
+          <a:lnRef idx="2">
+            <a:schemeClr val="accent1">
+              <a:shade val="50000"/>
+            </a:schemeClr>
+          </a:lnRef>
+          <a:fillRef idx="1">
+            <a:schemeClr val="accent1"/>
+          </a:fillRef>
+          <a:effectRef idx="0">
+            <a:schemeClr val="accent1"/>
+          </a:effectRef>
+          <a:fontRef idx="minor">
+            <a:schemeClr val="lt1"/>
+          </a:fontRef>
+        </p:style>
+        <p:txBody>
+          <a:bodyPr rtlCol="0" anchor="ctr"/>
+          <a:lstStyle/>
+          <a:p>
+            <a:pPr algn="ctr"/>
+            <a:endParaRPr lang="en-US">
+              <a:solidFill>
+                <a:schemeClr val="tx1"/>
+              </a:solidFill>
+            </a:endParaRPr>
+          </a:p>
+        </p:txBody>
+      </p:sp>
+      <p:sp>
+        <p:nvSpPr>
+          <p:cNvPr id="12" name="TextBox 11">
+            <a:extLst>
+              <a:ext uri="{FF2B5EF4-FFF2-40B4-BE49-F238E27FC236}">
+                <a16:creationId xmlns:a16="http://schemas.microsoft.com/office/drawing/2014/main" id="{CF536E07-AB0F-457A-89DB-0E86CC49ABBE}"/>
+              </a:ext>
+            </a:extLst>
+          </p:cNvPr>
+          <p:cNvSpPr txBox="1"/>
+          <p:nvPr/>
+        </p:nvSpPr>
+        <p:spPr>
+          <a:xfrm>
+            <a:off x="2256183" y="626165"/>
+            <a:ext cx="2623930" cy="369332"/>
+          </a:xfrm>
+          <a:prstGeom prst="rect">
+            <a:avLst/>
+          </a:prstGeom>
+          <a:noFill/>
+        </p:spPr>
+        <p:txBody>
+          <a:bodyPr wrap="square" rtlCol="0">
+            <a:spAutoFit/>
+          </a:bodyPr>
+          <a:lstStyle/>
+          <a:p>
+            <a:r>
+              <a:rPr lang="en-US" dirty="0" err="1"/>
+              <a:t>Product.component.ts</a:t>
+            </a:r>
+            <a:endParaRPr lang="en-US" dirty="0"/>
+          </a:p>
+        </p:txBody>
+      </p:sp>
+      <p:sp>
+        <p:nvSpPr>
+          <p:cNvPr id="14" name="TextBox 13">
+            <a:extLst>
+              <a:ext uri="{FF2B5EF4-FFF2-40B4-BE49-F238E27FC236}">
+                <a16:creationId xmlns:a16="http://schemas.microsoft.com/office/drawing/2014/main" id="{C5BD2849-2085-4A66-98F1-6840967019ED}"/>
+              </a:ext>
+            </a:extLst>
+          </p:cNvPr>
+          <p:cNvSpPr txBox="1"/>
+          <p:nvPr/>
+        </p:nvSpPr>
+        <p:spPr>
+          <a:xfrm>
+            <a:off x="5569227" y="995497"/>
+            <a:ext cx="2623930" cy="369332"/>
+          </a:xfrm>
+          <a:prstGeom prst="rect">
+            <a:avLst/>
+          </a:prstGeom>
+          <a:noFill/>
+        </p:spPr>
+        <p:txBody>
+          <a:bodyPr wrap="square" rtlCol="0">
+            <a:spAutoFit/>
+          </a:bodyPr>
+          <a:lstStyle/>
+          <a:p>
+            <a:r>
+              <a:rPr lang="en-US" dirty="0" err="1"/>
+              <a:t>Product.service.ts</a:t>
+            </a:r>
+            <a:endParaRPr lang="en-US" dirty="0"/>
+          </a:p>
+        </p:txBody>
+      </p:sp>
+      <p:sp>
+        <p:nvSpPr>
+          <p:cNvPr id="16" name="TextBox 15">
+            <a:extLst>
+              <a:ext uri="{FF2B5EF4-FFF2-40B4-BE49-F238E27FC236}">
+                <a16:creationId xmlns:a16="http://schemas.microsoft.com/office/drawing/2014/main" id="{4F3F6C91-25EB-4F90-A5F8-826D8608A657}"/>
+              </a:ext>
+            </a:extLst>
+          </p:cNvPr>
+          <p:cNvSpPr txBox="1"/>
+          <p:nvPr/>
+        </p:nvSpPr>
+        <p:spPr>
+          <a:xfrm>
+            <a:off x="9180445" y="1014410"/>
+            <a:ext cx="2623930" cy="369332"/>
+          </a:xfrm>
+          <a:prstGeom prst="rect">
+            <a:avLst/>
+          </a:prstGeom>
+          <a:noFill/>
+        </p:spPr>
+        <p:txBody>
+          <a:bodyPr wrap="square" rtlCol="0">
+            <a:spAutoFit/>
+          </a:bodyPr>
+          <a:lstStyle/>
+          <a:p>
+            <a:r>
+              <a:rPr lang="en-US" dirty="0" err="1"/>
+              <a:t>HttpClient</a:t>
+            </a:r>
+            <a:endParaRPr lang="en-US" dirty="0"/>
+          </a:p>
+        </p:txBody>
+      </p:sp>
+    </p:spTree>
+    <p:extLst>
+      <p:ext uri="{BB962C8B-B14F-4D97-AF65-F5344CB8AC3E}">
+        <p14:creationId xmlns:p14="http://schemas.microsoft.com/office/powerpoint/2010/main" val="3270096342"/>
+      </p:ext>
+    </p:extLst>
+  </p:cSld>
+  <p:clrMapOvr>
+    <a:masterClrMapping/>
+  </p:clrMapOvr>
+</p:sld>
+</file>
+
+<file path=ppt/slides/slide18.xml><?xml version="1.0" encoding="utf-8"?>
+<p:sld xmlns:a="http://schemas.openxmlformats.org/drawingml/2006/main" xmlns:r="http://schemas.openxmlformats.org/officeDocument/2006/relationships" xmlns:p="http://schemas.openxmlformats.org/presentationml/2006/main">
+  <p:cSld>
+    <p:spTree>
+      <p:nvGrpSpPr>
+        <p:cNvPr id="1" name=""/>
+        <p:cNvGrpSpPr/>
+        <p:nvPr/>
+      </p:nvGrpSpPr>
+      <p:grpSpPr>
+        <a:xfrm>
+          <a:off x="0" y="0"/>
+          <a:ext cx="0" cy="0"/>
+          <a:chOff x="0" y="0"/>
+          <a:chExt cx="0" cy="0"/>
+        </a:xfrm>
+      </p:grpSpPr>
+      <p:sp>
+        <p:nvSpPr>
+          <p:cNvPr id="2" name="Title 1">
+            <a:extLst>
+              <a:ext uri="{FF2B5EF4-FFF2-40B4-BE49-F238E27FC236}">
+                <a16:creationId xmlns:a16="http://schemas.microsoft.com/office/drawing/2014/main" id="{90796ACD-8D29-4FF2-9256-29AE70E327E4}"/>
+              </a:ext>
+            </a:extLst>
+          </p:cNvPr>
+          <p:cNvSpPr>
+            <a:spLocks noGrp="1"/>
+          </p:cNvSpPr>
+          <p:nvPr>
+            <p:ph type="title"/>
+          </p:nvPr>
+        </p:nvSpPr>
+        <p:spPr/>
+        <p:txBody>
+          <a:bodyPr/>
+          <a:lstStyle/>
+          <a:p>
+            <a:r>
+              <a:rPr lang="en-US" dirty="0"/>
+              <a:t>Wrapping… in general</a:t>
+            </a:r>
+          </a:p>
+        </p:txBody>
+      </p:sp>
+      <p:sp>
+        <p:nvSpPr>
+          <p:cNvPr id="6" name="Rectangle 5">
+            <a:extLst>
+              <a:ext uri="{FF2B5EF4-FFF2-40B4-BE49-F238E27FC236}">
+                <a16:creationId xmlns:a16="http://schemas.microsoft.com/office/drawing/2014/main" id="{5F94F201-0FE4-411B-80BB-A09964060456}"/>
+              </a:ext>
+            </a:extLst>
+          </p:cNvPr>
+          <p:cNvSpPr/>
+          <p:nvPr/>
+        </p:nvSpPr>
+        <p:spPr>
+          <a:xfrm>
+            <a:off x="3419060" y="2098812"/>
+            <a:ext cx="4364935" cy="2660375"/>
+          </a:xfrm>
+          <a:prstGeom prst="rect">
+            <a:avLst/>
+          </a:prstGeom>
+        </p:spPr>
+        <p:style>
+          <a:lnRef idx="2">
+            <a:schemeClr val="accent5">
+              <a:shade val="50000"/>
+            </a:schemeClr>
+          </a:lnRef>
+          <a:fillRef idx="1">
+            <a:schemeClr val="accent5"/>
+          </a:fillRef>
+          <a:effectRef idx="0">
+            <a:schemeClr val="accent5"/>
+          </a:effectRef>
+          <a:fontRef idx="minor">
+            <a:schemeClr val="lt1"/>
+          </a:fontRef>
+        </p:style>
+        <p:txBody>
+          <a:bodyPr rtlCol="0" anchor="ctr"/>
+          <a:lstStyle/>
+          <a:p>
+            <a:pPr algn="ctr"/>
+            <a:endParaRPr lang="en-US" dirty="0"/>
+          </a:p>
+        </p:txBody>
+      </p:sp>
+      <p:sp>
+        <p:nvSpPr>
+          <p:cNvPr id="4" name="Rectangle 3">
+            <a:extLst>
+              <a:ext uri="{FF2B5EF4-FFF2-40B4-BE49-F238E27FC236}">
+                <a16:creationId xmlns:a16="http://schemas.microsoft.com/office/drawing/2014/main" id="{3135B097-5F0F-475B-A44F-FD818D994BC6}"/>
+              </a:ext>
+            </a:extLst>
+          </p:cNvPr>
+          <p:cNvSpPr/>
+          <p:nvPr/>
+        </p:nvSpPr>
+        <p:spPr>
+          <a:xfrm>
+            <a:off x="4326835" y="2728290"/>
+            <a:ext cx="2375452" cy="1401417"/>
+          </a:xfrm>
+          <a:prstGeom prst="rect">
+            <a:avLst/>
+          </a:prstGeom>
+        </p:spPr>
+        <p:style>
+          <a:lnRef idx="2">
+            <a:schemeClr val="accent2">
+              <a:shade val="50000"/>
+            </a:schemeClr>
+          </a:lnRef>
+          <a:fillRef idx="1">
+            <a:schemeClr val="accent2"/>
+          </a:fillRef>
+          <a:effectRef idx="0">
+            <a:schemeClr val="accent2"/>
+          </a:effectRef>
+          <a:fontRef idx="minor">
+            <a:schemeClr val="lt1"/>
+          </a:fontRef>
+        </p:style>
+        <p:txBody>
+          <a:bodyPr rtlCol="0" anchor="ctr"/>
+          <a:lstStyle/>
+          <a:p>
+            <a:pPr algn="ctr"/>
+            <a:endParaRPr lang="en-US"/>
+          </a:p>
+        </p:txBody>
+      </p:sp>
+    </p:spTree>
+    <p:extLst>
+      <p:ext uri="{BB962C8B-B14F-4D97-AF65-F5344CB8AC3E}">
+        <p14:creationId xmlns:p14="http://schemas.microsoft.com/office/powerpoint/2010/main" val="3962627506"/>
+      </p:ext>
+    </p:extLst>
+  </p:cSld>
+  <p:clrMapOvr>
+    <a:masterClrMapping/>
+  </p:clrMapOvr>
+</p:sld>
+</file>
+
+<file path=ppt/slides/slide19.xml><?xml version="1.0" encoding="utf-8"?>
+<p:sld xmlns:a="http://schemas.openxmlformats.org/drawingml/2006/main" xmlns:r="http://schemas.openxmlformats.org/officeDocument/2006/relationships" xmlns:p="http://schemas.openxmlformats.org/presentationml/2006/main">
+  <p:cSld>
+    <p:spTree>
+      <p:nvGrpSpPr>
+        <p:cNvPr id="1" name=""/>
+        <p:cNvGrpSpPr/>
+        <p:nvPr/>
+      </p:nvGrpSpPr>
+      <p:grpSpPr>
+        <a:xfrm>
+          <a:off x="0" y="0"/>
+          <a:ext cx="0" cy="0"/>
+          <a:chOff x="0" y="0"/>
+          <a:chExt cx="0" cy="0"/>
+        </a:xfrm>
+      </p:grpSpPr>
+      <p:sp>
+        <p:nvSpPr>
+          <p:cNvPr id="2" name="Title 1">
+            <a:extLst>
+              <a:ext uri="{FF2B5EF4-FFF2-40B4-BE49-F238E27FC236}">
+                <a16:creationId xmlns:a16="http://schemas.microsoft.com/office/drawing/2014/main" id="{4118B8E5-8CB3-45C6-B42F-B40225B5FFEE}"/>
+              </a:ext>
+            </a:extLst>
+          </p:cNvPr>
+          <p:cNvSpPr>
+            <a:spLocks noGrp="1"/>
+          </p:cNvSpPr>
+          <p:nvPr>
+            <p:ph type="title"/>
+          </p:nvPr>
+        </p:nvSpPr>
+        <p:spPr/>
+        <p:txBody>
+          <a:bodyPr/>
+          <a:lstStyle/>
+          <a:p>
+            <a:r>
+              <a:rPr lang="en-US" dirty="0"/>
+              <a:t>What we like</a:t>
             </a:r>
           </a:p>
         </p:txBody>
@@ -3974,44 +5725,44 @@
           <a:p>
             <a:r>
               <a:rPr lang="en-US" dirty="0"/>
-              <a:t>Takes control away from dev</a:t>
-            </a:r>
-          </a:p>
-          <a:p>
-            <a:pPr lvl="1"/>
+              <a:t>Directives -&gt; simple, to the point, faster, less to write</a:t>
+            </a:r>
+          </a:p>
+          <a:p>
             <a:r>
               <a:rPr lang="en-US" dirty="0"/>
-              <a:t>Loose the ability to do things in the “old way”</a:t>
+              <a:t>Automatically sets up boiler plate (code generation)</a:t>
             </a:r>
           </a:p>
           <a:p>
             <a:r>
               <a:rPr lang="en-US" dirty="0"/>
-              <a:t>Learning Curve</a:t>
-            </a:r>
-          </a:p>
-          <a:p>
-            <a:pPr lvl="1"/>
+              <a:t>Live updates with dev server</a:t>
+            </a:r>
+          </a:p>
+          <a:p>
             <a:r>
               <a:rPr lang="en-US" dirty="0"/>
-              <a:t>Not as intuitive</a:t>
-            </a:r>
+              <a:t>Compartmentalizes </a:t>
+            </a:r>
+            <a:r>
+              <a:rPr lang="en-US" dirty="0" err="1"/>
+              <a:t>css</a:t>
+            </a:r>
+            <a:endParaRPr lang="en-US" dirty="0"/>
           </a:p>
           <a:p>
             <a:r>
               <a:rPr lang="en-US" dirty="0"/>
-              <a:t>Server not always working 100% of the time</a:t>
-            </a:r>
-          </a:p>
-          <a:p>
-            <a:endParaRPr lang="en-US" dirty="0"/>
+              <a:t>Separation of concerns</a:t>
+            </a:r>
           </a:p>
         </p:txBody>
       </p:sp>
     </p:spTree>
     <p:extLst>
       <p:ext uri="{BB962C8B-B14F-4D97-AF65-F5344CB8AC3E}">
-        <p14:creationId xmlns:p14="http://schemas.microsoft.com/office/powerpoint/2010/main" val="1212276335"/>
+        <p14:creationId xmlns:p14="http://schemas.microsoft.com/office/powerpoint/2010/main" val="2380738990"/>
       </p:ext>
     </p:extLst>
   </p:cSld>
@@ -4203,7 +5954,7 @@
           <a:lstStyle/>
           <a:p>
             <a:pPr algn="ctr"/>
-            <a:endParaRPr lang="en-US"/>
+            <a:endParaRPr lang="en-US" dirty="0"/>
           </a:p>
         </p:txBody>
       </p:sp>
@@ -4267,7 +6018,7 @@
         </p:nvSpPr>
         <p:spPr>
           <a:xfrm>
-            <a:off x="1586947" y="4002157"/>
+            <a:off x="1417983" y="4014372"/>
             <a:ext cx="960783" cy="1620079"/>
           </a:xfrm>
           <a:prstGeom prst="rect">
@@ -4306,6 +6057,121 @@
     <p:extLst>
       <p:ext uri="{BB962C8B-B14F-4D97-AF65-F5344CB8AC3E}">
         <p14:creationId xmlns:p14="http://schemas.microsoft.com/office/powerpoint/2010/main" val="2307007141"/>
+      </p:ext>
+    </p:extLst>
+  </p:cSld>
+  <p:clrMapOvr>
+    <a:masterClrMapping/>
+  </p:clrMapOvr>
+</p:sld>
+</file>
+
+<file path=ppt/slides/slide20.xml><?xml version="1.0" encoding="utf-8"?>
+<p:sld xmlns:a="http://schemas.openxmlformats.org/drawingml/2006/main" xmlns:r="http://schemas.openxmlformats.org/officeDocument/2006/relationships" xmlns:p="http://schemas.openxmlformats.org/presentationml/2006/main">
+  <p:cSld>
+    <p:spTree>
+      <p:nvGrpSpPr>
+        <p:cNvPr id="1" name=""/>
+        <p:cNvGrpSpPr/>
+        <p:nvPr/>
+      </p:nvGrpSpPr>
+      <p:grpSpPr>
+        <a:xfrm>
+          <a:off x="0" y="0"/>
+          <a:ext cx="0" cy="0"/>
+          <a:chOff x="0" y="0"/>
+          <a:chExt cx="0" cy="0"/>
+        </a:xfrm>
+      </p:grpSpPr>
+      <p:sp>
+        <p:nvSpPr>
+          <p:cNvPr id="2" name="Title 1">
+            <a:extLst>
+              <a:ext uri="{FF2B5EF4-FFF2-40B4-BE49-F238E27FC236}">
+                <a16:creationId xmlns:a16="http://schemas.microsoft.com/office/drawing/2014/main" id="{4118B8E5-8CB3-45C6-B42F-B40225B5FFEE}"/>
+              </a:ext>
+            </a:extLst>
+          </p:cNvPr>
+          <p:cNvSpPr>
+            <a:spLocks noGrp="1"/>
+          </p:cNvSpPr>
+          <p:nvPr>
+            <p:ph type="title"/>
+          </p:nvPr>
+        </p:nvSpPr>
+        <p:spPr/>
+        <p:txBody>
+          <a:bodyPr/>
+          <a:lstStyle/>
+          <a:p>
+            <a:r>
+              <a:rPr lang="en-US" dirty="0"/>
+              <a:t>What we don’t like</a:t>
+            </a:r>
+          </a:p>
+        </p:txBody>
+      </p:sp>
+      <p:sp>
+        <p:nvSpPr>
+          <p:cNvPr id="3" name="Content Placeholder 2">
+            <a:extLst>
+              <a:ext uri="{FF2B5EF4-FFF2-40B4-BE49-F238E27FC236}">
+                <a16:creationId xmlns:a16="http://schemas.microsoft.com/office/drawing/2014/main" id="{8B4627CC-7D89-4A4E-AD6C-17F4E979F2E8}"/>
+              </a:ext>
+            </a:extLst>
+          </p:cNvPr>
+          <p:cNvSpPr>
+            <a:spLocks noGrp="1"/>
+          </p:cNvSpPr>
+          <p:nvPr>
+            <p:ph idx="1"/>
+          </p:nvPr>
+        </p:nvSpPr>
+        <p:spPr/>
+        <p:txBody>
+          <a:bodyPr/>
+          <a:lstStyle/>
+          <a:p>
+            <a:r>
+              <a:rPr lang="en-US" dirty="0"/>
+              <a:t>Takes control away from dev</a:t>
+            </a:r>
+          </a:p>
+          <a:p>
+            <a:pPr lvl="1"/>
+            <a:r>
+              <a:rPr lang="en-US" dirty="0"/>
+              <a:t>Loose the ability to do things in the “old way”</a:t>
+            </a:r>
+          </a:p>
+          <a:p>
+            <a:r>
+              <a:rPr lang="en-US" dirty="0"/>
+              <a:t>Learning Curve</a:t>
+            </a:r>
+          </a:p>
+          <a:p>
+            <a:pPr lvl="1"/>
+            <a:r>
+              <a:rPr lang="en-US" dirty="0"/>
+              <a:t>Not as intuitive</a:t>
+            </a:r>
+          </a:p>
+          <a:p>
+            <a:r>
+              <a:rPr lang="en-US" dirty="0"/>
+              <a:t>Server not always working 100% of the time</a:t>
+            </a:r>
+          </a:p>
+          <a:p>
+            <a:endParaRPr lang="en-US" dirty="0"/>
+          </a:p>
+        </p:txBody>
+      </p:sp>
+    </p:spTree>
+    <p:extLst>
+      <p:ext uri="{BB962C8B-B14F-4D97-AF65-F5344CB8AC3E}">
+        <p14:creationId xmlns:p14="http://schemas.microsoft.com/office/powerpoint/2010/main" val="1212276335"/>
       </p:ext>
     </p:extLst>
   </p:cSld>
@@ -5750,7 +7616,7 @@
         </p:nvSpPr>
         <p:spPr>
           <a:xfrm>
-            <a:off x="6327915" y="888758"/>
+            <a:off x="8202274" y="470002"/>
             <a:ext cx="3051313" cy="1808403"/>
           </a:xfrm>
           <a:prstGeom prst="rect">
@@ -5779,10 +7645,9 @@
           <a:p>
             <a:pPr algn="ctr"/>
             <a:r>
-              <a:rPr lang="en-US" dirty="0" err="1"/>
-              <a:t>BrowserModule</a:t>
-            </a:r>
-            <a:endParaRPr lang="en-US" dirty="0"/>
+              <a:rPr lang="en-US" dirty="0"/>
+              <a:t>Other built in modules</a:t>
+            </a:r>
           </a:p>
         </p:txBody>
       </p:sp>
@@ -5803,8 +7668,8 @@
         </p:nvCxnSpPr>
         <p:spPr>
           <a:xfrm flipH="1">
-            <a:off x="5277677" y="1792960"/>
-            <a:ext cx="1050238" cy="1383111"/>
+            <a:off x="5277677" y="1374204"/>
+            <a:ext cx="2924597" cy="1801867"/>
           </a:xfrm>
           <a:prstGeom prst="straightConnector1">
             <a:avLst/>
@@ -5842,7 +7707,7 @@
         </p:nvSpPr>
         <p:spPr>
           <a:xfrm>
-            <a:off x="6993836" y="3498058"/>
+            <a:off x="8868195" y="3079302"/>
             <a:ext cx="1719471" cy="1325563"/>
           </a:xfrm>
           <a:prstGeom prst="rect">
@@ -5894,7 +7759,7 @@
         </p:nvCxnSpPr>
         <p:spPr>
           <a:xfrm flipV="1">
-            <a:off x="7853572" y="2697161"/>
+            <a:off x="9727931" y="2278405"/>
             <a:ext cx="0" cy="800897"/>
           </a:xfrm>
           <a:prstGeom prst="straightConnector1">
@@ -5933,7 +7798,7 @@
         </p:nvSpPr>
         <p:spPr>
           <a:xfrm>
-            <a:off x="5893904" y="616225"/>
+            <a:off x="7768263" y="197469"/>
             <a:ext cx="3952458" cy="4999383"/>
           </a:xfrm>
           <a:prstGeom prst="rect">
@@ -6038,6 +7903,282 @@
           <a:xfrm flipV="1">
             <a:off x="1232451" y="4274344"/>
             <a:ext cx="2579205" cy="892967"/>
+          </a:xfrm>
+          <a:prstGeom prst="straightConnector1">
+            <a:avLst/>
+          </a:prstGeom>
+          <a:ln>
+            <a:tailEnd type="triangle"/>
+          </a:ln>
+        </p:spPr>
+        <p:style>
+          <a:lnRef idx="1">
+            <a:schemeClr val="accent1"/>
+          </a:lnRef>
+          <a:fillRef idx="0">
+            <a:schemeClr val="accent1"/>
+          </a:fillRef>
+          <a:effectRef idx="0">
+            <a:schemeClr val="accent1"/>
+          </a:effectRef>
+          <a:fontRef idx="minor">
+            <a:schemeClr val="tx1"/>
+          </a:fontRef>
+        </p:style>
+      </p:cxnSp>
+      <p:sp>
+        <p:nvSpPr>
+          <p:cNvPr id="5" name="Rectangle 4">
+            <a:extLst>
+              <a:ext uri="{FF2B5EF4-FFF2-40B4-BE49-F238E27FC236}">
+                <a16:creationId xmlns:a16="http://schemas.microsoft.com/office/drawing/2014/main" id="{2D91FB4F-48A3-42C8-8029-BE9077E268E9}"/>
+              </a:ext>
+            </a:extLst>
+          </p:cNvPr>
+          <p:cNvSpPr/>
+          <p:nvPr/>
+        </p:nvSpPr>
+        <p:spPr>
+          <a:xfrm>
+            <a:off x="196295" y="2697161"/>
+            <a:ext cx="1719471" cy="1325563"/>
+          </a:xfrm>
+          <a:prstGeom prst="rect">
+            <a:avLst/>
+          </a:prstGeom>
+        </p:spPr>
+        <p:style>
+          <a:lnRef idx="2">
+            <a:schemeClr val="accent2">
+              <a:shade val="50000"/>
+            </a:schemeClr>
+          </a:lnRef>
+          <a:fillRef idx="1">
+            <a:schemeClr val="accent2"/>
+          </a:fillRef>
+          <a:effectRef idx="0">
+            <a:schemeClr val="accent2"/>
+          </a:effectRef>
+          <a:fontRef idx="minor">
+            <a:schemeClr val="lt1"/>
+          </a:fontRef>
+        </p:style>
+        <p:txBody>
+          <a:bodyPr rtlCol="0" anchor="ctr"/>
+          <a:lstStyle/>
+          <a:p>
+            <a:pPr algn="ctr"/>
+            <a:r>
+              <a:rPr lang="en-US" dirty="0" err="1"/>
+              <a:t>ProductService</a:t>
+            </a:r>
+            <a:endParaRPr lang="en-US" dirty="0"/>
+          </a:p>
+        </p:txBody>
+      </p:sp>
+      <p:cxnSp>
+        <p:nvCxnSpPr>
+          <p:cNvPr id="10" name="Straight Arrow Connector 9">
+            <a:extLst>
+              <a:ext uri="{FF2B5EF4-FFF2-40B4-BE49-F238E27FC236}">
+                <a16:creationId xmlns:a16="http://schemas.microsoft.com/office/drawing/2014/main" id="{DF3AAED9-1855-4072-8F13-DAAECFF90AD1}"/>
+              </a:ext>
+            </a:extLst>
+          </p:cNvPr>
+          <p:cNvCxnSpPr>
+            <a:stCxn id="5" idx="3"/>
+            <a:endCxn id="4" idx="1"/>
+          </p:cNvCxnSpPr>
+          <p:nvPr/>
+        </p:nvCxnSpPr>
+        <p:spPr>
+          <a:xfrm flipV="1">
+            <a:off x="1915766" y="3176071"/>
+            <a:ext cx="429868" cy="183872"/>
+          </a:xfrm>
+          <a:prstGeom prst="straightConnector1">
+            <a:avLst/>
+          </a:prstGeom>
+          <a:ln>
+            <a:tailEnd type="triangle"/>
+          </a:ln>
+        </p:spPr>
+        <p:style>
+          <a:lnRef idx="1">
+            <a:schemeClr val="accent1"/>
+          </a:lnRef>
+          <a:fillRef idx="0">
+            <a:schemeClr val="accent1"/>
+          </a:fillRef>
+          <a:effectRef idx="0">
+            <a:schemeClr val="accent1"/>
+          </a:effectRef>
+          <a:fontRef idx="minor">
+            <a:schemeClr val="tx1"/>
+          </a:fontRef>
+        </p:style>
+      </p:cxnSp>
+      <p:sp>
+        <p:nvSpPr>
+          <p:cNvPr id="12" name="Rectangle 11">
+            <a:extLst>
+              <a:ext uri="{FF2B5EF4-FFF2-40B4-BE49-F238E27FC236}">
+                <a16:creationId xmlns:a16="http://schemas.microsoft.com/office/drawing/2014/main" id="{92480C12-36E8-40F3-A249-977832D21EF6}"/>
+              </a:ext>
+            </a:extLst>
+          </p:cNvPr>
+          <p:cNvSpPr/>
+          <p:nvPr/>
+        </p:nvSpPr>
+        <p:spPr>
+          <a:xfrm>
+            <a:off x="5189056" y="5167310"/>
+            <a:ext cx="1719471" cy="1325563"/>
+          </a:xfrm>
+          <a:prstGeom prst="rect">
+            <a:avLst/>
+          </a:prstGeom>
+        </p:spPr>
+        <p:style>
+          <a:lnRef idx="2">
+            <a:schemeClr val="accent3">
+              <a:shade val="50000"/>
+            </a:schemeClr>
+          </a:lnRef>
+          <a:fillRef idx="1">
+            <a:schemeClr val="accent3"/>
+          </a:fillRef>
+          <a:effectRef idx="0">
+            <a:schemeClr val="accent3"/>
+          </a:effectRef>
+          <a:fontRef idx="minor">
+            <a:schemeClr val="lt1"/>
+          </a:fontRef>
+        </p:style>
+        <p:txBody>
+          <a:bodyPr rtlCol="0" anchor="ctr"/>
+          <a:lstStyle/>
+          <a:p>
+            <a:pPr algn="ctr"/>
+            <a:r>
+              <a:rPr lang="en-US" dirty="0"/>
+              <a:t>Home, Request, Error…</a:t>
+            </a:r>
+          </a:p>
+        </p:txBody>
+      </p:sp>
+      <p:cxnSp>
+        <p:nvCxnSpPr>
+          <p:cNvPr id="21" name="Straight Arrow Connector 20">
+            <a:extLst>
+              <a:ext uri="{FF2B5EF4-FFF2-40B4-BE49-F238E27FC236}">
+                <a16:creationId xmlns:a16="http://schemas.microsoft.com/office/drawing/2014/main" id="{4E96F45D-F9B6-469F-9A6E-472A5C625D56}"/>
+              </a:ext>
+            </a:extLst>
+          </p:cNvPr>
+          <p:cNvCxnSpPr>
+            <a:cxnSpLocks/>
+            <a:stCxn id="12" idx="0"/>
+            <a:endCxn id="4" idx="2"/>
+          </p:cNvCxnSpPr>
+          <p:nvPr/>
+        </p:nvCxnSpPr>
+        <p:spPr>
+          <a:xfrm flipH="1" flipV="1">
+            <a:off x="3811656" y="4274344"/>
+            <a:ext cx="2237136" cy="892966"/>
+          </a:xfrm>
+          <a:prstGeom prst="straightConnector1">
+            <a:avLst/>
+          </a:prstGeom>
+          <a:ln>
+            <a:tailEnd type="triangle"/>
+          </a:ln>
+        </p:spPr>
+        <p:style>
+          <a:lnRef idx="1">
+            <a:schemeClr val="accent1"/>
+          </a:lnRef>
+          <a:fillRef idx="0">
+            <a:schemeClr val="accent1"/>
+          </a:fillRef>
+          <a:effectRef idx="0">
+            <a:schemeClr val="accent1"/>
+          </a:effectRef>
+          <a:fontRef idx="minor">
+            <a:schemeClr val="tx1"/>
+          </a:fontRef>
+        </p:style>
+      </p:cxnSp>
+      <p:sp>
+        <p:nvSpPr>
+          <p:cNvPr id="25" name="Rectangle 24">
+            <a:extLst>
+              <a:ext uri="{FF2B5EF4-FFF2-40B4-BE49-F238E27FC236}">
+                <a16:creationId xmlns:a16="http://schemas.microsoft.com/office/drawing/2014/main" id="{C7FB81D0-3DC0-4DC9-8D41-D2A8D3DC7646}"/>
+              </a:ext>
+            </a:extLst>
+          </p:cNvPr>
+          <p:cNvSpPr/>
+          <p:nvPr/>
+        </p:nvSpPr>
+        <p:spPr>
+          <a:xfrm>
+            <a:off x="5739862" y="332866"/>
+            <a:ext cx="1362480" cy="1178475"/>
+          </a:xfrm>
+          <a:prstGeom prst="rect">
+            <a:avLst/>
+          </a:prstGeom>
+        </p:spPr>
+        <p:style>
+          <a:lnRef idx="2">
+            <a:schemeClr val="accent1">
+              <a:shade val="50000"/>
+            </a:schemeClr>
+          </a:lnRef>
+          <a:fillRef idx="1">
+            <a:schemeClr val="accent1"/>
+          </a:fillRef>
+          <a:effectRef idx="0">
+            <a:schemeClr val="accent1"/>
+          </a:effectRef>
+          <a:fontRef idx="minor">
+            <a:schemeClr val="lt1"/>
+          </a:fontRef>
+        </p:style>
+        <p:txBody>
+          <a:bodyPr rtlCol="0" anchor="ctr"/>
+          <a:lstStyle/>
+          <a:p>
+            <a:pPr algn="ctr"/>
+            <a:r>
+              <a:rPr lang="en-US" dirty="0"/>
+              <a:t>Routing Module</a:t>
+            </a:r>
+          </a:p>
+        </p:txBody>
+      </p:sp>
+      <p:cxnSp>
+        <p:nvCxnSpPr>
+          <p:cNvPr id="26" name="Straight Arrow Connector 25">
+            <a:extLst>
+              <a:ext uri="{FF2B5EF4-FFF2-40B4-BE49-F238E27FC236}">
+                <a16:creationId xmlns:a16="http://schemas.microsoft.com/office/drawing/2014/main" id="{F8D88F11-01E9-4D54-8EBF-BC20A8613C6D}"/>
+              </a:ext>
+            </a:extLst>
+          </p:cNvPr>
+          <p:cNvCxnSpPr>
+            <a:cxnSpLocks/>
+            <a:stCxn id="25" idx="2"/>
+            <a:endCxn id="4" idx="3"/>
+          </p:cNvCxnSpPr>
+          <p:nvPr/>
+        </p:nvCxnSpPr>
+        <p:spPr>
+          <a:xfrm flipH="1">
+            <a:off x="5277677" y="1511341"/>
+            <a:ext cx="1143425" cy="1664730"/>
           </a:xfrm>
           <a:prstGeom prst="straightConnector1">
             <a:avLst/>
@@ -6093,10 +8234,10 @@
       </p:grpSpPr>
       <p:sp>
         <p:nvSpPr>
-          <p:cNvPr id="4" name="Rectangle 3">
-            <a:extLst>
-              <a:ext uri="{FF2B5EF4-FFF2-40B4-BE49-F238E27FC236}">
-                <a16:creationId xmlns:a16="http://schemas.microsoft.com/office/drawing/2014/main" id="{E972431A-7D87-4C49-8F01-999372150FC6}"/>
+          <p:cNvPr id="5" name="Rectangle 4">
+            <a:extLst>
+              <a:ext uri="{FF2B5EF4-FFF2-40B4-BE49-F238E27FC236}">
+                <a16:creationId xmlns:a16="http://schemas.microsoft.com/office/drawing/2014/main" id="{66B06F0F-5098-453C-8A76-5407AEBDED93}"/>
               </a:ext>
             </a:extLst>
           </p:cNvPr>
@@ -6105,8 +8246,8 @@
         </p:nvSpPr>
         <p:spPr>
           <a:xfrm>
-            <a:off x="2256183" y="974035"/>
-            <a:ext cx="8020878" cy="4939748"/>
+            <a:off x="5416826" y="278296"/>
+            <a:ext cx="1759227" cy="1213092"/>
           </a:xfrm>
           <a:prstGeom prst="rect">
             <a:avLst/>
@@ -6133,16 +8274,34 @@
           <a:lstStyle/>
           <a:p>
             <a:pPr algn="ctr"/>
-            <a:endParaRPr lang="en-US"/>
-          </a:p>
-        </p:txBody>
-      </p:sp>
-      <p:sp>
-        <p:nvSpPr>
-          <p:cNvPr id="6" name="Rectangle 5">
-            <a:extLst>
-              <a:ext uri="{FF2B5EF4-FFF2-40B4-BE49-F238E27FC236}">
-                <a16:creationId xmlns:a16="http://schemas.microsoft.com/office/drawing/2014/main" id="{179E7D63-297A-42D9-84F1-DCF6B0770B6B}"/>
+            <a:r>
+              <a:rPr lang="en-US" dirty="0"/>
+              <a:t>Root Module </a:t>
+            </a:r>
+          </a:p>
+          <a:p>
+            <a:pPr algn="ctr"/>
+            <a:r>
+              <a:rPr lang="en-US" dirty="0"/>
+              <a:t>(</a:t>
+            </a:r>
+            <a:r>
+              <a:rPr lang="en-US" dirty="0" err="1"/>
+              <a:t>app.module.ts</a:t>
+            </a:r>
+            <a:r>
+              <a:rPr lang="en-US" dirty="0"/>
+              <a:t>)</a:t>
+            </a:r>
+          </a:p>
+        </p:txBody>
+      </p:sp>
+      <p:sp>
+        <p:nvSpPr>
+          <p:cNvPr id="7" name="Rectangle 6">
+            <a:extLst>
+              <a:ext uri="{FF2B5EF4-FFF2-40B4-BE49-F238E27FC236}">
+                <a16:creationId xmlns:a16="http://schemas.microsoft.com/office/drawing/2014/main" id="{778E1C9C-9751-4840-A9D2-1AEC57243D85}"/>
               </a:ext>
             </a:extLst>
           </p:cNvPr>
@@ -6151,8 +8310,554 @@
         </p:nvSpPr>
         <p:spPr>
           <a:xfrm>
-            <a:off x="2463248" y="3260035"/>
-            <a:ext cx="7606748" cy="2388705"/>
+            <a:off x="679173" y="2080592"/>
+            <a:ext cx="1759227" cy="1213092"/>
+          </a:xfrm>
+          <a:prstGeom prst="rect">
+            <a:avLst/>
+          </a:prstGeom>
+        </p:spPr>
+        <p:style>
+          <a:lnRef idx="2">
+            <a:schemeClr val="accent1">
+              <a:shade val="50000"/>
+            </a:schemeClr>
+          </a:lnRef>
+          <a:fillRef idx="1">
+            <a:schemeClr val="accent1"/>
+          </a:fillRef>
+          <a:effectRef idx="0">
+            <a:schemeClr val="accent1"/>
+          </a:effectRef>
+          <a:fontRef idx="minor">
+            <a:schemeClr val="lt1"/>
+          </a:fontRef>
+        </p:style>
+        <p:txBody>
+          <a:bodyPr rtlCol="0" anchor="ctr"/>
+          <a:lstStyle/>
+          <a:p>
+            <a:pPr algn="ctr"/>
+            <a:r>
+              <a:rPr lang="en-US" dirty="0"/>
+              <a:t>Product Module</a:t>
+            </a:r>
+          </a:p>
+        </p:txBody>
+      </p:sp>
+      <p:sp>
+        <p:nvSpPr>
+          <p:cNvPr id="9" name="Rectangle 8">
+            <a:extLst>
+              <a:ext uri="{FF2B5EF4-FFF2-40B4-BE49-F238E27FC236}">
+                <a16:creationId xmlns:a16="http://schemas.microsoft.com/office/drawing/2014/main" id="{396AA129-8DD9-44A4-80DE-C08380C4F14E}"/>
+              </a:ext>
+            </a:extLst>
+          </p:cNvPr>
+          <p:cNvSpPr/>
+          <p:nvPr/>
+        </p:nvSpPr>
+        <p:spPr>
+          <a:xfrm>
+            <a:off x="3657599" y="2080592"/>
+            <a:ext cx="1759227" cy="1213092"/>
+          </a:xfrm>
+          <a:prstGeom prst="rect">
+            <a:avLst/>
+          </a:prstGeom>
+        </p:spPr>
+        <p:style>
+          <a:lnRef idx="2">
+            <a:schemeClr val="accent1">
+              <a:shade val="50000"/>
+            </a:schemeClr>
+          </a:lnRef>
+          <a:fillRef idx="1">
+            <a:schemeClr val="accent1"/>
+          </a:fillRef>
+          <a:effectRef idx="0">
+            <a:schemeClr val="accent1"/>
+          </a:effectRef>
+          <a:fontRef idx="minor">
+            <a:schemeClr val="lt1"/>
+          </a:fontRef>
+        </p:style>
+        <p:txBody>
+          <a:bodyPr rtlCol="0" anchor="ctr"/>
+          <a:lstStyle/>
+          <a:p>
+            <a:pPr algn="ctr"/>
+            <a:r>
+              <a:rPr lang="en-US" dirty="0"/>
+              <a:t>Request Module</a:t>
+            </a:r>
+          </a:p>
+        </p:txBody>
+      </p:sp>
+      <p:sp>
+        <p:nvSpPr>
+          <p:cNvPr id="11" name="Rectangle 10">
+            <a:extLst>
+              <a:ext uri="{FF2B5EF4-FFF2-40B4-BE49-F238E27FC236}">
+                <a16:creationId xmlns:a16="http://schemas.microsoft.com/office/drawing/2014/main" id="{B7438263-6919-4512-A9EC-86EAD691171A}"/>
+              </a:ext>
+            </a:extLst>
+          </p:cNvPr>
+          <p:cNvSpPr/>
+          <p:nvPr/>
+        </p:nvSpPr>
+        <p:spPr>
+          <a:xfrm>
+            <a:off x="6708912" y="2080592"/>
+            <a:ext cx="1759227" cy="1213092"/>
+          </a:xfrm>
+          <a:prstGeom prst="rect">
+            <a:avLst/>
+          </a:prstGeom>
+        </p:spPr>
+        <p:style>
+          <a:lnRef idx="2">
+            <a:schemeClr val="accent1">
+              <a:shade val="50000"/>
+            </a:schemeClr>
+          </a:lnRef>
+          <a:fillRef idx="1">
+            <a:schemeClr val="accent1"/>
+          </a:fillRef>
+          <a:effectRef idx="0">
+            <a:schemeClr val="accent1"/>
+          </a:effectRef>
+          <a:fontRef idx="minor">
+            <a:schemeClr val="lt1"/>
+          </a:fontRef>
+        </p:style>
+        <p:txBody>
+          <a:bodyPr rtlCol="0" anchor="ctr"/>
+          <a:lstStyle/>
+          <a:p>
+            <a:pPr algn="ctr"/>
+            <a:r>
+              <a:rPr lang="en-US" dirty="0"/>
+              <a:t>Feature Module3</a:t>
+            </a:r>
+          </a:p>
+        </p:txBody>
+      </p:sp>
+      <p:sp>
+        <p:nvSpPr>
+          <p:cNvPr id="13" name="Rectangle 12">
+            <a:extLst>
+              <a:ext uri="{FF2B5EF4-FFF2-40B4-BE49-F238E27FC236}">
+                <a16:creationId xmlns:a16="http://schemas.microsoft.com/office/drawing/2014/main" id="{DC1C1A9F-A5AF-4FE9-84B8-A93950D4DEF7}"/>
+              </a:ext>
+            </a:extLst>
+          </p:cNvPr>
+          <p:cNvSpPr/>
+          <p:nvPr/>
+        </p:nvSpPr>
+        <p:spPr>
+          <a:xfrm>
+            <a:off x="9455426" y="2080592"/>
+            <a:ext cx="1759227" cy="1213092"/>
+          </a:xfrm>
+          <a:prstGeom prst="rect">
+            <a:avLst/>
+          </a:prstGeom>
+        </p:spPr>
+        <p:style>
+          <a:lnRef idx="2">
+            <a:schemeClr val="accent1">
+              <a:shade val="50000"/>
+            </a:schemeClr>
+          </a:lnRef>
+          <a:fillRef idx="1">
+            <a:schemeClr val="accent1"/>
+          </a:fillRef>
+          <a:effectRef idx="0">
+            <a:schemeClr val="accent1"/>
+          </a:effectRef>
+          <a:fontRef idx="minor">
+            <a:schemeClr val="lt1"/>
+          </a:fontRef>
+        </p:style>
+        <p:txBody>
+          <a:bodyPr rtlCol="0" anchor="ctr"/>
+          <a:lstStyle/>
+          <a:p>
+            <a:pPr algn="ctr"/>
+            <a:r>
+              <a:rPr lang="en-US" dirty="0"/>
+              <a:t>Feature Module4</a:t>
+            </a:r>
+          </a:p>
+        </p:txBody>
+      </p:sp>
+      <p:sp>
+        <p:nvSpPr>
+          <p:cNvPr id="15" name="Rectangle 14">
+            <a:extLst>
+              <a:ext uri="{FF2B5EF4-FFF2-40B4-BE49-F238E27FC236}">
+                <a16:creationId xmlns:a16="http://schemas.microsoft.com/office/drawing/2014/main" id="{22EF793F-13C9-410E-B0FB-74DD7D4C09C1}"/>
+              </a:ext>
+            </a:extLst>
+          </p:cNvPr>
+          <p:cNvSpPr/>
+          <p:nvPr/>
+        </p:nvSpPr>
+        <p:spPr>
+          <a:xfrm>
+            <a:off x="8246165" y="262250"/>
+            <a:ext cx="1759227" cy="1213092"/>
+          </a:xfrm>
+          <a:prstGeom prst="rect">
+            <a:avLst/>
+          </a:prstGeom>
+        </p:spPr>
+        <p:style>
+          <a:lnRef idx="2">
+            <a:schemeClr val="accent1">
+              <a:shade val="50000"/>
+            </a:schemeClr>
+          </a:lnRef>
+          <a:fillRef idx="1">
+            <a:schemeClr val="accent1"/>
+          </a:fillRef>
+          <a:effectRef idx="0">
+            <a:schemeClr val="accent1"/>
+          </a:effectRef>
+          <a:fontRef idx="minor">
+            <a:schemeClr val="lt1"/>
+          </a:fontRef>
+        </p:style>
+        <p:txBody>
+          <a:bodyPr rtlCol="0" anchor="ctr"/>
+          <a:lstStyle/>
+          <a:p>
+            <a:pPr algn="ctr"/>
+            <a:r>
+              <a:rPr lang="en-US" dirty="0"/>
+              <a:t>Routing Module</a:t>
+            </a:r>
+          </a:p>
+        </p:txBody>
+      </p:sp>
+      <p:sp>
+        <p:nvSpPr>
+          <p:cNvPr id="17" name="Rectangle 16">
+            <a:extLst>
+              <a:ext uri="{FF2B5EF4-FFF2-40B4-BE49-F238E27FC236}">
+                <a16:creationId xmlns:a16="http://schemas.microsoft.com/office/drawing/2014/main" id="{05901D8B-66D4-4289-B314-F307D15263E4}"/>
+              </a:ext>
+            </a:extLst>
+          </p:cNvPr>
+          <p:cNvSpPr/>
+          <p:nvPr/>
+        </p:nvSpPr>
+        <p:spPr>
+          <a:xfrm>
+            <a:off x="2242930" y="262250"/>
+            <a:ext cx="1759227" cy="1213092"/>
+          </a:xfrm>
+          <a:prstGeom prst="rect">
+            <a:avLst/>
+          </a:prstGeom>
+        </p:spPr>
+        <p:style>
+          <a:lnRef idx="2">
+            <a:schemeClr val="accent1">
+              <a:shade val="50000"/>
+            </a:schemeClr>
+          </a:lnRef>
+          <a:fillRef idx="1">
+            <a:schemeClr val="accent1"/>
+          </a:fillRef>
+          <a:effectRef idx="0">
+            <a:schemeClr val="accent1"/>
+          </a:effectRef>
+          <a:fontRef idx="minor">
+            <a:schemeClr val="lt1"/>
+          </a:fontRef>
+        </p:style>
+        <p:txBody>
+          <a:bodyPr rtlCol="0" anchor="ctr"/>
+          <a:lstStyle/>
+          <a:p>
+            <a:pPr algn="ctr"/>
+            <a:r>
+              <a:rPr lang="en-US" dirty="0"/>
+              <a:t>Shared Module</a:t>
+            </a:r>
+          </a:p>
+        </p:txBody>
+      </p:sp>
+      <p:cxnSp>
+        <p:nvCxnSpPr>
+          <p:cNvPr id="19" name="Straight Arrow Connector 18">
+            <a:extLst>
+              <a:ext uri="{FF2B5EF4-FFF2-40B4-BE49-F238E27FC236}">
+                <a16:creationId xmlns:a16="http://schemas.microsoft.com/office/drawing/2014/main" id="{509BF65B-34EE-485E-AFC4-F904B065E5D1}"/>
+              </a:ext>
+            </a:extLst>
+          </p:cNvPr>
+          <p:cNvCxnSpPr>
+            <a:stCxn id="17" idx="3"/>
+            <a:endCxn id="5" idx="1"/>
+          </p:cNvCxnSpPr>
+          <p:nvPr/>
+        </p:nvCxnSpPr>
+        <p:spPr>
+          <a:xfrm>
+            <a:off x="4002157" y="868796"/>
+            <a:ext cx="1414669" cy="16046"/>
+          </a:xfrm>
+          <a:prstGeom prst="straightConnector1">
+            <a:avLst/>
+          </a:prstGeom>
+          <a:ln>
+            <a:tailEnd type="triangle"/>
+          </a:ln>
+        </p:spPr>
+        <p:style>
+          <a:lnRef idx="1">
+            <a:schemeClr val="accent1"/>
+          </a:lnRef>
+          <a:fillRef idx="0">
+            <a:schemeClr val="accent1"/>
+          </a:fillRef>
+          <a:effectRef idx="0">
+            <a:schemeClr val="accent1"/>
+          </a:effectRef>
+          <a:fontRef idx="minor">
+            <a:schemeClr val="tx1"/>
+          </a:fontRef>
+        </p:style>
+      </p:cxnSp>
+      <p:cxnSp>
+        <p:nvCxnSpPr>
+          <p:cNvPr id="21" name="Straight Arrow Connector 20">
+            <a:extLst>
+              <a:ext uri="{FF2B5EF4-FFF2-40B4-BE49-F238E27FC236}">
+                <a16:creationId xmlns:a16="http://schemas.microsoft.com/office/drawing/2014/main" id="{5D2B4E53-029A-4576-9978-CB7FA4EA6A47}"/>
+              </a:ext>
+            </a:extLst>
+          </p:cNvPr>
+          <p:cNvCxnSpPr>
+            <a:stCxn id="7" idx="3"/>
+            <a:endCxn id="5" idx="1"/>
+          </p:cNvCxnSpPr>
+          <p:nvPr/>
+        </p:nvCxnSpPr>
+        <p:spPr>
+          <a:xfrm flipV="1">
+            <a:off x="2438400" y="884842"/>
+            <a:ext cx="2978426" cy="1802296"/>
+          </a:xfrm>
+          <a:prstGeom prst="straightConnector1">
+            <a:avLst/>
+          </a:prstGeom>
+          <a:ln>
+            <a:tailEnd type="triangle"/>
+          </a:ln>
+        </p:spPr>
+        <p:style>
+          <a:lnRef idx="1">
+            <a:schemeClr val="accent1"/>
+          </a:lnRef>
+          <a:fillRef idx="0">
+            <a:schemeClr val="accent1"/>
+          </a:fillRef>
+          <a:effectRef idx="0">
+            <a:schemeClr val="accent1"/>
+          </a:effectRef>
+          <a:fontRef idx="minor">
+            <a:schemeClr val="tx1"/>
+          </a:fontRef>
+        </p:style>
+      </p:cxnSp>
+      <p:cxnSp>
+        <p:nvCxnSpPr>
+          <p:cNvPr id="23" name="Straight Arrow Connector 22">
+            <a:extLst>
+              <a:ext uri="{FF2B5EF4-FFF2-40B4-BE49-F238E27FC236}">
+                <a16:creationId xmlns:a16="http://schemas.microsoft.com/office/drawing/2014/main" id="{264F1EAD-0384-46E3-85BE-0FF83E4F4681}"/>
+              </a:ext>
+            </a:extLst>
+          </p:cNvPr>
+          <p:cNvCxnSpPr>
+            <a:stCxn id="9" idx="0"/>
+            <a:endCxn id="5" idx="2"/>
+          </p:cNvCxnSpPr>
+          <p:nvPr/>
+        </p:nvCxnSpPr>
+        <p:spPr>
+          <a:xfrm flipV="1">
+            <a:off x="4537213" y="1491388"/>
+            <a:ext cx="1759227" cy="589204"/>
+          </a:xfrm>
+          <a:prstGeom prst="straightConnector1">
+            <a:avLst/>
+          </a:prstGeom>
+          <a:ln>
+            <a:tailEnd type="triangle"/>
+          </a:ln>
+        </p:spPr>
+        <p:style>
+          <a:lnRef idx="1">
+            <a:schemeClr val="accent1"/>
+          </a:lnRef>
+          <a:fillRef idx="0">
+            <a:schemeClr val="accent1"/>
+          </a:fillRef>
+          <a:effectRef idx="0">
+            <a:schemeClr val="accent1"/>
+          </a:effectRef>
+          <a:fontRef idx="minor">
+            <a:schemeClr val="tx1"/>
+          </a:fontRef>
+        </p:style>
+      </p:cxnSp>
+      <p:cxnSp>
+        <p:nvCxnSpPr>
+          <p:cNvPr id="25" name="Straight Arrow Connector 24">
+            <a:extLst>
+              <a:ext uri="{FF2B5EF4-FFF2-40B4-BE49-F238E27FC236}">
+                <a16:creationId xmlns:a16="http://schemas.microsoft.com/office/drawing/2014/main" id="{2B9E98A7-9B6C-4898-B2AA-5F3D632F22CE}"/>
+              </a:ext>
+            </a:extLst>
+          </p:cNvPr>
+          <p:cNvCxnSpPr>
+            <a:stCxn id="11" idx="0"/>
+            <a:endCxn id="5" idx="2"/>
+          </p:cNvCxnSpPr>
+          <p:nvPr/>
+        </p:nvCxnSpPr>
+        <p:spPr>
+          <a:xfrm flipH="1" flipV="1">
+            <a:off x="6296440" y="1491388"/>
+            <a:ext cx="1292086" cy="589204"/>
+          </a:xfrm>
+          <a:prstGeom prst="straightConnector1">
+            <a:avLst/>
+          </a:prstGeom>
+          <a:ln>
+            <a:tailEnd type="triangle"/>
+          </a:ln>
+        </p:spPr>
+        <p:style>
+          <a:lnRef idx="1">
+            <a:schemeClr val="accent1"/>
+          </a:lnRef>
+          <a:fillRef idx="0">
+            <a:schemeClr val="accent1"/>
+          </a:fillRef>
+          <a:effectRef idx="0">
+            <a:schemeClr val="accent1"/>
+          </a:effectRef>
+          <a:fontRef idx="minor">
+            <a:schemeClr val="tx1"/>
+          </a:fontRef>
+        </p:style>
+      </p:cxnSp>
+      <p:cxnSp>
+        <p:nvCxnSpPr>
+          <p:cNvPr id="27" name="Straight Arrow Connector 26">
+            <a:extLst>
+              <a:ext uri="{FF2B5EF4-FFF2-40B4-BE49-F238E27FC236}">
+                <a16:creationId xmlns:a16="http://schemas.microsoft.com/office/drawing/2014/main" id="{B18B2892-CC3E-494A-8065-4DB0E44BDD95}"/>
+              </a:ext>
+            </a:extLst>
+          </p:cNvPr>
+          <p:cNvCxnSpPr>
+            <a:stCxn id="15" idx="1"/>
+            <a:endCxn id="5" idx="3"/>
+          </p:cNvCxnSpPr>
+          <p:nvPr/>
+        </p:nvCxnSpPr>
+        <p:spPr>
+          <a:xfrm flipH="1">
+            <a:off x="7176053" y="868796"/>
+            <a:ext cx="1070112" cy="16046"/>
+          </a:xfrm>
+          <a:prstGeom prst="straightConnector1">
+            <a:avLst/>
+          </a:prstGeom>
+          <a:ln>
+            <a:tailEnd type="triangle"/>
+          </a:ln>
+        </p:spPr>
+        <p:style>
+          <a:lnRef idx="1">
+            <a:schemeClr val="accent1"/>
+          </a:lnRef>
+          <a:fillRef idx="0">
+            <a:schemeClr val="accent1"/>
+          </a:fillRef>
+          <a:effectRef idx="0">
+            <a:schemeClr val="accent1"/>
+          </a:effectRef>
+          <a:fontRef idx="minor">
+            <a:schemeClr val="tx1"/>
+          </a:fontRef>
+        </p:style>
+      </p:cxnSp>
+      <p:cxnSp>
+        <p:nvCxnSpPr>
+          <p:cNvPr id="29" name="Straight Arrow Connector 28">
+            <a:extLst>
+              <a:ext uri="{FF2B5EF4-FFF2-40B4-BE49-F238E27FC236}">
+                <a16:creationId xmlns:a16="http://schemas.microsoft.com/office/drawing/2014/main" id="{A50DC430-2DB7-4D27-A600-4589ED74F55D}"/>
+              </a:ext>
+            </a:extLst>
+          </p:cNvPr>
+          <p:cNvCxnSpPr>
+            <a:stCxn id="13" idx="1"/>
+            <a:endCxn id="5" idx="3"/>
+          </p:cNvCxnSpPr>
+          <p:nvPr/>
+        </p:nvCxnSpPr>
+        <p:spPr>
+          <a:xfrm flipH="1" flipV="1">
+            <a:off x="7176053" y="884842"/>
+            <a:ext cx="2279373" cy="1802296"/>
+          </a:xfrm>
+          <a:prstGeom prst="straightConnector1">
+            <a:avLst/>
+          </a:prstGeom>
+          <a:ln>
+            <a:tailEnd type="triangle"/>
+          </a:ln>
+        </p:spPr>
+        <p:style>
+          <a:lnRef idx="1">
+            <a:schemeClr val="accent1"/>
+          </a:lnRef>
+          <a:fillRef idx="0">
+            <a:schemeClr val="accent1"/>
+          </a:fillRef>
+          <a:effectRef idx="0">
+            <a:schemeClr val="accent1"/>
+          </a:effectRef>
+          <a:fontRef idx="minor">
+            <a:schemeClr val="tx1"/>
+          </a:fontRef>
+        </p:style>
+      </p:cxnSp>
+      <p:sp>
+        <p:nvSpPr>
+          <p:cNvPr id="35" name="Rectangle 34">
+            <a:extLst>
+              <a:ext uri="{FF2B5EF4-FFF2-40B4-BE49-F238E27FC236}">
+                <a16:creationId xmlns:a16="http://schemas.microsoft.com/office/drawing/2014/main" id="{99588770-1B43-43DD-8E91-6930DC78E98D}"/>
+              </a:ext>
+            </a:extLst>
+          </p:cNvPr>
+          <p:cNvSpPr/>
+          <p:nvPr/>
+        </p:nvSpPr>
+        <p:spPr>
+          <a:xfrm>
+            <a:off x="3660913" y="3269974"/>
+            <a:ext cx="1316937" cy="907083"/>
           </a:xfrm>
           <a:prstGeom prst="rect">
             <a:avLst/>
@@ -6181,17 +8886,17 @@
             <a:pPr algn="ctr"/>
             <a:r>
               <a:rPr lang="en-US" dirty="0"/>
-              <a:t>Table with all of the data</a:t>
-            </a:r>
-          </a:p>
-        </p:txBody>
-      </p:sp>
-      <p:sp>
-        <p:nvSpPr>
-          <p:cNvPr id="8" name="Rectangle 7">
-            <a:extLst>
-              <a:ext uri="{FF2B5EF4-FFF2-40B4-BE49-F238E27FC236}">
-                <a16:creationId xmlns:a16="http://schemas.microsoft.com/office/drawing/2014/main" id="{A337516C-050D-4836-86C2-1335619BDD7C}"/>
+              <a:t>request Component</a:t>
+            </a:r>
+          </a:p>
+        </p:txBody>
+      </p:sp>
+      <p:sp>
+        <p:nvSpPr>
+          <p:cNvPr id="41" name="Rectangle 40">
+            <a:extLst>
+              <a:ext uri="{FF2B5EF4-FFF2-40B4-BE49-F238E27FC236}">
+                <a16:creationId xmlns:a16="http://schemas.microsoft.com/office/drawing/2014/main" id="{C07C1F71-0F14-4992-9750-484384CE23D5}"/>
               </a:ext>
             </a:extLst>
           </p:cNvPr>
@@ -6200,8 +8905,8 @@
         </p:nvSpPr>
         <p:spPr>
           <a:xfrm>
-            <a:off x="5685182" y="2067340"/>
-            <a:ext cx="3470413" cy="757031"/>
+            <a:off x="677519" y="3293684"/>
+            <a:ext cx="1316937" cy="907083"/>
           </a:xfrm>
           <a:prstGeom prst="rect">
             <a:avLst/>
@@ -6230,17 +8935,17 @@
             <a:pPr algn="ctr"/>
             <a:r>
               <a:rPr lang="en-US" dirty="0"/>
-              <a:t>Search box</a:t>
-            </a:r>
-          </a:p>
-        </p:txBody>
-      </p:sp>
-      <p:sp>
-        <p:nvSpPr>
-          <p:cNvPr id="10" name="Rectangle 9">
-            <a:extLst>
-              <a:ext uri="{FF2B5EF4-FFF2-40B4-BE49-F238E27FC236}">
-                <a16:creationId xmlns:a16="http://schemas.microsoft.com/office/drawing/2014/main" id="{D9B4D73B-8561-40E6-9C8C-C4095A7A5F6E}"/>
+              <a:t>product Component</a:t>
+            </a:r>
+          </a:p>
+        </p:txBody>
+      </p:sp>
+      <p:sp>
+        <p:nvSpPr>
+          <p:cNvPr id="43" name="Rectangle 42">
+            <a:extLst>
+              <a:ext uri="{FF2B5EF4-FFF2-40B4-BE49-F238E27FC236}">
+                <a16:creationId xmlns:a16="http://schemas.microsoft.com/office/drawing/2014/main" id="{5658F834-2523-4854-BAE0-61BB48EAEEA9}"/>
               </a:ext>
             </a:extLst>
           </p:cNvPr>
@@ -6249,8 +8954,8 @@
         </p:nvSpPr>
         <p:spPr>
           <a:xfrm>
-            <a:off x="3036405" y="2067339"/>
-            <a:ext cx="2291796" cy="757031"/>
+            <a:off x="331302" y="1276822"/>
+            <a:ext cx="1212574" cy="810917"/>
           </a:xfrm>
           <a:prstGeom prst="rect">
             <a:avLst/>
@@ -6258,15 +8963,15 @@
         </p:spPr>
         <p:style>
           <a:lnRef idx="2">
-            <a:schemeClr val="accent6">
+            <a:schemeClr val="accent1">
               <a:shade val="50000"/>
             </a:schemeClr>
           </a:lnRef>
           <a:fillRef idx="1">
-            <a:schemeClr val="accent6"/>
+            <a:schemeClr val="accent1"/>
           </a:fillRef>
           <a:effectRef idx="0">
-            <a:schemeClr val="accent6"/>
+            <a:schemeClr val="accent1"/>
           </a:effectRef>
           <a:fontRef idx="minor">
             <a:schemeClr val="lt1"/>
@@ -6279,7 +8984,7 @@
             <a:pPr algn="ctr"/>
             <a:r>
               <a:rPr lang="en-US" dirty="0"/>
-              <a:t>Toggle pictures</a:t>
+              <a:t>Forms Module</a:t>
             </a:r>
           </a:p>
         </p:txBody>
@@ -6287,7 +8992,7 @@
     </p:spTree>
     <p:extLst>
       <p:ext uri="{BB962C8B-B14F-4D97-AF65-F5344CB8AC3E}">
-        <p14:creationId xmlns:p14="http://schemas.microsoft.com/office/powerpoint/2010/main" val="3100046920"/>
+        <p14:creationId xmlns:p14="http://schemas.microsoft.com/office/powerpoint/2010/main" val="1512116076"/>
       </p:ext>
     </p:extLst>
   </p:cSld>
@@ -6316,99 +9021,10 @@
       </p:grpSpPr>
       <p:sp>
         <p:nvSpPr>
-          <p:cNvPr id="2" name="Title 1">
-            <a:extLst>
-              <a:ext uri="{FF2B5EF4-FFF2-40B4-BE49-F238E27FC236}">
-                <a16:creationId xmlns:a16="http://schemas.microsoft.com/office/drawing/2014/main" id="{37E5A226-A8B4-4AB5-BB01-A607ABAD1DE9}"/>
-              </a:ext>
-            </a:extLst>
-          </p:cNvPr>
-          <p:cNvSpPr>
-            <a:spLocks noGrp="1"/>
-          </p:cNvSpPr>
-          <p:nvPr>
-            <p:ph type="title"/>
-          </p:nvPr>
-        </p:nvSpPr>
-        <p:spPr/>
-        <p:txBody>
-          <a:bodyPr/>
-          <a:lstStyle/>
-          <a:p>
-            <a:r>
-              <a:rPr lang="en-US" dirty="0"/>
-              <a:t>One-way binding</a:t>
-            </a:r>
-          </a:p>
-        </p:txBody>
-      </p:sp>
-      <p:sp>
-        <p:nvSpPr>
-          <p:cNvPr id="3" name="Content Placeholder 2">
-            <a:extLst>
-              <a:ext uri="{FF2B5EF4-FFF2-40B4-BE49-F238E27FC236}">
-                <a16:creationId xmlns:a16="http://schemas.microsoft.com/office/drawing/2014/main" id="{6F12DAA6-D707-493F-A837-FE01C0926AFC}"/>
-              </a:ext>
-            </a:extLst>
-          </p:cNvPr>
-          <p:cNvSpPr>
-            <a:spLocks noGrp="1"/>
-          </p:cNvSpPr>
-          <p:nvPr>
-            <p:ph idx="1"/>
-          </p:nvPr>
-        </p:nvSpPr>
-        <p:spPr/>
-        <p:txBody>
-          <a:bodyPr/>
-          <a:lstStyle/>
-          <a:p>
-            <a:r>
-              <a:rPr lang="en-US" dirty="0"/>
-              <a:t>String interpolation</a:t>
-            </a:r>
-          </a:p>
-          <a:p>
-            <a:pPr lvl="1"/>
-            <a:r>
-              <a:rPr lang="en-US" dirty="0"/>
-              <a:t>{{}}</a:t>
-            </a:r>
-          </a:p>
-          <a:p>
-            <a:r>
-              <a:rPr lang="en-US" dirty="0"/>
-              <a:t>Property binding</a:t>
-            </a:r>
-          </a:p>
-          <a:p>
-            <a:pPr lvl="1"/>
-            <a:r>
-              <a:rPr lang="en-US" dirty="0"/>
-              <a:t>[]</a:t>
-            </a:r>
-          </a:p>
-          <a:p>
-            <a:r>
-              <a:rPr lang="en-US" dirty="0"/>
-              <a:t>Event binding</a:t>
-            </a:r>
-          </a:p>
-          <a:p>
-            <a:pPr lvl="1"/>
-            <a:r>
-              <a:rPr lang="en-US" dirty="0"/>
-              <a:t>()</a:t>
-            </a:r>
-          </a:p>
-        </p:txBody>
-      </p:sp>
-      <p:sp>
-        <p:nvSpPr>
-          <p:cNvPr id="4" name="Oval 3">
-            <a:extLst>
-              <a:ext uri="{FF2B5EF4-FFF2-40B4-BE49-F238E27FC236}">
-                <a16:creationId xmlns:a16="http://schemas.microsoft.com/office/drawing/2014/main" id="{13FB0205-304E-495F-A9BB-2E02B4C070FC}"/>
+          <p:cNvPr id="4" name="Rectangle 3">
+            <a:extLst>
+              <a:ext uri="{FF2B5EF4-FFF2-40B4-BE49-F238E27FC236}">
+                <a16:creationId xmlns:a16="http://schemas.microsoft.com/office/drawing/2014/main" id="{E972431A-7D87-4C49-8F01-999372150FC6}"/>
               </a:ext>
             </a:extLst>
           </p:cNvPr>
@@ -6417,10 +9033,10 @@
         </p:nvSpPr>
         <p:spPr>
           <a:xfrm>
-            <a:off x="6231835" y="2077278"/>
-            <a:ext cx="934278" cy="795131"/>
-          </a:xfrm>
-          <a:prstGeom prst="ellipse">
+            <a:off x="2256183" y="974035"/>
+            <a:ext cx="8020878" cy="4939748"/>
+          </a:xfrm>
+          <a:prstGeom prst="rect">
             <a:avLst/>
           </a:prstGeom>
         </p:spPr>
@@ -6445,20 +9061,16 @@
           <a:lstStyle/>
           <a:p>
             <a:pPr algn="ctr"/>
-            <a:r>
-              <a:rPr lang="en-US" dirty="0" err="1"/>
-              <a:t>ts</a:t>
-            </a:r>
-            <a:endParaRPr lang="en-US" dirty="0"/>
-          </a:p>
-        </p:txBody>
-      </p:sp>
-      <p:sp>
-        <p:nvSpPr>
-          <p:cNvPr id="6" name="Oval 5">
-            <a:extLst>
-              <a:ext uri="{FF2B5EF4-FFF2-40B4-BE49-F238E27FC236}">
-                <a16:creationId xmlns:a16="http://schemas.microsoft.com/office/drawing/2014/main" id="{2CD7AC55-E676-4200-A49D-773CA702E51D}"/>
+            <a:endParaRPr lang="en-US"/>
+          </a:p>
+        </p:txBody>
+      </p:sp>
+      <p:sp>
+        <p:nvSpPr>
+          <p:cNvPr id="6" name="Rectangle 5">
+            <a:extLst>
+              <a:ext uri="{FF2B5EF4-FFF2-40B4-BE49-F238E27FC236}">
+                <a16:creationId xmlns:a16="http://schemas.microsoft.com/office/drawing/2014/main" id="{179E7D63-297A-42D9-84F1-DCF6B0770B6B}"/>
               </a:ext>
             </a:extLst>
           </p:cNvPr>
@@ -6467,24 +9079,24 @@
         </p:nvSpPr>
         <p:spPr>
           <a:xfrm>
-            <a:off x="8869017" y="2077278"/>
-            <a:ext cx="1636644" cy="795131"/>
-          </a:xfrm>
-          <a:prstGeom prst="ellipse">
+            <a:off x="2463248" y="3260035"/>
+            <a:ext cx="7606748" cy="2388705"/>
+          </a:xfrm>
+          <a:prstGeom prst="rect">
             <a:avLst/>
           </a:prstGeom>
         </p:spPr>
         <p:style>
           <a:lnRef idx="2">
-            <a:schemeClr val="accent2">
+            <a:schemeClr val="accent3">
               <a:shade val="50000"/>
             </a:schemeClr>
           </a:lnRef>
           <a:fillRef idx="1">
-            <a:schemeClr val="accent2"/>
+            <a:schemeClr val="accent3"/>
           </a:fillRef>
           <a:effectRef idx="0">
-            <a:schemeClr val="accent2"/>
+            <a:schemeClr val="accent3"/>
           </a:effectRef>
           <a:fontRef idx="minor">
             <a:schemeClr val="lt1"/>
@@ -6497,17 +9109,17 @@
             <a:pPr algn="ctr"/>
             <a:r>
               <a:rPr lang="en-US" dirty="0"/>
-              <a:t>template</a:t>
-            </a:r>
-          </a:p>
-        </p:txBody>
-      </p:sp>
-      <p:sp>
-        <p:nvSpPr>
-          <p:cNvPr id="7" name="Arrow: Right 6">
-            <a:extLst>
-              <a:ext uri="{FF2B5EF4-FFF2-40B4-BE49-F238E27FC236}">
-                <a16:creationId xmlns:a16="http://schemas.microsoft.com/office/drawing/2014/main" id="{949A39E6-5375-48A6-8001-B1B7BE557930}"/>
+              <a:t>Table with all of the data</a:t>
+            </a:r>
+          </a:p>
+        </p:txBody>
+      </p:sp>
+      <p:sp>
+        <p:nvSpPr>
+          <p:cNvPr id="8" name="Rectangle 7">
+            <a:extLst>
+              <a:ext uri="{FF2B5EF4-FFF2-40B4-BE49-F238E27FC236}">
+                <a16:creationId xmlns:a16="http://schemas.microsoft.com/office/drawing/2014/main" id="{A337516C-050D-4836-86C2-1335619BDD7C}"/>
               </a:ext>
             </a:extLst>
           </p:cNvPr>
@@ -6516,24 +9128,24 @@
         </p:nvSpPr>
         <p:spPr>
           <a:xfrm>
-            <a:off x="7444409" y="2246243"/>
-            <a:ext cx="1311965" cy="457200"/>
-          </a:xfrm>
-          <a:prstGeom prst="rightArrow">
+            <a:off x="5685182" y="2067340"/>
+            <a:ext cx="3470413" cy="757031"/>
+          </a:xfrm>
+          <a:prstGeom prst="rect">
             <a:avLst/>
           </a:prstGeom>
         </p:spPr>
         <p:style>
           <a:lnRef idx="2">
-            <a:schemeClr val="accent1">
+            <a:schemeClr val="accent3">
               <a:shade val="50000"/>
             </a:schemeClr>
           </a:lnRef>
           <a:fillRef idx="1">
-            <a:schemeClr val="accent1"/>
+            <a:schemeClr val="accent3"/>
           </a:fillRef>
           <a:effectRef idx="0">
-            <a:schemeClr val="accent1"/>
+            <a:schemeClr val="accent3"/>
           </a:effectRef>
           <a:fontRef idx="minor">
             <a:schemeClr val="lt1"/>
@@ -6544,16 +9156,19 @@
           <a:lstStyle/>
           <a:p>
             <a:pPr algn="ctr"/>
-            <a:endParaRPr lang="en-US"/>
-          </a:p>
-        </p:txBody>
-      </p:sp>
-      <p:sp>
-        <p:nvSpPr>
-          <p:cNvPr id="9" name="Oval 8">
-            <a:extLst>
-              <a:ext uri="{FF2B5EF4-FFF2-40B4-BE49-F238E27FC236}">
-                <a16:creationId xmlns:a16="http://schemas.microsoft.com/office/drawing/2014/main" id="{1CB1B9FD-C987-4146-BA4D-426662F8664E}"/>
+            <a:r>
+              <a:rPr lang="en-US" dirty="0"/>
+              <a:t>Search box</a:t>
+            </a:r>
+          </a:p>
+        </p:txBody>
+      </p:sp>
+      <p:sp>
+        <p:nvSpPr>
+          <p:cNvPr id="10" name="Rectangle 9">
+            <a:extLst>
+              <a:ext uri="{FF2B5EF4-FFF2-40B4-BE49-F238E27FC236}">
+                <a16:creationId xmlns:a16="http://schemas.microsoft.com/office/drawing/2014/main" id="{D9B4D73B-8561-40E6-9C8C-C4095A7A5F6E}"/>
               </a:ext>
             </a:extLst>
           </p:cNvPr>
@@ -6562,24 +9177,24 @@
         </p:nvSpPr>
         <p:spPr>
           <a:xfrm>
-            <a:off x="6231835" y="3047862"/>
-            <a:ext cx="934278" cy="795131"/>
-          </a:xfrm>
-          <a:prstGeom prst="ellipse">
+            <a:off x="3036405" y="2067339"/>
+            <a:ext cx="2291796" cy="757031"/>
+          </a:xfrm>
+          <a:prstGeom prst="rect">
             <a:avLst/>
           </a:prstGeom>
         </p:spPr>
         <p:style>
           <a:lnRef idx="2">
-            <a:schemeClr val="accent1">
+            <a:schemeClr val="accent6">
               <a:shade val="50000"/>
             </a:schemeClr>
           </a:lnRef>
           <a:fillRef idx="1">
-            <a:schemeClr val="accent1"/>
+            <a:schemeClr val="accent6"/>
           </a:fillRef>
           <a:effectRef idx="0">
-            <a:schemeClr val="accent1"/>
+            <a:schemeClr val="accent6"/>
           </a:effectRef>
           <a:fontRef idx="minor">
             <a:schemeClr val="lt1"/>
@@ -6591,257 +9206,16 @@
           <a:p>
             <a:pPr algn="ctr"/>
             <a:r>
-              <a:rPr lang="en-US" dirty="0" err="1"/>
-              <a:t>ts</a:t>
-            </a:r>
-            <a:endParaRPr lang="en-US" dirty="0"/>
-          </a:p>
-        </p:txBody>
-      </p:sp>
-      <p:sp>
-        <p:nvSpPr>
-          <p:cNvPr id="11" name="Oval 10">
-            <a:extLst>
-              <a:ext uri="{FF2B5EF4-FFF2-40B4-BE49-F238E27FC236}">
-                <a16:creationId xmlns:a16="http://schemas.microsoft.com/office/drawing/2014/main" id="{1DAE114D-E0EF-4BFE-9DB9-ABBBF9C974C1}"/>
-              </a:ext>
-            </a:extLst>
-          </p:cNvPr>
-          <p:cNvSpPr/>
-          <p:nvPr/>
-        </p:nvSpPr>
-        <p:spPr>
-          <a:xfrm>
-            <a:off x="8869017" y="3047862"/>
-            <a:ext cx="1636644" cy="795131"/>
-          </a:xfrm>
-          <a:prstGeom prst="ellipse">
-            <a:avLst/>
-          </a:prstGeom>
-        </p:spPr>
-        <p:style>
-          <a:lnRef idx="2">
-            <a:schemeClr val="accent2">
-              <a:shade val="50000"/>
-            </a:schemeClr>
-          </a:lnRef>
-          <a:fillRef idx="1">
-            <a:schemeClr val="accent2"/>
-          </a:fillRef>
-          <a:effectRef idx="0">
-            <a:schemeClr val="accent2"/>
-          </a:effectRef>
-          <a:fontRef idx="minor">
-            <a:schemeClr val="lt1"/>
-          </a:fontRef>
-        </p:style>
-        <p:txBody>
-          <a:bodyPr rtlCol="0" anchor="ctr"/>
-          <a:lstStyle/>
-          <a:p>
-            <a:pPr algn="ctr"/>
-            <a:r>
               <a:rPr lang="en-US" dirty="0"/>
-              <a:t>template</a:t>
-            </a:r>
-          </a:p>
-        </p:txBody>
-      </p:sp>
-      <p:sp>
-        <p:nvSpPr>
-          <p:cNvPr id="13" name="Arrow: Right 12">
-            <a:extLst>
-              <a:ext uri="{FF2B5EF4-FFF2-40B4-BE49-F238E27FC236}">
-                <a16:creationId xmlns:a16="http://schemas.microsoft.com/office/drawing/2014/main" id="{5E2DAE97-47FD-4EC9-9156-B4C464393C97}"/>
-              </a:ext>
-            </a:extLst>
-          </p:cNvPr>
-          <p:cNvSpPr/>
-          <p:nvPr/>
-        </p:nvSpPr>
-        <p:spPr>
-          <a:xfrm>
-            <a:off x="7444409" y="3216827"/>
-            <a:ext cx="1311965" cy="457200"/>
-          </a:xfrm>
-          <a:prstGeom prst="rightArrow">
-            <a:avLst/>
-          </a:prstGeom>
-        </p:spPr>
-        <p:style>
-          <a:lnRef idx="2">
-            <a:schemeClr val="accent1">
-              <a:shade val="50000"/>
-            </a:schemeClr>
-          </a:lnRef>
-          <a:fillRef idx="1">
-            <a:schemeClr val="accent1"/>
-          </a:fillRef>
-          <a:effectRef idx="0">
-            <a:schemeClr val="accent1"/>
-          </a:effectRef>
-          <a:fontRef idx="minor">
-            <a:schemeClr val="lt1"/>
-          </a:fontRef>
-        </p:style>
-        <p:txBody>
-          <a:bodyPr rtlCol="0" anchor="ctr"/>
-          <a:lstStyle/>
-          <a:p>
-            <a:pPr algn="ctr"/>
-            <a:endParaRPr lang="en-US"/>
-          </a:p>
-        </p:txBody>
-      </p:sp>
-      <p:sp>
-        <p:nvSpPr>
-          <p:cNvPr id="17" name="Oval 16">
-            <a:extLst>
-              <a:ext uri="{FF2B5EF4-FFF2-40B4-BE49-F238E27FC236}">
-                <a16:creationId xmlns:a16="http://schemas.microsoft.com/office/drawing/2014/main" id="{6F4F830E-868A-4D81-82DC-1E52AF0E6BD6}"/>
-              </a:ext>
-            </a:extLst>
-          </p:cNvPr>
-          <p:cNvSpPr/>
-          <p:nvPr/>
-        </p:nvSpPr>
-        <p:spPr>
-          <a:xfrm>
-            <a:off x="6231835" y="3895931"/>
-            <a:ext cx="934278" cy="795131"/>
-          </a:xfrm>
-          <a:prstGeom prst="ellipse">
-            <a:avLst/>
-          </a:prstGeom>
-        </p:spPr>
-        <p:style>
-          <a:lnRef idx="2">
-            <a:schemeClr val="accent1">
-              <a:shade val="50000"/>
-            </a:schemeClr>
-          </a:lnRef>
-          <a:fillRef idx="1">
-            <a:schemeClr val="accent1"/>
-          </a:fillRef>
-          <a:effectRef idx="0">
-            <a:schemeClr val="accent1"/>
-          </a:effectRef>
-          <a:fontRef idx="minor">
-            <a:schemeClr val="lt1"/>
-          </a:fontRef>
-        </p:style>
-        <p:txBody>
-          <a:bodyPr rtlCol="0" anchor="ctr"/>
-          <a:lstStyle/>
-          <a:p>
-            <a:pPr algn="ctr"/>
-            <a:r>
-              <a:rPr lang="en-US" dirty="0" err="1"/>
-              <a:t>ts</a:t>
-            </a:r>
-            <a:endParaRPr lang="en-US" dirty="0"/>
-          </a:p>
-        </p:txBody>
-      </p:sp>
-      <p:sp>
-        <p:nvSpPr>
-          <p:cNvPr id="19" name="Oval 18">
-            <a:extLst>
-              <a:ext uri="{FF2B5EF4-FFF2-40B4-BE49-F238E27FC236}">
-                <a16:creationId xmlns:a16="http://schemas.microsoft.com/office/drawing/2014/main" id="{25072E73-34A1-4A1C-9BA0-8F46773A3CEE}"/>
-              </a:ext>
-            </a:extLst>
-          </p:cNvPr>
-          <p:cNvSpPr/>
-          <p:nvPr/>
-        </p:nvSpPr>
-        <p:spPr>
-          <a:xfrm>
-            <a:off x="8869017" y="3895931"/>
-            <a:ext cx="1636644" cy="795131"/>
-          </a:xfrm>
-          <a:prstGeom prst="ellipse">
-            <a:avLst/>
-          </a:prstGeom>
-        </p:spPr>
-        <p:style>
-          <a:lnRef idx="2">
-            <a:schemeClr val="accent2">
-              <a:shade val="50000"/>
-            </a:schemeClr>
-          </a:lnRef>
-          <a:fillRef idx="1">
-            <a:schemeClr val="accent2"/>
-          </a:fillRef>
-          <a:effectRef idx="0">
-            <a:schemeClr val="accent2"/>
-          </a:effectRef>
-          <a:fontRef idx="minor">
-            <a:schemeClr val="lt1"/>
-          </a:fontRef>
-        </p:style>
-        <p:txBody>
-          <a:bodyPr rtlCol="0" anchor="ctr"/>
-          <a:lstStyle/>
-          <a:p>
-            <a:pPr algn="ctr"/>
-            <a:r>
-              <a:rPr lang="en-US" dirty="0"/>
-              <a:t>template</a:t>
-            </a:r>
-          </a:p>
-        </p:txBody>
-      </p:sp>
-      <p:sp>
-        <p:nvSpPr>
-          <p:cNvPr id="21" name="Arrow: Right 20">
-            <a:extLst>
-              <a:ext uri="{FF2B5EF4-FFF2-40B4-BE49-F238E27FC236}">
-                <a16:creationId xmlns:a16="http://schemas.microsoft.com/office/drawing/2014/main" id="{4DAECC99-57D6-4EBC-B9FF-D0763C8D2F84}"/>
-              </a:ext>
-            </a:extLst>
-          </p:cNvPr>
-          <p:cNvSpPr/>
-          <p:nvPr/>
-        </p:nvSpPr>
-        <p:spPr>
-          <a:xfrm rot="10800000">
-            <a:off x="7444409" y="4064896"/>
-            <a:ext cx="1311965" cy="457200"/>
-          </a:xfrm>
-          <a:prstGeom prst="rightArrow">
-            <a:avLst/>
-          </a:prstGeom>
-        </p:spPr>
-        <p:style>
-          <a:lnRef idx="2">
-            <a:schemeClr val="accent1">
-              <a:shade val="50000"/>
-            </a:schemeClr>
-          </a:lnRef>
-          <a:fillRef idx="1">
-            <a:schemeClr val="accent1"/>
-          </a:fillRef>
-          <a:effectRef idx="0">
-            <a:schemeClr val="accent1"/>
-          </a:effectRef>
-          <a:fontRef idx="minor">
-            <a:schemeClr val="lt1"/>
-          </a:fontRef>
-        </p:style>
-        <p:txBody>
-          <a:bodyPr rtlCol="0" anchor="ctr"/>
-          <a:lstStyle/>
-          <a:p>
-            <a:pPr algn="ctr"/>
-            <a:endParaRPr lang="en-US"/>
+              <a:t>Toggle pictures</a:t>
+            </a:r>
           </a:p>
         </p:txBody>
       </p:sp>
     </p:spTree>
     <p:extLst>
       <p:ext uri="{BB962C8B-B14F-4D97-AF65-F5344CB8AC3E}">
-        <p14:creationId xmlns:p14="http://schemas.microsoft.com/office/powerpoint/2010/main" val="2573028190"/>
+        <p14:creationId xmlns:p14="http://schemas.microsoft.com/office/powerpoint/2010/main" val="3100046920"/>
       </p:ext>
     </p:extLst>
   </p:cSld>
@@ -6873,7 +9247,7 @@
           <p:cNvPr id="2" name="Title 1">
             <a:extLst>
               <a:ext uri="{FF2B5EF4-FFF2-40B4-BE49-F238E27FC236}">
-                <a16:creationId xmlns:a16="http://schemas.microsoft.com/office/drawing/2014/main" id="{63B19C9A-C325-444F-A756-5B2F8F27F4A1}"/>
+                <a16:creationId xmlns:a16="http://schemas.microsoft.com/office/drawing/2014/main" id="{37E5A226-A8B4-4AB5-BB01-A607ABAD1DE9}"/>
               </a:ext>
             </a:extLst>
           </p:cNvPr>
@@ -6891,7 +9265,7 @@
           <a:p>
             <a:r>
               <a:rPr lang="en-US" dirty="0"/>
-              <a:t>Two-way data binding</a:t>
+              <a:t>One-way binding</a:t>
             </a:r>
           </a:p>
         </p:txBody>
@@ -6901,7 +9275,7 @@
           <p:cNvPr id="3" name="Content Placeholder 2">
             <a:extLst>
               <a:ext uri="{FF2B5EF4-FFF2-40B4-BE49-F238E27FC236}">
-                <a16:creationId xmlns:a16="http://schemas.microsoft.com/office/drawing/2014/main" id="{4F2B9D3D-9C09-4E40-BC09-F701C5A15E2F}"/>
+                <a16:creationId xmlns:a16="http://schemas.microsoft.com/office/drawing/2014/main" id="{6F12DAA6-D707-493F-A837-FE01C0926AFC}"/>
               </a:ext>
             </a:extLst>
           </p:cNvPr>
@@ -6919,31 +9293,50 @@
           <a:p>
             <a:r>
               <a:rPr lang="en-US" dirty="0"/>
-              <a:t>[()]</a:t>
-            </a:r>
-          </a:p>
-          <a:p>
+              <a:t>String interpolation</a:t>
+            </a:r>
+          </a:p>
+          <a:p>
+            <a:pPr lvl="1"/>
             <a:r>
               <a:rPr lang="en-US" dirty="0"/>
-              <a:t>Ex: [(</a:t>
-            </a:r>
-            <a:r>
-              <a:rPr lang="en-US" dirty="0" err="1"/>
-              <a:t>ngModel</a:t>
-            </a:r>
+              <a:t>{{}}</a:t>
+            </a:r>
+          </a:p>
+          <a:p>
             <a:r>
               <a:rPr lang="en-US" dirty="0"/>
-              <a:t>)]</a:t>
-            </a:r>
-          </a:p>
-        </p:txBody>
-      </p:sp>
-      <p:sp>
-        <p:nvSpPr>
-          <p:cNvPr id="5" name="Oval 4">
-            <a:extLst>
-              <a:ext uri="{FF2B5EF4-FFF2-40B4-BE49-F238E27FC236}">
-                <a16:creationId xmlns:a16="http://schemas.microsoft.com/office/drawing/2014/main" id="{75C6A782-6B0D-41C3-AEB0-32EC1504F2DE}"/>
+              <a:t>Property binding</a:t>
+            </a:r>
+          </a:p>
+          <a:p>
+            <a:pPr lvl="1"/>
+            <a:r>
+              <a:rPr lang="en-US" dirty="0"/>
+              <a:t>[]</a:t>
+            </a:r>
+          </a:p>
+          <a:p>
+            <a:r>
+              <a:rPr lang="en-US" dirty="0"/>
+              <a:t>Event binding</a:t>
+            </a:r>
+          </a:p>
+          <a:p>
+            <a:pPr lvl="1"/>
+            <a:r>
+              <a:rPr lang="en-US" dirty="0"/>
+              <a:t>()</a:t>
+            </a:r>
+          </a:p>
+        </p:txBody>
+      </p:sp>
+      <p:sp>
+        <p:nvSpPr>
+          <p:cNvPr id="4" name="Oval 3">
+            <a:extLst>
+              <a:ext uri="{FF2B5EF4-FFF2-40B4-BE49-F238E27FC236}">
+                <a16:creationId xmlns:a16="http://schemas.microsoft.com/office/drawing/2014/main" id="{13FB0205-304E-495F-A9BB-2E02B4C070FC}"/>
               </a:ext>
             </a:extLst>
           </p:cNvPr>
@@ -6952,7 +9345,7 @@
         </p:nvSpPr>
         <p:spPr>
           <a:xfrm>
-            <a:off x="4452731" y="2225104"/>
+            <a:off x="6231835" y="2077278"/>
             <a:ext cx="934278" cy="795131"/>
           </a:xfrm>
           <a:prstGeom prst="ellipse">
@@ -6993,7 +9386,7 @@
           <p:cNvPr id="6" name="Oval 5">
             <a:extLst>
               <a:ext uri="{FF2B5EF4-FFF2-40B4-BE49-F238E27FC236}">
-                <a16:creationId xmlns:a16="http://schemas.microsoft.com/office/drawing/2014/main" id="{A6CE9334-8887-489F-ACBB-A8E37BA988F7}"/>
+                <a16:creationId xmlns:a16="http://schemas.microsoft.com/office/drawing/2014/main" id="{2CD7AC55-E676-4200-A49D-773CA702E51D}"/>
               </a:ext>
             </a:extLst>
           </p:cNvPr>
@@ -7002,7 +9395,7 @@
         </p:nvSpPr>
         <p:spPr>
           <a:xfrm>
-            <a:off x="7089913" y="2225104"/>
+            <a:off x="8869017" y="2077278"/>
             <a:ext cx="1636644" cy="795131"/>
           </a:xfrm>
           <a:prstGeom prst="ellipse">
@@ -7042,7 +9435,7 @@
           <p:cNvPr id="7" name="Arrow: Right 6">
             <a:extLst>
               <a:ext uri="{FF2B5EF4-FFF2-40B4-BE49-F238E27FC236}">
-                <a16:creationId xmlns:a16="http://schemas.microsoft.com/office/drawing/2014/main" id="{1FE00F3F-D177-422D-B86D-42CD8BBBF04D}"/>
+                <a16:creationId xmlns:a16="http://schemas.microsoft.com/office/drawing/2014/main" id="{949A39E6-5375-48A6-8001-B1B7BE557930}"/>
               </a:ext>
             </a:extLst>
           </p:cNvPr>
@@ -7051,7 +9444,7 @@
         </p:nvSpPr>
         <p:spPr>
           <a:xfrm>
-            <a:off x="5665305" y="2394069"/>
+            <a:off x="7444409" y="2246243"/>
             <a:ext cx="1311965" cy="457200"/>
           </a:xfrm>
           <a:prstGeom prst="rightArrow">
@@ -7085,10 +9478,10 @@
       </p:sp>
       <p:sp>
         <p:nvSpPr>
-          <p:cNvPr id="8" name="Oval 7">
-            <a:extLst>
-              <a:ext uri="{FF2B5EF4-FFF2-40B4-BE49-F238E27FC236}">
-                <a16:creationId xmlns:a16="http://schemas.microsoft.com/office/drawing/2014/main" id="{9DA9F6BF-BDAD-4BF5-A302-87483C58B617}"/>
+          <p:cNvPr id="9" name="Oval 8">
+            <a:extLst>
+              <a:ext uri="{FF2B5EF4-FFF2-40B4-BE49-F238E27FC236}">
+                <a16:creationId xmlns:a16="http://schemas.microsoft.com/office/drawing/2014/main" id="{1CB1B9FD-C987-4146-BA4D-426662F8664E}"/>
               </a:ext>
             </a:extLst>
           </p:cNvPr>
@@ -7097,7 +9490,7 @@
         </p:nvSpPr>
         <p:spPr>
           <a:xfrm>
-            <a:off x="4482548" y="4214846"/>
+            <a:off x="6231835" y="3047862"/>
             <a:ext cx="934278" cy="795131"/>
           </a:xfrm>
           <a:prstGeom prst="ellipse">
@@ -7135,10 +9528,10 @@
       </p:sp>
       <p:sp>
         <p:nvSpPr>
-          <p:cNvPr id="9" name="Oval 8">
-            <a:extLst>
-              <a:ext uri="{FF2B5EF4-FFF2-40B4-BE49-F238E27FC236}">
-                <a16:creationId xmlns:a16="http://schemas.microsoft.com/office/drawing/2014/main" id="{492A8927-AD43-4257-B3DA-E0C4924E4B5C}"/>
+          <p:cNvPr id="11" name="Oval 10">
+            <a:extLst>
+              <a:ext uri="{FF2B5EF4-FFF2-40B4-BE49-F238E27FC236}">
+                <a16:creationId xmlns:a16="http://schemas.microsoft.com/office/drawing/2014/main" id="{1DAE114D-E0EF-4BFE-9DB9-ABBBF9C974C1}"/>
               </a:ext>
             </a:extLst>
           </p:cNvPr>
@@ -7147,7 +9540,7 @@
         </p:nvSpPr>
         <p:spPr>
           <a:xfrm>
-            <a:off x="7119730" y="4214846"/>
+            <a:off x="8869017" y="3047862"/>
             <a:ext cx="1636644" cy="795131"/>
           </a:xfrm>
           <a:prstGeom prst="ellipse">
@@ -7184,10 +9577,10 @@
       </p:sp>
       <p:sp>
         <p:nvSpPr>
-          <p:cNvPr id="10" name="Arrow: Right 9">
-            <a:extLst>
-              <a:ext uri="{FF2B5EF4-FFF2-40B4-BE49-F238E27FC236}">
-                <a16:creationId xmlns:a16="http://schemas.microsoft.com/office/drawing/2014/main" id="{CE477F97-629E-47CE-92AC-D872193D40F5}"/>
+          <p:cNvPr id="13" name="Arrow: Right 12">
+            <a:extLst>
+              <a:ext uri="{FF2B5EF4-FFF2-40B4-BE49-F238E27FC236}">
+                <a16:creationId xmlns:a16="http://schemas.microsoft.com/office/drawing/2014/main" id="{5E2DAE97-47FD-4EC9-9156-B4C464393C97}"/>
               </a:ext>
             </a:extLst>
           </p:cNvPr>
@@ -7195,8 +9588,8 @@
           <p:nvPr/>
         </p:nvSpPr>
         <p:spPr>
-          <a:xfrm rot="10800000">
-            <a:off x="5695122" y="4383811"/>
+          <a:xfrm>
+            <a:off x="7444409" y="3216827"/>
             <a:ext cx="1311965" cy="457200"/>
           </a:xfrm>
           <a:prstGeom prst="rightArrow">
@@ -7228,10 +9621,155 @@
           </a:p>
         </p:txBody>
       </p:sp>
+      <p:sp>
+        <p:nvSpPr>
+          <p:cNvPr id="17" name="Oval 16">
+            <a:extLst>
+              <a:ext uri="{FF2B5EF4-FFF2-40B4-BE49-F238E27FC236}">
+                <a16:creationId xmlns:a16="http://schemas.microsoft.com/office/drawing/2014/main" id="{6F4F830E-868A-4D81-82DC-1E52AF0E6BD6}"/>
+              </a:ext>
+            </a:extLst>
+          </p:cNvPr>
+          <p:cNvSpPr/>
+          <p:nvPr/>
+        </p:nvSpPr>
+        <p:spPr>
+          <a:xfrm>
+            <a:off x="6231835" y="3895931"/>
+            <a:ext cx="934278" cy="795131"/>
+          </a:xfrm>
+          <a:prstGeom prst="ellipse">
+            <a:avLst/>
+          </a:prstGeom>
+        </p:spPr>
+        <p:style>
+          <a:lnRef idx="2">
+            <a:schemeClr val="accent1">
+              <a:shade val="50000"/>
+            </a:schemeClr>
+          </a:lnRef>
+          <a:fillRef idx="1">
+            <a:schemeClr val="accent1"/>
+          </a:fillRef>
+          <a:effectRef idx="0">
+            <a:schemeClr val="accent1"/>
+          </a:effectRef>
+          <a:fontRef idx="minor">
+            <a:schemeClr val="lt1"/>
+          </a:fontRef>
+        </p:style>
+        <p:txBody>
+          <a:bodyPr rtlCol="0" anchor="ctr"/>
+          <a:lstStyle/>
+          <a:p>
+            <a:pPr algn="ctr"/>
+            <a:r>
+              <a:rPr lang="en-US" dirty="0" err="1"/>
+              <a:t>ts</a:t>
+            </a:r>
+            <a:endParaRPr lang="en-US" dirty="0"/>
+          </a:p>
+        </p:txBody>
+      </p:sp>
+      <p:sp>
+        <p:nvSpPr>
+          <p:cNvPr id="19" name="Oval 18">
+            <a:extLst>
+              <a:ext uri="{FF2B5EF4-FFF2-40B4-BE49-F238E27FC236}">
+                <a16:creationId xmlns:a16="http://schemas.microsoft.com/office/drawing/2014/main" id="{25072E73-34A1-4A1C-9BA0-8F46773A3CEE}"/>
+              </a:ext>
+            </a:extLst>
+          </p:cNvPr>
+          <p:cNvSpPr/>
+          <p:nvPr/>
+        </p:nvSpPr>
+        <p:spPr>
+          <a:xfrm>
+            <a:off x="8869017" y="3895931"/>
+            <a:ext cx="1636644" cy="795131"/>
+          </a:xfrm>
+          <a:prstGeom prst="ellipse">
+            <a:avLst/>
+          </a:prstGeom>
+        </p:spPr>
+        <p:style>
+          <a:lnRef idx="2">
+            <a:schemeClr val="accent2">
+              <a:shade val="50000"/>
+            </a:schemeClr>
+          </a:lnRef>
+          <a:fillRef idx="1">
+            <a:schemeClr val="accent2"/>
+          </a:fillRef>
+          <a:effectRef idx="0">
+            <a:schemeClr val="accent2"/>
+          </a:effectRef>
+          <a:fontRef idx="minor">
+            <a:schemeClr val="lt1"/>
+          </a:fontRef>
+        </p:style>
+        <p:txBody>
+          <a:bodyPr rtlCol="0" anchor="ctr"/>
+          <a:lstStyle/>
+          <a:p>
+            <a:pPr algn="ctr"/>
+            <a:r>
+              <a:rPr lang="en-US" dirty="0"/>
+              <a:t>template</a:t>
+            </a:r>
+          </a:p>
+        </p:txBody>
+      </p:sp>
+      <p:sp>
+        <p:nvSpPr>
+          <p:cNvPr id="21" name="Arrow: Right 20">
+            <a:extLst>
+              <a:ext uri="{FF2B5EF4-FFF2-40B4-BE49-F238E27FC236}">
+                <a16:creationId xmlns:a16="http://schemas.microsoft.com/office/drawing/2014/main" id="{4DAECC99-57D6-4EBC-B9FF-D0763C8D2F84}"/>
+              </a:ext>
+            </a:extLst>
+          </p:cNvPr>
+          <p:cNvSpPr/>
+          <p:nvPr/>
+        </p:nvSpPr>
+        <p:spPr>
+          <a:xfrm rot="10800000">
+            <a:off x="7444409" y="4064896"/>
+            <a:ext cx="1311965" cy="457200"/>
+          </a:xfrm>
+          <a:prstGeom prst="rightArrow">
+            <a:avLst/>
+          </a:prstGeom>
+        </p:spPr>
+        <p:style>
+          <a:lnRef idx="2">
+            <a:schemeClr val="accent1">
+              <a:shade val="50000"/>
+            </a:schemeClr>
+          </a:lnRef>
+          <a:fillRef idx="1">
+            <a:schemeClr val="accent1"/>
+          </a:fillRef>
+          <a:effectRef idx="0">
+            <a:schemeClr val="accent1"/>
+          </a:effectRef>
+          <a:fontRef idx="minor">
+            <a:schemeClr val="lt1"/>
+          </a:fontRef>
+        </p:style>
+        <p:txBody>
+          <a:bodyPr rtlCol="0" anchor="ctr"/>
+          <a:lstStyle/>
+          <a:p>
+            <a:pPr algn="ctr"/>
+            <a:endParaRPr lang="en-US"/>
+          </a:p>
+        </p:txBody>
+      </p:sp>
     </p:spTree>
     <p:extLst>
       <p:ext uri="{BB962C8B-B14F-4D97-AF65-F5344CB8AC3E}">
-        <p14:creationId xmlns:p14="http://schemas.microsoft.com/office/powerpoint/2010/main" val="1076756645"/>
+        <p14:creationId xmlns:p14="http://schemas.microsoft.com/office/powerpoint/2010/main" val="2573028190"/>
       </p:ext>
     </p:extLst>
   </p:cSld>
